--- a/materials/slides/ch06.pptx
+++ b/materials/slides/ch06.pptx
@@ -5,7 +5,7 @@
     <p:sldMasterId id="2147483669" r:id="rId1"/>
   </p:sldMasterIdLst>
   <p:notesMasterIdLst>
-    <p:notesMasterId r:id="rId53"/>
+    <p:notesMasterId r:id="rId54"/>
   </p:notesMasterIdLst>
   <p:sldIdLst>
     <p:sldId id="351" r:id="rId2"/>
@@ -32,33 +32,34 @@
     <p:sldId id="628" r:id="rId23"/>
     <p:sldId id="629" r:id="rId24"/>
     <p:sldId id="630" r:id="rId25"/>
-    <p:sldId id="631" r:id="rId26"/>
-    <p:sldId id="632" r:id="rId27"/>
-    <p:sldId id="633" r:id="rId28"/>
-    <p:sldId id="634" r:id="rId29"/>
-    <p:sldId id="635" r:id="rId30"/>
-    <p:sldId id="636" r:id="rId31"/>
-    <p:sldId id="638" r:id="rId32"/>
-    <p:sldId id="639" r:id="rId33"/>
-    <p:sldId id="640" r:id="rId34"/>
-    <p:sldId id="641" r:id="rId35"/>
-    <p:sldId id="642" r:id="rId36"/>
-    <p:sldId id="643" r:id="rId37"/>
-    <p:sldId id="644" r:id="rId38"/>
-    <p:sldId id="659" r:id="rId39"/>
-    <p:sldId id="646" r:id="rId40"/>
-    <p:sldId id="660" r:id="rId41"/>
-    <p:sldId id="647" r:id="rId42"/>
-    <p:sldId id="648" r:id="rId43"/>
-    <p:sldId id="649" r:id="rId44"/>
-    <p:sldId id="661" r:id="rId45"/>
-    <p:sldId id="651" r:id="rId46"/>
-    <p:sldId id="652" r:id="rId47"/>
-    <p:sldId id="653" r:id="rId48"/>
-    <p:sldId id="654" r:id="rId49"/>
-    <p:sldId id="655" r:id="rId50"/>
-    <p:sldId id="662" r:id="rId51"/>
-    <p:sldId id="262" r:id="rId52"/>
+    <p:sldId id="632" r:id="rId26"/>
+    <p:sldId id="631" r:id="rId27"/>
+    <p:sldId id="663" r:id="rId28"/>
+    <p:sldId id="633" r:id="rId29"/>
+    <p:sldId id="634" r:id="rId30"/>
+    <p:sldId id="635" r:id="rId31"/>
+    <p:sldId id="636" r:id="rId32"/>
+    <p:sldId id="638" r:id="rId33"/>
+    <p:sldId id="639" r:id="rId34"/>
+    <p:sldId id="640" r:id="rId35"/>
+    <p:sldId id="641" r:id="rId36"/>
+    <p:sldId id="642" r:id="rId37"/>
+    <p:sldId id="643" r:id="rId38"/>
+    <p:sldId id="644" r:id="rId39"/>
+    <p:sldId id="659" r:id="rId40"/>
+    <p:sldId id="646" r:id="rId41"/>
+    <p:sldId id="660" r:id="rId42"/>
+    <p:sldId id="647" r:id="rId43"/>
+    <p:sldId id="648" r:id="rId44"/>
+    <p:sldId id="649" r:id="rId45"/>
+    <p:sldId id="661" r:id="rId46"/>
+    <p:sldId id="651" r:id="rId47"/>
+    <p:sldId id="652" r:id="rId48"/>
+    <p:sldId id="653" r:id="rId49"/>
+    <p:sldId id="654" r:id="rId50"/>
+    <p:sldId id="655" r:id="rId51"/>
+    <p:sldId id="662" r:id="rId52"/>
+    <p:sldId id="262" r:id="rId53"/>
   </p:sldIdLst>
   <p:sldSz cx="12192000" cy="6858000"/>
   <p:notesSz cx="6858000" cy="9144000"/>
@@ -159,7 +160,7 @@
   </p:defaultTextStyle>
   <p:extLst>
     <p:ext uri="{EFAFB233-063F-42B5-8137-9DF3F51BA10A}">
-      <p15:sldGuideLst xmlns:p15="http://schemas.microsoft.com/office/powerpoint/2012/main">
+      <p15:sldGuideLst xmlns="" xmlns:p15="http://schemas.microsoft.com/office/powerpoint/2012/main">
         <p15:guide id="1" orient="horz" pos="2160" userDrawn="1">
           <p15:clr>
             <a:srgbClr val="A4A3A4"/>
@@ -181,7 +182,7 @@
   <p:cmAuthor id="1" name="Eetze" initials="E" lastIdx="1" clrIdx="0">
     <p:extLst>
       <p:ext uri="{19B8F6BF-5375-455C-9EA6-DF929625EA0E}">
-        <p15:presenceInfo xmlns:p15="http://schemas.microsoft.com/office/powerpoint/2012/main" userId="Eetze" providerId="None"/>
+        <p15:presenceInfo xmlns="" xmlns:p15="http://schemas.microsoft.com/office/powerpoint/2012/main" userId="Eetze" providerId="None"/>
       </p:ext>
     </p:extLst>
   </p:cmAuthor>
@@ -270,7 +271,7 @@
           <a:p>
             <a:fld id="{A097A4FE-15A4-4468-9890-CEB24014ACB3}" type="datetimeFigureOut">
               <a:rPr lang="zh-CN" altLang="en-US" smtClean="0"/>
-              <a:t>2018/3/26</a:t>
+              <a:t>2018/10/29</a:t>
             </a:fld>
             <a:endParaRPr lang="zh-CN" altLang="en-US"/>
           </a:p>
@@ -1928,7 +1929,7 @@
           <a:p>
             <a:fld id="{530820CF-B880-4189-942D-D702A7CBA730}" type="datetimeFigureOut">
               <a:rPr lang="zh-CN" altLang="en-US" smtClean="0"/>
-              <a:t>2018/3/26</a:t>
+              <a:t>2018/10/29</a:t>
             </a:fld>
             <a:endParaRPr lang="zh-CN" altLang="en-US"/>
           </a:p>
@@ -2047,7 +2048,7 @@
           <a:p>
             <a:fld id="{530820CF-B880-4189-942D-D702A7CBA730}" type="datetimeFigureOut">
               <a:rPr lang="zh-CN" altLang="en-US" smtClean="0"/>
-              <a:t>2018/3/26</a:t>
+              <a:t>2018/10/29</a:t>
             </a:fld>
             <a:endParaRPr lang="zh-CN" altLang="en-US"/>
           </a:p>
@@ -2450,7 +2451,7 @@
           <a:p>
             <a:fld id="{530820CF-B880-4189-942D-D702A7CBA730}" type="datetimeFigureOut">
               <a:rPr lang="zh-CN" altLang="en-US" smtClean="0"/>
-              <a:t>2018/3/26</a:t>
+              <a:t>2018/10/29</a:t>
             </a:fld>
             <a:endParaRPr lang="zh-CN" altLang="en-US"/>
           </a:p>
@@ -2998,24 +2999,25 @@
           <a:lstStyle/>
           <a:p>
             <a:r>
-              <a:rPr lang="zh-CN" altLang="en-US"/>
-              <a:t>第六章 第一讲</a:t>
+              <a:rPr lang="zh-CN" altLang="en-US" dirty="0"/>
+              <a:t>第六</a:t>
+            </a:r>
+            <a:r>
+              <a:rPr lang="zh-CN" altLang="en-US" dirty="0" smtClean="0"/>
+              <a:t>章</a:t>
+            </a:r>
+            <a:r>
+              <a:rPr lang="zh-CN" altLang="en-US" dirty="0"/>
+              <a:t/>
             </a:r>
             <a:br>
-              <a:rPr lang="zh-CN" altLang="en-US"/>
+              <a:rPr lang="zh-CN" altLang="en-US" dirty="0"/>
             </a:br>
             <a:r>
-              <a:rPr lang="zh-CN" altLang="en-US"/>
-              <a:t>使用</a:t>
-            </a:r>
-            <a:r>
-              <a:rPr lang="en-US" altLang="zh-CN"/>
-              <a:t>XML</a:t>
-            </a:r>
-            <a:r>
-              <a:rPr lang="zh-CN" altLang="en-US"/>
-              <a:t>资源</a:t>
-            </a:r>
+              <a:rPr lang="zh-CN" altLang="en-US" dirty="0" smtClean="0"/>
+              <a:t>资源的使用</a:t>
+            </a:r>
+            <a:endParaRPr lang="zh-CN" altLang="en-US" dirty="0"/>
           </a:p>
         </p:txBody>
       </p:sp>
@@ -4489,50 +4491,40 @@
                 <a:latin typeface="Consolas" panose="020B0609020204030204" pitchFamily="49" charset="0"/>
                 <a:ea typeface="微软雅黑" panose="020B0503020204020204" pitchFamily="34" charset="-122"/>
               </a:rPr>
-              <a:t>"user_</a:t>
-            </a:r>
-            <a:r>
-              <a:rPr lang="zh-CN" altLang="zh-CN" sz="2800" b="1">
+              <a:t>"user_name</a:t>
+            </a:r>
+            <a:r>
+              <a:rPr lang="zh-CN" altLang="zh-CN" sz="2800" b="1" dirty="0" smtClean="0">
                 <a:solidFill>
                   <a:srgbClr val="008000"/>
                 </a:solidFill>
                 <a:latin typeface="Consolas" panose="020B0609020204030204" pitchFamily="49" charset="0"/>
                 <a:ea typeface="微软雅黑" panose="020B0503020204020204" pitchFamily="34" charset="-122"/>
               </a:rPr>
-              <a:t>name</a:t>
-            </a:r>
-            <a:r>
-              <a:rPr lang="zh-CN" altLang="zh-CN" sz="2800" b="1" smtClean="0">
-                <a:solidFill>
-                  <a:srgbClr val="008000"/>
+              <a:t>"</a:t>
+            </a:r>
+            <a:r>
+              <a:rPr lang="zh-CN" altLang="zh-CN" sz="2800" dirty="0" smtClean="0">
+                <a:solidFill>
+                  <a:srgbClr val="000000"/>
                 </a:solidFill>
                 <a:latin typeface="Consolas" panose="020B0609020204030204" pitchFamily="49" charset="0"/>
                 <a:ea typeface="微软雅黑" panose="020B0503020204020204" pitchFamily="34" charset="-122"/>
               </a:rPr>
-              <a:t>"</a:t>
-            </a:r>
-            <a:r>
-              <a:rPr lang="zh-CN" altLang="zh-CN" sz="2800" smtClean="0">
+              <a:t>&gt;</a:t>
+            </a:r>
+            <a:r>
+              <a:rPr lang="zh-CN" altLang="en-US" sz="2800" dirty="0" smtClean="0">
                 <a:solidFill>
                   <a:srgbClr val="000000"/>
                 </a:solidFill>
                 <a:latin typeface="Consolas" panose="020B0609020204030204" pitchFamily="49" charset="0"/>
                 <a:ea typeface="微软雅黑" panose="020B0503020204020204" pitchFamily="34" charset="-122"/>
               </a:rPr>
-              <a:t>&gt;</a:t>
-            </a:r>
-            <a:r>
-              <a:rPr lang="zh-CN" altLang="en-US" sz="2800" smtClean="0">
-                <a:solidFill>
-                  <a:srgbClr val="000000"/>
-                </a:solidFill>
-                <a:latin typeface="Consolas" panose="020B0609020204030204" pitchFamily="49" charset="0"/>
-                <a:ea typeface="微软雅黑" panose="020B0503020204020204" pitchFamily="34" charset="-122"/>
-              </a:rPr>
               <a:t>张三</a:t>
             </a:r>
             <a:r>
-              <a:rPr lang="zh-CN" altLang="zh-CN" sz="2800" smtClean="0">
+              <a:rPr lang="zh-CN" altLang="zh-CN" sz="2800" dirty="0" smtClean="0">
                 <a:solidFill>
                   <a:srgbClr val="000000"/>
                 </a:solidFill>
@@ -5701,7 +5693,7 @@
               <a:t>A</a:t>
             </a:r>
             <a:r>
-              <a:rPr lang="en-US" altLang="zh-CN" sz="3200" smtClean="0">
+              <a:rPr lang="en-US" altLang="zh-CN" sz="3200" dirty="0" smtClean="0">
                 <a:solidFill>
                   <a:schemeClr val="tx1">
                     <a:lumMod val="85000"/>
@@ -5771,7 +5763,7 @@
               <a:t>A</a:t>
             </a:r>
             <a:r>
-              <a:rPr lang="en-US" altLang="zh-CN" sz="3200" smtClean="0">
+              <a:rPr lang="en-US" altLang="zh-CN" sz="3200" dirty="0" smtClean="0">
                 <a:solidFill>
                   <a:schemeClr val="tx1">
                     <a:lumMod val="85000"/>
@@ -5823,21 +5815,10 @@
                   </a:schemeClr>
                 </a:solidFill>
               </a:rPr>
-              <a:t>：字符串组成的</a:t>
-            </a:r>
-            <a:r>
-              <a:rPr lang="zh-CN" altLang="en-US" sz="2800" smtClean="0">
-                <a:solidFill>
-                  <a:schemeClr val="tx1">
-                    <a:lumMod val="85000"/>
-                    <a:lumOff val="15000"/>
-                  </a:schemeClr>
-                </a:solidFill>
-              </a:rPr>
-              <a:t>数组形式</a:t>
-            </a:r>
-            <a:r>
-              <a:rPr lang="zh-CN" altLang="en-US" sz="2800">
+              <a:t>：字符串组成的数组形式</a:t>
+            </a:r>
+            <a:r>
+              <a:rPr lang="zh-CN" altLang="en-US" sz="2800" dirty="0">
                 <a:solidFill>
                   <a:schemeClr val="tx1">
                     <a:lumMod val="85000"/>
@@ -5900,18 +5881,7 @@
                   </a:schemeClr>
                 </a:solidFill>
               </a:rPr>
-              <a:t>型数据组成的</a:t>
-            </a:r>
-            <a:r>
-              <a:rPr lang="zh-CN" altLang="en-US" sz="2800" smtClean="0">
-                <a:solidFill>
-                  <a:schemeClr val="tx1">
-                    <a:lumMod val="85000"/>
-                    <a:lumOff val="15000"/>
-                  </a:schemeClr>
-                </a:solidFill>
-              </a:rPr>
-              <a:t>数组形式。</a:t>
+              <a:t>型数据组成的数组形式。</a:t>
             </a:r>
             <a:endParaRPr lang="en-US" altLang="zh-CN" sz="2800" dirty="0" smtClean="0">
               <a:solidFill>
@@ -5944,18 +5914,7 @@
                   </a:schemeClr>
                 </a:solidFill>
               </a:rPr>
-              <a:t>：一般数组形式（数据元素类型不</a:t>
-            </a:r>
-            <a:r>
-              <a:rPr lang="zh-CN" altLang="en-US" sz="2800" smtClean="0">
-                <a:solidFill>
-                  <a:schemeClr val="tx1">
-                    <a:lumMod val="85000"/>
-                    <a:lumOff val="15000"/>
-                  </a:schemeClr>
-                </a:solidFill>
-              </a:rPr>
-              <a:t>限）。</a:t>
+              <a:t>：一般数组形式（数据元素类型不限）。</a:t>
             </a:r>
             <a:endParaRPr lang="en-US" altLang="zh-CN" sz="2800" dirty="0" smtClean="0">
               <a:solidFill>
@@ -5984,7 +5943,7 @@
               <a:t>A</a:t>
             </a:r>
             <a:r>
-              <a:rPr lang="en-US" altLang="zh-CN" sz="3200" smtClean="0">
+              <a:rPr lang="en-US" altLang="zh-CN" sz="3200" dirty="0" smtClean="0">
                 <a:solidFill>
                   <a:schemeClr val="tx1">
                     <a:lumMod val="85000"/>
@@ -6047,21 +6006,10 @@
                   </a:schemeClr>
                 </a:solidFill>
               </a:rPr>
-              <a:t>文件中的定义</a:t>
-            </a:r>
-            <a:r>
-              <a:rPr lang="zh-CN" altLang="en-US" sz="2800" smtClean="0">
-                <a:solidFill>
-                  <a:schemeClr val="tx1">
-                    <a:lumMod val="85000"/>
-                    <a:lumOff val="15000"/>
-                  </a:schemeClr>
-                </a:solidFill>
-              </a:rPr>
-              <a:t>：</a:t>
-            </a:r>
-            <a:r>
-              <a:rPr lang="en-US" altLang="zh-CN" sz="2800" smtClean="0">
+              <a:t>文件中的定义：</a:t>
+            </a:r>
+            <a:r>
+              <a:rPr lang="en-US" altLang="zh-CN" sz="2800" dirty="0" smtClean="0">
                 <a:solidFill>
                   <a:srgbClr val="C00000"/>
                 </a:solidFill>
@@ -6069,7 +6017,7 @@
               <a:t>res/values/arrays.xml</a:t>
             </a:r>
             <a:r>
-              <a:rPr lang="zh-CN" altLang="en-US" sz="2800" b="1" smtClean="0">
+              <a:rPr lang="zh-CN" altLang="en-US" sz="2800" b="1" dirty="0" smtClean="0">
                 <a:solidFill>
                   <a:schemeClr val="tx1">
                     <a:lumMod val="85000"/>
@@ -6121,18 +6069,7 @@
                   </a:schemeClr>
                 </a:solidFill>
               </a:rPr>
-              <a:t>文件中</a:t>
-            </a:r>
-            <a:r>
-              <a:rPr lang="zh-CN" altLang="en-US" sz="2800" smtClean="0">
-                <a:solidFill>
-                  <a:schemeClr val="tx1">
-                    <a:lumMod val="85000"/>
-                    <a:lumOff val="15000"/>
-                  </a:schemeClr>
-                </a:solidFill>
-              </a:rPr>
-              <a:t>的使用。</a:t>
+              <a:t>文件中的使用。</a:t>
             </a:r>
             <a:endParaRPr lang="zh-CN" altLang="en-US" sz="2800" dirty="0">
               <a:solidFill>
@@ -8198,18 +8135,7 @@
                   </a:schemeClr>
                 </a:solidFill>
               </a:rPr>
-              <a:t>存储</a:t>
-            </a:r>
-            <a:r>
-              <a:rPr lang="zh-CN" altLang="en-US" sz="3200" smtClean="0">
-                <a:solidFill>
-                  <a:schemeClr val="tx1">
-                    <a:lumMod val="85000"/>
-                    <a:lumOff val="15000"/>
-                  </a:schemeClr>
-                </a:solidFill>
-              </a:rPr>
-              <a:t>在</a:t>
+              <a:t>存储在</a:t>
             </a:r>
             <a:r>
               <a:rPr lang="en-US" altLang="zh-CN" sz="3200" dirty="0">
@@ -8440,7 +8366,7 @@
               <a:t>L</a:t>
             </a:r>
             <a:r>
-              <a:rPr lang="en-US" altLang="zh-CN" sz="3200" smtClean="0">
+              <a:rPr lang="en-US" altLang="zh-CN" sz="3200" dirty="0" smtClean="0">
                 <a:solidFill>
                   <a:schemeClr val="tx1">
                     <a:lumMod val="85000"/>
@@ -8524,7 +8450,7 @@
               </a:spcBef>
             </a:pPr>
             <a:r>
-              <a:rPr lang="en-US" altLang="zh-CN" sz="3200" smtClean="0">
+              <a:rPr lang="en-US" altLang="zh-CN" sz="3200" dirty="0" smtClean="0">
                 <a:solidFill>
                   <a:schemeClr val="tx1">
                     <a:lumMod val="85000"/>
@@ -8565,18 +8491,7 @@
                   </a:schemeClr>
                 </a:solidFill>
               </a:rPr>
-              <a:t>目录</a:t>
-            </a:r>
-            <a:r>
-              <a:rPr lang="zh-CN" altLang="en-US" sz="3200" smtClean="0">
-                <a:solidFill>
-                  <a:schemeClr val="tx1">
-                    <a:lumMod val="85000"/>
-                    <a:lumOff val="15000"/>
-                  </a:schemeClr>
-                </a:solidFill>
-              </a:rPr>
-              <a:t>下。</a:t>
+              <a:t>目录下。</a:t>
             </a:r>
             <a:endParaRPr lang="en-US" altLang="zh-CN" sz="3200" dirty="0" smtClean="0">
               <a:solidFill>
@@ -11199,7 +11114,7 @@
               <a:t>"CustomTheme" </a:t>
             </a:r>
             <a:r>
-              <a:rPr lang="zh-CN" altLang="zh-CN" sz="2400" b="1">
+              <a:rPr lang="zh-CN" altLang="zh-CN" sz="2400" b="1" dirty="0">
                 <a:solidFill>
                   <a:srgbClr val="0000FF"/>
                 </a:solidFill>
@@ -11208,7 +11123,7 @@
               <a:t>parent</a:t>
             </a:r>
             <a:r>
-              <a:rPr lang="zh-CN" altLang="zh-CN" sz="2400" b="1" smtClean="0">
+              <a:rPr lang="zh-CN" altLang="zh-CN" sz="2400" b="1" dirty="0" smtClean="0">
                 <a:solidFill>
                   <a:srgbClr val="0000FF"/>
                 </a:solidFill>
@@ -11217,7 +11132,7 @@
               <a:t>=</a:t>
             </a:r>
             <a:r>
-              <a:rPr lang="zh-CN" altLang="zh-CN" sz="2400" b="1" smtClean="0">
+              <a:rPr lang="zh-CN" altLang="zh-CN" sz="2400" b="1" dirty="0" smtClean="0">
                 <a:solidFill>
                   <a:srgbClr val="008000"/>
                 </a:solidFill>
@@ -11226,7 +11141,7 @@
               <a:t>"</a:t>
             </a:r>
             <a:r>
-              <a:rPr lang="en-US" altLang="zh-CN" sz="2400" b="1" smtClean="0">
+              <a:rPr lang="en-US" altLang="zh-CN" sz="2400" b="1" dirty="0" err="1" smtClean="0">
                 <a:solidFill>
                   <a:srgbClr val="008000"/>
                 </a:solidFill>
@@ -11235,7 +11150,7 @@
               <a:t>AppTheme</a:t>
             </a:r>
             <a:r>
-              <a:rPr lang="zh-CN" altLang="zh-CN" sz="2400" b="1" smtClean="0">
+              <a:rPr lang="zh-CN" altLang="zh-CN" sz="2400" b="1" dirty="0" smtClean="0">
                 <a:solidFill>
                   <a:srgbClr val="008000"/>
                 </a:solidFill>
@@ -11244,7 +11159,7 @@
               <a:t>"</a:t>
             </a:r>
             <a:r>
-              <a:rPr lang="zh-CN" altLang="zh-CN" sz="2400" b="1" smtClean="0">
+              <a:rPr lang="zh-CN" altLang="zh-CN" sz="2400" b="1" dirty="0" smtClean="0">
                 <a:solidFill>
                   <a:srgbClr val="000000"/>
                 </a:solidFill>
@@ -11294,7 +11209,25 @@
                 </a:solidFill>
                 <a:latin typeface="Consolas" panose="020B0609020204030204" pitchFamily="49" charset="0"/>
               </a:rPr>
-              <a:t>name=</a:t>
+              <a:t>name</a:t>
+            </a:r>
+            <a:r>
+              <a:rPr lang="zh-CN" altLang="zh-CN" sz="2400" b="1" dirty="0" smtClean="0">
+                <a:solidFill>
+                  <a:srgbClr val="0000FF"/>
+                </a:solidFill>
+                <a:latin typeface="Consolas" panose="020B0609020204030204" pitchFamily="49" charset="0"/>
+              </a:rPr>
+              <a:t>=</a:t>
+            </a:r>
+            <a:r>
+              <a:rPr lang="zh-CN" altLang="zh-CN" sz="2400" b="1" dirty="0" smtClean="0">
+                <a:solidFill>
+                  <a:srgbClr val="008000"/>
+                </a:solidFill>
+                <a:latin typeface="Consolas" panose="020B0609020204030204" pitchFamily="49" charset="0"/>
+              </a:rPr>
+              <a:t>"windowNoTitle</a:t>
             </a:r>
             <a:r>
               <a:rPr lang="zh-CN" altLang="zh-CN" sz="2400" b="1" dirty="0">
@@ -11303,7 +11236,7 @@
                 </a:solidFill>
                 <a:latin typeface="Consolas" panose="020B0609020204030204" pitchFamily="49" charset="0"/>
               </a:rPr>
-              <a:t>"android:windowNoTitle"</a:t>
+              <a:t>"</a:t>
             </a:r>
             <a:r>
               <a:rPr lang="zh-CN" altLang="zh-CN" sz="2400" b="1" dirty="0">
@@ -11315,7 +11248,7 @@
               <a:t>&gt;true&lt;/</a:t>
             </a:r>
             <a:r>
-              <a:rPr lang="zh-CN" altLang="zh-CN" sz="2400" b="1">
+              <a:rPr lang="zh-CN" altLang="zh-CN" sz="2400" b="1" dirty="0">
                 <a:solidFill>
                   <a:srgbClr val="000080"/>
                 </a:solidFill>
@@ -11324,7 +11257,7 @@
               <a:t>item</a:t>
             </a:r>
             <a:r>
-              <a:rPr lang="zh-CN" altLang="zh-CN" sz="2400" b="1" smtClean="0">
+              <a:rPr lang="zh-CN" altLang="zh-CN" sz="2400" b="1" dirty="0" smtClean="0">
                 <a:solidFill>
                   <a:srgbClr val="000000"/>
                 </a:solidFill>
@@ -11767,18 +11700,7 @@
                   </a:schemeClr>
                 </a:solidFill>
               </a:rPr>
-              <a:t>属性，表明当前主题继承的父主题</a:t>
-            </a:r>
-            <a:r>
-              <a:rPr lang="zh-CN" altLang="en-US" sz="3200" smtClean="0">
-                <a:solidFill>
-                  <a:schemeClr val="tx1">
-                    <a:lumMod val="85000"/>
-                    <a:lumOff val="15000"/>
-                  </a:schemeClr>
-                </a:solidFill>
-              </a:rPr>
-              <a:t>。</a:t>
+              <a:t>属性，表明当前主题继承的父主题。</a:t>
             </a:r>
             <a:endParaRPr lang="en-US" altLang="zh-CN" sz="3200" smtClean="0">
               <a:solidFill>
@@ -11804,18 +11726,7 @@
                   </a:schemeClr>
                 </a:solidFill>
               </a:rPr>
-              <a:t>详细信息，请</a:t>
-            </a:r>
-            <a:r>
-              <a:rPr lang="zh-CN" altLang="en-US" sz="3200">
-                <a:solidFill>
-                  <a:schemeClr val="tx1">
-                    <a:lumMod val="85000"/>
-                    <a:lumOff val="15000"/>
-                  </a:schemeClr>
-                </a:solidFill>
-              </a:rPr>
-              <a:t>参考</a:t>
+              <a:t>详细信息，请参考</a:t>
             </a:r>
             <a:r>
               <a:rPr lang="zh-CN" altLang="en-US" sz="3200" smtClean="0">
@@ -12679,7 +12590,7 @@
               <a:buChar char="•"/>
             </a:pPr>
             <a:r>
-              <a:rPr lang="zh-CN" altLang="en-US" sz="3200" smtClean="0">
+              <a:rPr lang="zh-CN" altLang="en-US" sz="3200" dirty="0" smtClean="0">
                 <a:solidFill>
                   <a:schemeClr val="tx1">
                     <a:lumMod val="85000"/>
@@ -12898,6 +12809,565 @@
             </a:r>
             <a:r>
               <a:rPr lang="en-US" altLang="zh-CN" dirty="0" err="1" smtClean="0"/>
+              <a:t>mipmap</a:t>
+            </a:r>
+            <a:r>
+              <a:rPr lang="zh-CN" altLang="en-US" dirty="0" smtClean="0"/>
+              <a:t>资源</a:t>
+            </a:r>
+            <a:endParaRPr lang="zh-CN" altLang="en-US" dirty="0"/>
+          </a:p>
+        </p:txBody>
+      </p:sp>
+      <p:sp>
+        <p:nvSpPr>
+          <p:cNvPr id="3" name="内容占位符 2"/>
+          <p:cNvSpPr>
+            <a:spLocks noGrp="1"/>
+          </p:cNvSpPr>
+          <p:nvPr>
+            <p:ph idx="1"/>
+          </p:nvPr>
+        </p:nvSpPr>
+        <p:spPr>
+          <a:xfrm>
+            <a:off x="609600" y="1600200"/>
+            <a:ext cx="10972800" cy="4565104"/>
+          </a:xfrm>
+        </p:spPr>
+        <p:txBody>
+          <a:bodyPr>
+            <a:normAutofit lnSpcReduction="10000"/>
+          </a:bodyPr>
+          <a:lstStyle/>
+          <a:p>
+            <a:r>
+              <a:rPr lang="zh-CN" altLang="en-US" sz="3200" dirty="0" smtClean="0">
+                <a:solidFill>
+                  <a:schemeClr val="tx1">
+                    <a:lumMod val="85000"/>
+                    <a:lumOff val="15000"/>
+                  </a:schemeClr>
+                </a:solidFill>
+              </a:rPr>
+              <a:t>在</a:t>
+            </a:r>
+            <a:r>
+              <a:rPr lang="en-US" altLang="zh-CN" sz="3200" dirty="0" smtClean="0">
+                <a:solidFill>
+                  <a:schemeClr val="tx1">
+                    <a:lumMod val="85000"/>
+                    <a:lumOff val="15000"/>
+                  </a:schemeClr>
+                </a:solidFill>
+              </a:rPr>
+              <a:t>res/</a:t>
+            </a:r>
+            <a:r>
+              <a:rPr lang="zh-CN" altLang="en-US" sz="3200" dirty="0" smtClean="0">
+                <a:solidFill>
+                  <a:schemeClr val="tx1">
+                    <a:lumMod val="85000"/>
+                    <a:lumOff val="15000"/>
+                  </a:schemeClr>
+                </a:solidFill>
+              </a:rPr>
+              <a:t>目录下默认情况</a:t>
+            </a:r>
+            <a:r>
+              <a:rPr lang="zh-CN" altLang="en-US" sz="3200" dirty="0" smtClean="0">
+                <a:solidFill>
+                  <a:schemeClr val="tx1">
+                    <a:lumMod val="85000"/>
+                    <a:lumOff val="15000"/>
+                  </a:schemeClr>
+                </a:solidFill>
+              </a:rPr>
+              <a:t>有六个</a:t>
+            </a:r>
+            <a:r>
+              <a:rPr lang="en-US" altLang="zh-CN" sz="3200" dirty="0" err="1" smtClean="0">
+                <a:solidFill>
+                  <a:schemeClr val="tx1">
+                    <a:lumMod val="85000"/>
+                    <a:lumOff val="15000"/>
+                  </a:schemeClr>
+                </a:solidFill>
+              </a:rPr>
+              <a:t>mipmap</a:t>
+            </a:r>
+            <a:r>
+              <a:rPr lang="zh-CN" altLang="en-US" sz="3200" dirty="0" smtClean="0">
+                <a:solidFill>
+                  <a:schemeClr val="tx1">
+                    <a:lumMod val="85000"/>
+                    <a:lumOff val="15000"/>
+                  </a:schemeClr>
+                </a:solidFill>
+              </a:rPr>
+              <a:t>子目录</a:t>
+            </a:r>
+            <a:r>
+              <a:rPr lang="zh-CN" altLang="en-US" sz="3200" dirty="0" smtClean="0">
+                <a:solidFill>
+                  <a:schemeClr val="tx1">
+                    <a:lumMod val="85000"/>
+                    <a:lumOff val="15000"/>
+                  </a:schemeClr>
+                </a:solidFill>
+              </a:rPr>
+              <a:t>。</a:t>
+            </a:r>
+            <a:endParaRPr lang="en-US" altLang="zh-CN" sz="3200" dirty="0" smtClean="0">
+              <a:solidFill>
+                <a:schemeClr val="tx1">
+                  <a:lumMod val="85000"/>
+                  <a:lumOff val="15000"/>
+                </a:schemeClr>
+              </a:solidFill>
+            </a:endParaRPr>
+          </a:p>
+          <a:p>
+            <a:pPr lvl="1">
+              <a:spcBef>
+                <a:spcPts val="1800"/>
+              </a:spcBef>
+            </a:pPr>
+            <a:r>
+              <a:rPr lang="en-US" altLang="zh-CN" sz="3200" dirty="0" smtClean="0">
+                <a:solidFill>
+                  <a:schemeClr val="tx1">
+                    <a:lumMod val="85000"/>
+                    <a:lumOff val="15000"/>
+                  </a:schemeClr>
+                </a:solidFill>
+              </a:rPr>
+              <a:t>res/mipmap-anydpi-v26 </a:t>
+            </a:r>
+            <a:r>
+              <a:rPr lang="zh-CN" altLang="en-US" sz="3200" dirty="0" smtClean="0">
+                <a:solidFill>
+                  <a:schemeClr val="tx1">
+                    <a:lumMod val="85000"/>
+                    <a:lumOff val="15000"/>
+                  </a:schemeClr>
+                </a:solidFill>
+              </a:rPr>
+              <a:t>： </a:t>
+            </a:r>
+            <a:r>
+              <a:rPr lang="en-US" altLang="zh-CN" sz="3200" dirty="0" smtClean="0">
+                <a:solidFill>
+                  <a:schemeClr val="tx1">
+                    <a:lumMod val="85000"/>
+                    <a:lumOff val="15000"/>
+                  </a:schemeClr>
+                </a:solidFill>
+              </a:rPr>
+              <a:t>API26</a:t>
+            </a:r>
+            <a:r>
+              <a:rPr lang="zh-CN" altLang="en-US" sz="3200" dirty="0" smtClean="0">
+                <a:solidFill>
+                  <a:schemeClr val="tx1">
+                    <a:lumMod val="85000"/>
+                    <a:lumOff val="15000"/>
+                  </a:schemeClr>
+                </a:solidFill>
+              </a:rPr>
+              <a:t>及以上使用自适应图标</a:t>
+            </a:r>
+            <a:endParaRPr lang="en-US" altLang="zh-CN" sz="3200" dirty="0" smtClean="0">
+              <a:solidFill>
+                <a:schemeClr val="tx1">
+                  <a:lumMod val="85000"/>
+                  <a:lumOff val="15000"/>
+                </a:schemeClr>
+              </a:solidFill>
+            </a:endParaRPr>
+          </a:p>
+          <a:p>
+            <a:pPr lvl="1">
+              <a:spcBef>
+                <a:spcPts val="1800"/>
+              </a:spcBef>
+            </a:pPr>
+            <a:r>
+              <a:rPr lang="en-US" altLang="zh-CN" sz="3200" dirty="0" smtClean="0">
+                <a:solidFill>
+                  <a:schemeClr val="tx1">
+                    <a:lumMod val="85000"/>
+                    <a:lumOff val="15000"/>
+                  </a:schemeClr>
+                </a:solidFill>
+              </a:rPr>
+              <a:t>res/</a:t>
+            </a:r>
+            <a:r>
+              <a:rPr lang="en-US" altLang="zh-CN" sz="3200" dirty="0" err="1" smtClean="0">
+                <a:solidFill>
+                  <a:schemeClr val="tx1">
+                    <a:lumMod val="85000"/>
+                    <a:lumOff val="15000"/>
+                  </a:schemeClr>
+                </a:solidFill>
+              </a:rPr>
+              <a:t>mipmap-mdpi</a:t>
+            </a:r>
+            <a:r>
+              <a:rPr lang="zh-CN" altLang="en-US" sz="3200" dirty="0" smtClean="0">
+                <a:solidFill>
+                  <a:schemeClr val="tx1">
+                    <a:lumMod val="85000"/>
+                    <a:lumOff val="15000"/>
+                  </a:schemeClr>
+                </a:solidFill>
+              </a:rPr>
+              <a:t>： 中</a:t>
+            </a:r>
+            <a:r>
+              <a:rPr lang="zh-CN" altLang="en-US" sz="3200" dirty="0" smtClean="0">
+                <a:solidFill>
+                  <a:schemeClr val="tx1">
+                    <a:lumMod val="85000"/>
+                    <a:lumOff val="15000"/>
+                  </a:schemeClr>
+                </a:solidFill>
+              </a:rPr>
+              <a:t>分辨率</a:t>
+            </a:r>
+            <a:r>
+              <a:rPr lang="zh-CN" altLang="en-US" sz="3200" dirty="0">
+                <a:solidFill>
+                  <a:schemeClr val="tx1">
+                    <a:lumMod val="85000"/>
+                    <a:lumOff val="15000"/>
+                  </a:schemeClr>
+                </a:solidFill>
+              </a:rPr>
+              <a:t>图标</a:t>
+            </a:r>
+            <a:endParaRPr lang="en-US" altLang="zh-CN" sz="3200" dirty="0" smtClean="0">
+              <a:solidFill>
+                <a:schemeClr val="tx1">
+                  <a:lumMod val="85000"/>
+                  <a:lumOff val="15000"/>
+                </a:schemeClr>
+              </a:solidFill>
+            </a:endParaRPr>
+          </a:p>
+          <a:p>
+            <a:pPr lvl="1">
+              <a:spcBef>
+                <a:spcPts val="1800"/>
+              </a:spcBef>
+            </a:pPr>
+            <a:r>
+              <a:rPr lang="en-US" altLang="zh-CN" sz="3200" dirty="0" smtClean="0">
+                <a:solidFill>
+                  <a:schemeClr val="tx1">
+                    <a:lumMod val="85000"/>
+                    <a:lumOff val="15000"/>
+                  </a:schemeClr>
+                </a:solidFill>
+              </a:rPr>
+              <a:t>res/</a:t>
+            </a:r>
+            <a:r>
+              <a:rPr lang="en-US" altLang="zh-CN" sz="3200" dirty="0" err="1" smtClean="0">
+                <a:solidFill>
+                  <a:schemeClr val="tx1">
+                    <a:lumMod val="85000"/>
+                    <a:lumOff val="15000"/>
+                  </a:schemeClr>
+                </a:solidFill>
+              </a:rPr>
+              <a:t>mipmap-hdpi</a:t>
+            </a:r>
+            <a:r>
+              <a:rPr lang="zh-CN" altLang="en-US" sz="3200" dirty="0" smtClean="0">
+                <a:solidFill>
+                  <a:schemeClr val="tx1">
+                    <a:lumMod val="85000"/>
+                    <a:lumOff val="15000"/>
+                  </a:schemeClr>
+                </a:solidFill>
+              </a:rPr>
+              <a:t>、</a:t>
+            </a:r>
+            <a:r>
+              <a:rPr lang="en-US" altLang="zh-CN" sz="3200" dirty="0" err="1" smtClean="0">
+                <a:solidFill>
+                  <a:schemeClr val="tx1">
+                    <a:lumMod val="85000"/>
+                    <a:lumOff val="15000"/>
+                  </a:schemeClr>
+                </a:solidFill>
+              </a:rPr>
+              <a:t>mipmap-xhdpi</a:t>
+            </a:r>
+            <a:r>
+              <a:rPr lang="zh-CN" altLang="en-US" sz="3200" dirty="0" smtClean="0">
+                <a:solidFill>
+                  <a:schemeClr val="tx1">
+                    <a:lumMod val="85000"/>
+                    <a:lumOff val="15000"/>
+                  </a:schemeClr>
+                </a:solidFill>
+              </a:rPr>
+              <a:t>、</a:t>
+            </a:r>
+            <a:r>
+              <a:rPr lang="en-US" altLang="zh-CN" sz="3200" dirty="0" err="1" smtClean="0">
+                <a:solidFill>
+                  <a:schemeClr val="tx1">
+                    <a:lumMod val="85000"/>
+                    <a:lumOff val="15000"/>
+                  </a:schemeClr>
+                </a:solidFill>
+              </a:rPr>
+              <a:t>mipmap-xxhdpi</a:t>
+            </a:r>
+            <a:r>
+              <a:rPr lang="zh-CN" altLang="en-US" sz="3200" dirty="0" smtClean="0">
+                <a:solidFill>
+                  <a:schemeClr val="tx1">
+                    <a:lumMod val="85000"/>
+                    <a:lumOff val="15000"/>
+                  </a:schemeClr>
+                </a:solidFill>
+              </a:rPr>
+              <a:t>、</a:t>
+            </a:r>
+            <a:r>
+              <a:rPr lang="en-US" altLang="zh-CN" sz="3200" dirty="0" err="1" smtClean="0">
+                <a:solidFill>
+                  <a:schemeClr val="tx1">
+                    <a:lumMod val="85000"/>
+                    <a:lumOff val="15000"/>
+                  </a:schemeClr>
+                </a:solidFill>
+              </a:rPr>
+              <a:t>mipmap-xxxhdpi</a:t>
+            </a:r>
+            <a:r>
+              <a:rPr lang="zh-CN" altLang="en-US" sz="3200" dirty="0" smtClean="0">
+                <a:solidFill>
+                  <a:schemeClr val="tx1">
+                    <a:lumMod val="85000"/>
+                    <a:lumOff val="15000"/>
+                  </a:schemeClr>
+                </a:solidFill>
+              </a:rPr>
+              <a:t>： </a:t>
+            </a:r>
+            <a:r>
+              <a:rPr lang="zh-CN" altLang="en-US" sz="3200" dirty="0">
+                <a:solidFill>
+                  <a:schemeClr val="tx1">
+                    <a:lumMod val="85000"/>
+                    <a:lumOff val="15000"/>
+                  </a:schemeClr>
+                </a:solidFill>
+              </a:rPr>
+              <a:t>高</a:t>
+            </a:r>
+            <a:r>
+              <a:rPr lang="zh-CN" altLang="en-US" sz="3200" dirty="0" smtClean="0">
+                <a:solidFill>
+                  <a:schemeClr val="tx1">
+                    <a:lumMod val="85000"/>
+                    <a:lumOff val="15000"/>
+                  </a:schemeClr>
+                </a:solidFill>
+              </a:rPr>
+              <a:t>分辨率图标</a:t>
+            </a:r>
+            <a:endParaRPr lang="en-US" altLang="zh-CN" sz="3200" dirty="0" smtClean="0">
+              <a:solidFill>
+                <a:schemeClr val="tx1">
+                  <a:lumMod val="85000"/>
+                  <a:lumOff val="15000"/>
+                </a:schemeClr>
+              </a:solidFill>
+            </a:endParaRPr>
+          </a:p>
+          <a:p>
+            <a:pPr lvl="1">
+              <a:spcBef>
+                <a:spcPts val="1800"/>
+              </a:spcBef>
+            </a:pPr>
+            <a:r>
+              <a:rPr lang="zh-CN" altLang="en-US" sz="3200" dirty="0" smtClean="0">
+                <a:solidFill>
+                  <a:schemeClr val="tx1">
+                    <a:lumMod val="85000"/>
+                    <a:lumOff val="15000"/>
+                  </a:schemeClr>
+                </a:solidFill>
+              </a:rPr>
+              <a:t>这</a:t>
+            </a:r>
+            <a:r>
+              <a:rPr lang="zh-CN" altLang="en-US" sz="3200" dirty="0">
+                <a:solidFill>
+                  <a:schemeClr val="tx1">
+                    <a:lumMod val="85000"/>
+                    <a:lumOff val="15000"/>
+                  </a:schemeClr>
+                </a:solidFill>
+              </a:rPr>
+              <a:t>六</a:t>
+            </a:r>
+            <a:r>
+              <a:rPr lang="zh-CN" altLang="en-US" sz="3200" dirty="0" smtClean="0">
+                <a:solidFill>
+                  <a:schemeClr val="tx1">
+                    <a:lumMod val="85000"/>
+                    <a:lumOff val="15000"/>
+                  </a:schemeClr>
+                </a:solidFill>
+              </a:rPr>
+              <a:t>个子</a:t>
+            </a:r>
+            <a:r>
+              <a:rPr lang="zh-CN" altLang="en-US" sz="3200" dirty="0" smtClean="0">
+                <a:solidFill>
+                  <a:schemeClr val="tx1">
+                    <a:lumMod val="85000"/>
+                    <a:lumOff val="15000"/>
+                  </a:schemeClr>
+                </a:solidFill>
+              </a:rPr>
+              <a:t>目录中的</a:t>
+            </a:r>
+            <a:r>
+              <a:rPr lang="zh-CN" altLang="en-US" sz="3200" dirty="0" smtClean="0">
+                <a:solidFill>
+                  <a:srgbClr val="C00000"/>
+                </a:solidFill>
+              </a:rPr>
+              <a:t>图</a:t>
+            </a:r>
+            <a:r>
+              <a:rPr lang="zh-CN" altLang="en-US" sz="3200" dirty="0" smtClean="0">
+                <a:solidFill>
+                  <a:srgbClr val="C00000"/>
+                </a:solidFill>
+              </a:rPr>
+              <a:t>片名可以完全</a:t>
+            </a:r>
+            <a:r>
+              <a:rPr lang="zh-CN" altLang="en-US" sz="3200" dirty="0" smtClean="0">
+                <a:solidFill>
+                  <a:srgbClr val="C00000"/>
+                </a:solidFill>
+              </a:rPr>
+              <a:t>相同</a:t>
+            </a:r>
+            <a:r>
+              <a:rPr lang="zh-CN" altLang="en-US" sz="3200" dirty="0" smtClean="0">
+                <a:solidFill>
+                  <a:schemeClr val="tx1">
+                    <a:lumMod val="85000"/>
+                    <a:lumOff val="15000"/>
+                  </a:schemeClr>
+                </a:solidFill>
+              </a:rPr>
+              <a:t>，</a:t>
+            </a:r>
+            <a:r>
+              <a:rPr lang="en-US" altLang="zh-CN" sz="3200" dirty="0" smtClean="0">
+                <a:solidFill>
+                  <a:schemeClr val="tx1">
+                    <a:lumMod val="85000"/>
+                    <a:lumOff val="15000"/>
+                  </a:schemeClr>
+                </a:solidFill>
+              </a:rPr>
+              <a:t>Android</a:t>
+            </a:r>
+            <a:r>
+              <a:rPr lang="zh-CN" altLang="en-US" sz="3200" dirty="0" smtClean="0">
+                <a:solidFill>
+                  <a:schemeClr val="tx1">
+                    <a:lumMod val="85000"/>
+                    <a:lumOff val="15000"/>
+                  </a:schemeClr>
+                </a:solidFill>
+              </a:rPr>
+              <a:t>应用会根据用户设备分辨率的不同而自行选择。</a:t>
+            </a:r>
+            <a:endParaRPr lang="en-US" altLang="zh-CN" sz="3200" dirty="0">
+              <a:solidFill>
+                <a:schemeClr val="tx1">
+                  <a:lumMod val="85000"/>
+                  <a:lumOff val="15000"/>
+                </a:schemeClr>
+              </a:solidFill>
+            </a:endParaRPr>
+          </a:p>
+        </p:txBody>
+      </p:sp>
+    </p:spTree>
+    <p:extLst>
+      <p:ext uri="{BB962C8B-B14F-4D97-AF65-F5344CB8AC3E}">
+        <p14:creationId xmlns:p14="http://schemas.microsoft.com/office/powerpoint/2010/main" val="2462242590"/>
+      </p:ext>
+    </p:extLst>
+  </p:cSld>
+  <p:clrMapOvr>
+    <a:masterClrMapping/>
+  </p:clrMapOvr>
+  <p:timing>
+    <p:tnLst>
+      <p:par>
+        <p:cTn id="1" dur="indefinite" restart="never" nodeType="tmRoot"/>
+      </p:par>
+    </p:tnLst>
+  </p:timing>
+</p:sld>
+</file>
+
+<file path=ppt/slides/slide26.xml><?xml version="1.0" encoding="utf-8"?>
+<p:sld xmlns:a="http://schemas.openxmlformats.org/drawingml/2006/main" xmlns:r="http://schemas.openxmlformats.org/officeDocument/2006/relationships" xmlns:p="http://schemas.openxmlformats.org/presentationml/2006/main">
+  <p:cSld>
+    <p:spTree>
+      <p:nvGrpSpPr>
+        <p:cNvPr id="1" name=""/>
+        <p:cNvGrpSpPr/>
+        <p:nvPr/>
+      </p:nvGrpSpPr>
+      <p:grpSpPr>
+        <a:xfrm>
+          <a:off x="0" y="0"/>
+          <a:ext cx="0" cy="0"/>
+          <a:chOff x="0" y="0"/>
+          <a:chExt cx="0" cy="0"/>
+        </a:xfrm>
+      </p:grpSpPr>
+      <p:sp>
+        <p:nvSpPr>
+          <p:cNvPr id="2" name="标题 1"/>
+          <p:cNvSpPr>
+            <a:spLocks noGrp="1"/>
+          </p:cNvSpPr>
+          <p:nvPr>
+            <p:ph type="title"/>
+          </p:nvPr>
+        </p:nvSpPr>
+        <p:spPr/>
+        <p:txBody>
+          <a:bodyPr/>
+          <a:lstStyle/>
+          <a:p>
+            <a:r>
+              <a:rPr lang="en-US" altLang="zh-CN" dirty="0" smtClean="0"/>
+              <a:t>res/</a:t>
+            </a:r>
+            <a:r>
+              <a:rPr lang="en-US" altLang="zh-CN" dirty="0" err="1" smtClean="0"/>
               <a:t>drawable</a:t>
             </a:r>
             <a:r>
@@ -13042,7 +13512,7 @@
           <p:nvPr>
             <p:extLst>
               <p:ext uri="{D42A27DB-BD31-4B8C-83A1-F6EECF244321}">
-                <p14:modId xmlns:p14="http://schemas.microsoft.com/office/powerpoint/2010/main" val="4251100200"/>
+                <p14:modId xmlns:p14="http://schemas.microsoft.com/office/powerpoint/2010/main" val="3868279699"/>
               </p:ext>
             </p:extLst>
           </p:nvPr>
@@ -13061,14 +13531,14 @@
                 <a:gridCol w="2819037">
                   <a:extLst>
                     <a:ext uri="{9D8B030D-6E8A-4147-A177-3AD203B41FA5}">
-                      <a16:colId xmlns:a16="http://schemas.microsoft.com/office/drawing/2014/main" val="3843783346"/>
+                      <a16:colId xmlns:a16="http://schemas.microsoft.com/office/drawing/2014/main" xmlns="" val="3843783346"/>
                     </a:ext>
                   </a:extLst>
                 </a:gridCol>
                 <a:gridCol w="7118067">
                   <a:extLst>
                     <a:ext uri="{9D8B030D-6E8A-4147-A177-3AD203B41FA5}">
-                      <a16:colId xmlns:a16="http://schemas.microsoft.com/office/drawing/2014/main" val="20001"/>
+                      <a16:colId xmlns:a16="http://schemas.microsoft.com/office/drawing/2014/main" xmlns="" val="20001"/>
                     </a:ext>
                   </a:extLst>
                 </a:gridCol>
@@ -13081,7 +13551,7 @@
                     <a:p>
                       <a:pPr algn="ctr"/>
                       <a:r>
-                        <a:rPr lang="zh-CN" altLang="en-US" b="1" smtClean="0">
+                        <a:rPr lang="zh-CN" altLang="en-US" b="1" dirty="0" smtClean="0">
                           <a:solidFill>
                             <a:schemeClr val="tx1">
                               <a:lumMod val="85000"/>
@@ -13226,7 +13696,7 @@
                 </a:tc>
                 <a:extLst>
                   <a:ext uri="{0D108BD9-81ED-4DB2-BD59-A6C34878D82A}">
-                    <a16:rowId xmlns:a16="http://schemas.microsoft.com/office/drawing/2014/main" val="10000"/>
+                    <a16:rowId xmlns:a16="http://schemas.microsoft.com/office/drawing/2014/main" xmlns="" val="10000"/>
                   </a:ext>
                 </a:extLst>
               </a:tr>
@@ -13333,7 +13803,7 @@
                         </a:spcAft>
                       </a:pPr>
                       <a:r>
-                        <a:rPr lang="zh-CN" altLang="en-US" b="0" smtClean="0">
+                        <a:rPr lang="zh-CN" altLang="en-US" b="0" dirty="0" smtClean="0">
                           <a:solidFill>
                             <a:schemeClr val="tx1">
                               <a:lumMod val="85000"/>
@@ -13405,7 +13875,7 @@
                 </a:tc>
                 <a:extLst>
                   <a:ext uri="{0D108BD9-81ED-4DB2-BD59-A6C34878D82A}">
-                    <a16:rowId xmlns:a16="http://schemas.microsoft.com/office/drawing/2014/main" val="10001"/>
+                    <a16:rowId xmlns:a16="http://schemas.microsoft.com/office/drawing/2014/main" xmlns="" val="10001"/>
                   </a:ext>
                 </a:extLst>
               </a:tr>
@@ -13417,7 +13887,7 @@
                     <a:p>
                       <a:pPr algn="ctr"/>
                       <a:r>
-                        <a:rPr lang="en-US" b="0" smtClean="0">
+                        <a:rPr lang="en-US" b="0" dirty="0" smtClean="0">
                           <a:solidFill>
                             <a:schemeClr val="tx1">
                               <a:lumMod val="85000"/>
@@ -13598,7 +14068,7 @@
                 </a:tc>
                 <a:extLst>
                   <a:ext uri="{0D108BD9-81ED-4DB2-BD59-A6C34878D82A}">
-                    <a16:rowId xmlns:a16="http://schemas.microsoft.com/office/drawing/2014/main" val="3075238307"/>
+                    <a16:rowId xmlns:a16="http://schemas.microsoft.com/office/drawing/2014/main" xmlns="" val="3075238307"/>
                   </a:ext>
                 </a:extLst>
               </a:tr>
@@ -13610,7 +14080,7 @@
                     <a:p>
                       <a:pPr algn="ctr"/>
                       <a:r>
-                        <a:rPr lang="en-US" b="0" smtClean="0">
+                        <a:rPr lang="en-US" b="0" dirty="0" smtClean="0">
                           <a:solidFill>
                             <a:schemeClr val="tx1">
                               <a:lumMod val="85000"/>
@@ -13791,7 +14261,7 @@
                 </a:tc>
                 <a:extLst>
                   <a:ext uri="{0D108BD9-81ED-4DB2-BD59-A6C34878D82A}">
-                    <a16:rowId xmlns:a16="http://schemas.microsoft.com/office/drawing/2014/main" val="1685395303"/>
+                    <a16:rowId xmlns:a16="http://schemas.microsoft.com/office/drawing/2014/main" xmlns="" val="1685395303"/>
                   </a:ext>
                 </a:extLst>
               </a:tr>
@@ -13884,7 +14354,7 @@
                         </a:spcAft>
                       </a:pPr>
                       <a:r>
-                        <a:rPr lang="zh-CN" altLang="en-US" b="0" smtClean="0">
+                        <a:rPr lang="zh-CN" altLang="en-US" b="0" dirty="0" smtClean="0">
                           <a:solidFill>
                             <a:schemeClr val="tx1">
                               <a:lumMod val="85000"/>
@@ -13898,7 +14368,7 @@
                         <a:t>一个</a:t>
                       </a:r>
                       <a:r>
-                        <a:rPr lang="en-US" altLang="zh-CN" b="0" smtClean="0">
+                        <a:rPr lang="en-US" altLang="zh-CN" b="0" dirty="0" smtClean="0">
                           <a:solidFill>
                             <a:schemeClr val="tx1">
                               <a:lumMod val="85000"/>
@@ -13912,7 +14382,7 @@
                         <a:t>XML</a:t>
                       </a:r>
                       <a:r>
-                        <a:rPr lang="zh-CN" altLang="en-US" b="0" smtClean="0">
+                        <a:rPr lang="zh-CN" altLang="en-US" b="0" dirty="0" smtClean="0">
                           <a:solidFill>
                             <a:schemeClr val="tx1">
                               <a:lumMod val="85000"/>
@@ -13923,10 +14393,10 @@
                           <a:latin typeface="微软雅黑" panose="020B0503020204020204" pitchFamily="34" charset="-122"/>
                           <a:ea typeface="微软雅黑" panose="020B0503020204020204" pitchFamily="34" charset="-122"/>
                         </a:rPr>
-                        <a:t>文件，针对视图空间不同状态而设置的特殊</a:t>
+                        <a:t>文件，针对视图控件不同状态而设置的特殊</a:t>
                       </a:r>
                       <a:r>
-                        <a:rPr lang="en-US" altLang="zh-CN" b="0" smtClean="0">
+                        <a:rPr lang="en-US" altLang="zh-CN" b="0" dirty="0" err="1" smtClean="0">
                           <a:solidFill>
                             <a:schemeClr val="tx1">
                               <a:lumMod val="85000"/>
@@ -13940,7 +14410,7 @@
                         <a:t>drawable</a:t>
                       </a:r>
                       <a:r>
-                        <a:rPr lang="zh-CN" altLang="en-US" b="0" smtClean="0">
+                        <a:rPr lang="zh-CN" altLang="en-US" b="0" dirty="0" smtClean="0">
                           <a:solidFill>
                             <a:schemeClr val="tx1">
                               <a:lumMod val="85000"/>
@@ -14012,7 +14482,7 @@
                 </a:tc>
                 <a:extLst>
                   <a:ext uri="{0D108BD9-81ED-4DB2-BD59-A6C34878D82A}">
-                    <a16:rowId xmlns:a16="http://schemas.microsoft.com/office/drawing/2014/main" val="10002"/>
+                    <a16:rowId xmlns:a16="http://schemas.microsoft.com/office/drawing/2014/main" xmlns="" val="10002"/>
                   </a:ext>
                 </a:extLst>
               </a:tr>
@@ -14105,7 +14575,7 @@
                         </a:spcAft>
                       </a:pPr>
                       <a:r>
-                        <a:rPr lang="zh-CN" altLang="en-US" b="0" smtClean="0">
+                        <a:rPr lang="zh-CN" altLang="en-US" b="0" dirty="0" smtClean="0">
                           <a:solidFill>
                             <a:schemeClr val="tx1">
                               <a:lumMod val="85000"/>
@@ -14119,7 +14589,7 @@
                         <a:t>一个</a:t>
                       </a:r>
                       <a:r>
-                        <a:rPr lang="en-US" altLang="zh-CN" b="0" smtClean="0">
+                        <a:rPr lang="en-US" altLang="zh-CN" b="0" dirty="0" smtClean="0">
                           <a:solidFill>
                             <a:schemeClr val="tx1">
                               <a:lumMod val="85000"/>
@@ -14133,7 +14603,7 @@
                         <a:t>XML</a:t>
                       </a:r>
                       <a:r>
-                        <a:rPr lang="zh-CN" altLang="en-US" b="0" smtClean="0">
+                        <a:rPr lang="zh-CN" altLang="en-US" b="0" dirty="0" smtClean="0">
                           <a:solidFill>
                             <a:schemeClr val="tx1">
                               <a:lumMod val="85000"/>
@@ -14144,10 +14614,10 @@
                           <a:latin typeface="微软雅黑" panose="020B0503020204020204" pitchFamily="34" charset="-122"/>
                           <a:ea typeface="微软雅黑" panose="020B0503020204020204" pitchFamily="34" charset="-122"/>
                         </a:rPr>
-                        <a:t>文件，根据视图空间不同等级而现实不同的</a:t>
+                        <a:t>文件，根据视图控件不同等级而现实不同的</a:t>
                       </a:r>
                       <a:r>
-                        <a:rPr lang="en-US" altLang="zh-CN" b="0" smtClean="0">
+                        <a:rPr lang="en-US" altLang="zh-CN" b="0" dirty="0" err="1" smtClean="0">
                           <a:solidFill>
                             <a:schemeClr val="tx1">
                               <a:lumMod val="85000"/>
@@ -14161,7 +14631,7 @@
                         <a:t>drawable</a:t>
                       </a:r>
                       <a:r>
-                        <a:rPr lang="zh-CN" altLang="en-US" b="0" smtClean="0">
+                        <a:rPr lang="zh-CN" altLang="en-US" b="0" dirty="0" smtClean="0">
                           <a:solidFill>
                             <a:schemeClr val="tx1">
                               <a:lumMod val="85000"/>
@@ -14233,7 +14703,7 @@
                 </a:tc>
                 <a:extLst>
                   <a:ext uri="{0D108BD9-81ED-4DB2-BD59-A6C34878D82A}">
-                    <a16:rowId xmlns:a16="http://schemas.microsoft.com/office/drawing/2014/main" val="3068611813"/>
+                    <a16:rowId xmlns:a16="http://schemas.microsoft.com/office/drawing/2014/main" xmlns="" val="3068611813"/>
                   </a:ext>
                 </a:extLst>
               </a:tr>
@@ -14426,7 +14896,7 @@
                 </a:tc>
                 <a:extLst>
                   <a:ext uri="{0D108BD9-81ED-4DB2-BD59-A6C34878D82A}">
-                    <a16:rowId xmlns:a16="http://schemas.microsoft.com/office/drawing/2014/main" val="550753492"/>
+                    <a16:rowId xmlns:a16="http://schemas.microsoft.com/office/drawing/2014/main" xmlns="" val="550753492"/>
                   </a:ext>
                 </a:extLst>
               </a:tr>
@@ -14619,7 +15089,7 @@
                 </a:tc>
                 <a:extLst>
                   <a:ext uri="{0D108BD9-81ED-4DB2-BD59-A6C34878D82A}">
-                    <a16:rowId xmlns:a16="http://schemas.microsoft.com/office/drawing/2014/main" val="10005"/>
+                    <a16:rowId xmlns:a16="http://schemas.microsoft.com/office/drawing/2014/main" xmlns="" val="10005"/>
                   </a:ext>
                 </a:extLst>
               </a:tr>
@@ -14848,7 +15318,7 @@
                 </a:tc>
                 <a:extLst>
                   <a:ext uri="{0D108BD9-81ED-4DB2-BD59-A6C34878D82A}">
-                    <a16:rowId xmlns:a16="http://schemas.microsoft.com/office/drawing/2014/main" val="2574007439"/>
+                    <a16:rowId xmlns:a16="http://schemas.microsoft.com/office/drawing/2014/main" xmlns="" val="2574007439"/>
                   </a:ext>
                 </a:extLst>
               </a:tr>
@@ -14860,498 +15330,6 @@
     <p:extLst>
       <p:ext uri="{BB962C8B-B14F-4D97-AF65-F5344CB8AC3E}">
         <p14:creationId xmlns:p14="http://schemas.microsoft.com/office/powerpoint/2010/main" val="317801323"/>
-      </p:ext>
-    </p:extLst>
-  </p:cSld>
-  <p:clrMapOvr>
-    <a:masterClrMapping/>
-  </p:clrMapOvr>
-  <p:timing>
-    <p:tnLst>
-      <p:par>
-        <p:cTn id="1" dur="indefinite" restart="never" nodeType="tmRoot"/>
-      </p:par>
-    </p:tnLst>
-  </p:timing>
-</p:sld>
-</file>
-
-<file path=ppt/slides/slide26.xml><?xml version="1.0" encoding="utf-8"?>
-<p:sld xmlns:a="http://schemas.openxmlformats.org/drawingml/2006/main" xmlns:r="http://schemas.openxmlformats.org/officeDocument/2006/relationships" xmlns:p="http://schemas.openxmlformats.org/presentationml/2006/main">
-  <p:cSld>
-    <p:spTree>
-      <p:nvGrpSpPr>
-        <p:cNvPr id="1" name=""/>
-        <p:cNvGrpSpPr/>
-        <p:nvPr/>
-      </p:nvGrpSpPr>
-      <p:grpSpPr>
-        <a:xfrm>
-          <a:off x="0" y="0"/>
-          <a:ext cx="0" cy="0"/>
-          <a:chOff x="0" y="0"/>
-          <a:chExt cx="0" cy="0"/>
-        </a:xfrm>
-      </p:grpSpPr>
-      <p:sp>
-        <p:nvSpPr>
-          <p:cNvPr id="2" name="标题 1"/>
-          <p:cNvSpPr>
-            <a:spLocks noGrp="1"/>
-          </p:cNvSpPr>
-          <p:nvPr>
-            <p:ph type="title"/>
-          </p:nvPr>
-        </p:nvSpPr>
-        <p:spPr/>
-        <p:txBody>
-          <a:bodyPr/>
-          <a:lstStyle/>
-          <a:p>
-            <a:r>
-              <a:rPr lang="en-US" altLang="zh-CN" dirty="0" smtClean="0"/>
-              <a:t>res/</a:t>
-            </a:r>
-            <a:r>
-              <a:rPr lang="en-US" altLang="zh-CN" dirty="0" err="1" smtClean="0"/>
-              <a:t>drawable</a:t>
-            </a:r>
-            <a:r>
-              <a:rPr lang="en-US" altLang="zh-CN" dirty="0" smtClean="0"/>
-              <a:t>/bitmap</a:t>
-            </a:r>
-            <a:r>
-              <a:rPr lang="zh-CN" altLang="en-US" dirty="0" smtClean="0"/>
-              <a:t>资源</a:t>
-            </a:r>
-            <a:endParaRPr lang="zh-CN" altLang="en-US" dirty="0"/>
-          </a:p>
-        </p:txBody>
-      </p:sp>
-      <p:sp>
-        <p:nvSpPr>
-          <p:cNvPr id="3" name="内容占位符 2"/>
-          <p:cNvSpPr>
-            <a:spLocks noGrp="1"/>
-          </p:cNvSpPr>
-          <p:nvPr>
-            <p:ph idx="1"/>
-          </p:nvPr>
-        </p:nvSpPr>
-        <p:spPr>
-          <a:xfrm>
-            <a:off x="609600" y="1600200"/>
-            <a:ext cx="10972800" cy="4565104"/>
-          </a:xfrm>
-        </p:spPr>
-        <p:txBody>
-          <a:bodyPr>
-            <a:normAutofit/>
-          </a:bodyPr>
-          <a:lstStyle/>
-          <a:p>
-            <a:r>
-              <a:rPr lang="en-US" altLang="zh-CN" sz="3200" dirty="0">
-                <a:solidFill>
-                  <a:schemeClr val="tx1">
-                    <a:lumMod val="85000"/>
-                    <a:lumOff val="15000"/>
-                  </a:schemeClr>
-                </a:solidFill>
-              </a:rPr>
-              <a:t>B</a:t>
-            </a:r>
-            <a:r>
-              <a:rPr lang="en-US" altLang="zh-CN" sz="3200" smtClean="0">
-                <a:solidFill>
-                  <a:schemeClr val="tx1">
-                    <a:lumMod val="85000"/>
-                    <a:lumOff val="15000"/>
-                  </a:schemeClr>
-                </a:solidFill>
-              </a:rPr>
-              <a:t>itmap</a:t>
-            </a:r>
-            <a:r>
-              <a:rPr lang="zh-CN" altLang="en-US" sz="3200" dirty="0" smtClean="0">
-                <a:solidFill>
-                  <a:schemeClr val="tx1">
-                    <a:lumMod val="85000"/>
-                    <a:lumOff val="15000"/>
-                  </a:schemeClr>
-                </a:solidFill>
-              </a:rPr>
-              <a:t>资源，即原始图片（</a:t>
-            </a:r>
-            <a:r>
-              <a:rPr lang="en-US" altLang="zh-CN" sz="3200" dirty="0" smtClean="0">
-                <a:solidFill>
-                  <a:schemeClr val="tx1">
-                    <a:lumMod val="85000"/>
-                    <a:lumOff val="15000"/>
-                  </a:schemeClr>
-                </a:solidFill>
-              </a:rPr>
-              <a:t>*.</a:t>
-            </a:r>
-            <a:r>
-              <a:rPr lang="en-US" altLang="zh-CN" sz="3200" dirty="0" err="1" smtClean="0">
-                <a:solidFill>
-                  <a:schemeClr val="tx1">
-                    <a:lumMod val="85000"/>
-                    <a:lumOff val="15000"/>
-                  </a:schemeClr>
-                </a:solidFill>
-              </a:rPr>
-              <a:t>png</a:t>
-            </a:r>
-            <a:r>
-              <a:rPr lang="zh-CN" altLang="en-US" sz="3200" dirty="0" smtClean="0">
-                <a:solidFill>
-                  <a:schemeClr val="tx1">
-                    <a:lumMod val="85000"/>
-                    <a:lumOff val="15000"/>
-                  </a:schemeClr>
-                </a:solidFill>
-              </a:rPr>
-              <a:t>、</a:t>
-            </a:r>
-            <a:r>
-              <a:rPr lang="en-US" altLang="zh-CN" sz="3200" dirty="0" smtClean="0">
-                <a:solidFill>
-                  <a:schemeClr val="tx1">
-                    <a:lumMod val="85000"/>
-                    <a:lumOff val="15000"/>
-                  </a:schemeClr>
-                </a:solidFill>
-              </a:rPr>
-              <a:t>*.jpg</a:t>
-            </a:r>
-            <a:r>
-              <a:rPr lang="zh-CN" altLang="en-US" sz="3200" dirty="0" smtClean="0">
-                <a:solidFill>
-                  <a:schemeClr val="tx1">
-                    <a:lumMod val="85000"/>
-                    <a:lumOff val="15000"/>
-                  </a:schemeClr>
-                </a:solidFill>
-              </a:rPr>
-              <a:t>、</a:t>
-            </a:r>
-            <a:r>
-              <a:rPr lang="en-US" altLang="zh-CN" sz="3200" dirty="0" smtClean="0">
-                <a:solidFill>
-                  <a:schemeClr val="tx1">
-                    <a:lumMod val="85000"/>
-                    <a:lumOff val="15000"/>
-                  </a:schemeClr>
-                </a:solidFill>
-              </a:rPr>
-              <a:t>*.gif</a:t>
-            </a:r>
-            <a:r>
-              <a:rPr lang="zh-CN" altLang="en-US" sz="3200" dirty="0" smtClean="0">
-                <a:solidFill>
-                  <a:schemeClr val="tx1">
-                    <a:lumMod val="85000"/>
-                    <a:lumOff val="15000"/>
-                  </a:schemeClr>
-                </a:solidFill>
-              </a:rPr>
-              <a:t>），在</a:t>
-            </a:r>
-            <a:r>
-              <a:rPr lang="en-US" altLang="zh-CN" sz="3200" dirty="0" smtClean="0">
-                <a:solidFill>
-                  <a:schemeClr val="tx1">
-                    <a:lumMod val="85000"/>
-                    <a:lumOff val="15000"/>
-                  </a:schemeClr>
-                </a:solidFill>
-              </a:rPr>
-              <a:t>res/</a:t>
-            </a:r>
-            <a:r>
-              <a:rPr lang="zh-CN" altLang="en-US" sz="3200" dirty="0" smtClean="0">
-                <a:solidFill>
-                  <a:schemeClr val="tx1">
-                    <a:lumMod val="85000"/>
-                    <a:lumOff val="15000"/>
-                  </a:schemeClr>
-                </a:solidFill>
-              </a:rPr>
-              <a:t>目录下默认情况有三个</a:t>
-            </a:r>
-            <a:r>
-              <a:rPr lang="en-US" altLang="zh-CN" sz="3200" dirty="0" err="1" smtClean="0">
-                <a:solidFill>
-                  <a:schemeClr val="tx1">
-                    <a:lumMod val="85000"/>
-                    <a:lumOff val="15000"/>
-                  </a:schemeClr>
-                </a:solidFill>
-              </a:rPr>
-              <a:t>drawable</a:t>
-            </a:r>
-            <a:r>
-              <a:rPr lang="zh-CN" altLang="en-US" sz="3200" dirty="0" smtClean="0">
-                <a:solidFill>
-                  <a:schemeClr val="tx1">
-                    <a:lumMod val="85000"/>
-                    <a:lumOff val="15000"/>
-                  </a:schemeClr>
-                </a:solidFill>
-              </a:rPr>
-              <a:t>子目录。</a:t>
-            </a:r>
-            <a:endParaRPr lang="en-US" altLang="zh-CN" sz="3200" dirty="0" smtClean="0">
-              <a:solidFill>
-                <a:schemeClr val="tx1">
-                  <a:lumMod val="85000"/>
-                  <a:lumOff val="15000"/>
-                </a:schemeClr>
-              </a:solidFill>
-            </a:endParaRPr>
-          </a:p>
-          <a:p>
-            <a:pPr lvl="1">
-              <a:spcBef>
-                <a:spcPts val="1800"/>
-              </a:spcBef>
-            </a:pPr>
-            <a:r>
-              <a:rPr lang="en-US" altLang="zh-CN" sz="3200" smtClean="0">
-                <a:solidFill>
-                  <a:schemeClr val="tx1">
-                    <a:lumMod val="85000"/>
-                    <a:lumOff val="15000"/>
-                  </a:schemeClr>
-                </a:solidFill>
-              </a:rPr>
-              <a:t>res/drawable-hdpi </a:t>
-            </a:r>
-            <a:r>
-              <a:rPr lang="zh-CN" altLang="en-US" sz="3200" smtClean="0">
-                <a:solidFill>
-                  <a:schemeClr val="tx1">
-                    <a:lumMod val="85000"/>
-                    <a:lumOff val="15000"/>
-                  </a:schemeClr>
-                </a:solidFill>
-              </a:rPr>
-              <a:t>： 高分辨率</a:t>
-            </a:r>
-            <a:r>
-              <a:rPr lang="zh-CN" altLang="en-US" sz="3200" dirty="0" smtClean="0">
-                <a:solidFill>
-                  <a:schemeClr val="tx1">
-                    <a:lumMod val="85000"/>
-                    <a:lumOff val="15000"/>
-                  </a:schemeClr>
-                </a:solidFill>
-              </a:rPr>
-              <a:t>图片</a:t>
-            </a:r>
-            <a:endParaRPr lang="en-US" altLang="zh-CN" sz="3200" dirty="0" smtClean="0">
-              <a:solidFill>
-                <a:schemeClr val="tx1">
-                  <a:lumMod val="85000"/>
-                  <a:lumOff val="15000"/>
-                </a:schemeClr>
-              </a:solidFill>
-            </a:endParaRPr>
-          </a:p>
-          <a:p>
-            <a:pPr lvl="1">
-              <a:spcBef>
-                <a:spcPts val="1800"/>
-              </a:spcBef>
-            </a:pPr>
-            <a:r>
-              <a:rPr lang="en-US" altLang="zh-CN" sz="3200" smtClean="0">
-                <a:solidFill>
-                  <a:schemeClr val="tx1">
-                    <a:lumMod val="85000"/>
-                    <a:lumOff val="15000"/>
-                  </a:schemeClr>
-                </a:solidFill>
-              </a:rPr>
-              <a:t>res/</a:t>
-            </a:r>
-            <a:r>
-              <a:rPr lang="en-US" altLang="zh-CN" sz="3200" err="1" smtClean="0">
-                <a:solidFill>
-                  <a:schemeClr val="tx1">
-                    <a:lumMod val="85000"/>
-                    <a:lumOff val="15000"/>
-                  </a:schemeClr>
-                </a:solidFill>
-              </a:rPr>
-              <a:t>drawable-mdpi</a:t>
-            </a:r>
-            <a:r>
-              <a:rPr lang="zh-CN" altLang="en-US" sz="3200" smtClean="0">
-                <a:solidFill>
-                  <a:schemeClr val="tx1">
-                    <a:lumMod val="85000"/>
-                    <a:lumOff val="15000"/>
-                  </a:schemeClr>
-                </a:solidFill>
-              </a:rPr>
-              <a:t>： 中</a:t>
-            </a:r>
-            <a:r>
-              <a:rPr lang="zh-CN" altLang="en-US" sz="3200" dirty="0" smtClean="0">
-                <a:solidFill>
-                  <a:schemeClr val="tx1">
-                    <a:lumMod val="85000"/>
-                    <a:lumOff val="15000"/>
-                  </a:schemeClr>
-                </a:solidFill>
-              </a:rPr>
-              <a:t>分辨率图片</a:t>
-            </a:r>
-            <a:endParaRPr lang="en-US" altLang="zh-CN" sz="3200" dirty="0" smtClean="0">
-              <a:solidFill>
-                <a:schemeClr val="tx1">
-                  <a:lumMod val="85000"/>
-                  <a:lumOff val="15000"/>
-                </a:schemeClr>
-              </a:solidFill>
-            </a:endParaRPr>
-          </a:p>
-          <a:p>
-            <a:pPr lvl="1">
-              <a:spcBef>
-                <a:spcPts val="1800"/>
-              </a:spcBef>
-            </a:pPr>
-            <a:r>
-              <a:rPr lang="en-US" altLang="zh-CN" sz="3200" smtClean="0">
-                <a:solidFill>
-                  <a:schemeClr val="tx1">
-                    <a:lumMod val="85000"/>
-                    <a:lumOff val="15000"/>
-                  </a:schemeClr>
-                </a:solidFill>
-              </a:rPr>
-              <a:t>res/drawable-ldpi  </a:t>
-            </a:r>
-            <a:r>
-              <a:rPr lang="zh-CN" altLang="en-US" sz="3200" smtClean="0">
-                <a:solidFill>
-                  <a:schemeClr val="tx1">
-                    <a:lumMod val="85000"/>
-                    <a:lumOff val="15000"/>
-                  </a:schemeClr>
-                </a:solidFill>
-              </a:rPr>
-              <a:t>： 低</a:t>
-            </a:r>
-            <a:r>
-              <a:rPr lang="zh-CN" altLang="en-US" sz="3200" dirty="0" smtClean="0">
-                <a:solidFill>
-                  <a:schemeClr val="tx1">
-                    <a:lumMod val="85000"/>
-                    <a:lumOff val="15000"/>
-                  </a:schemeClr>
-                </a:solidFill>
-              </a:rPr>
-              <a:t>分辨率图片</a:t>
-            </a:r>
-            <a:endParaRPr lang="en-US" altLang="zh-CN" sz="3200" dirty="0" smtClean="0">
-              <a:solidFill>
-                <a:schemeClr val="tx1">
-                  <a:lumMod val="85000"/>
-                  <a:lumOff val="15000"/>
-                </a:schemeClr>
-              </a:solidFill>
-            </a:endParaRPr>
-          </a:p>
-          <a:p>
-            <a:pPr lvl="1">
-              <a:spcBef>
-                <a:spcPts val="1800"/>
-              </a:spcBef>
-            </a:pPr>
-            <a:r>
-              <a:rPr lang="zh-CN" altLang="en-US" sz="3200" dirty="0" smtClean="0">
-                <a:solidFill>
-                  <a:schemeClr val="tx1">
-                    <a:lumMod val="85000"/>
-                    <a:lumOff val="15000"/>
-                  </a:schemeClr>
-                </a:solidFill>
-              </a:rPr>
-              <a:t>这三个子目录中的</a:t>
-            </a:r>
-            <a:r>
-              <a:rPr lang="zh-CN" altLang="en-US" sz="3200" dirty="0" smtClean="0">
-                <a:solidFill>
-                  <a:srgbClr val="C00000"/>
-                </a:solidFill>
-              </a:rPr>
-              <a:t>图片名完全相同</a:t>
-            </a:r>
-            <a:r>
-              <a:rPr lang="zh-CN" altLang="en-US" sz="3200" dirty="0" smtClean="0">
-                <a:solidFill>
-                  <a:schemeClr val="tx1">
-                    <a:lumMod val="85000"/>
-                    <a:lumOff val="15000"/>
-                  </a:schemeClr>
-                </a:solidFill>
-              </a:rPr>
-              <a:t>，</a:t>
-            </a:r>
-            <a:r>
-              <a:rPr lang="en-US" altLang="zh-CN" sz="3200" dirty="0" smtClean="0">
-                <a:solidFill>
-                  <a:schemeClr val="tx1">
-                    <a:lumMod val="85000"/>
-                    <a:lumOff val="15000"/>
-                  </a:schemeClr>
-                </a:solidFill>
-              </a:rPr>
-              <a:t>Android</a:t>
-            </a:r>
-            <a:r>
-              <a:rPr lang="zh-CN" altLang="en-US" sz="3200" dirty="0" smtClean="0">
-                <a:solidFill>
-                  <a:schemeClr val="tx1">
-                    <a:lumMod val="85000"/>
-                    <a:lumOff val="15000"/>
-                  </a:schemeClr>
-                </a:solidFill>
-              </a:rPr>
-              <a:t>应用会根据用户设备分辨率的不同而自行</a:t>
-            </a:r>
-            <a:r>
-              <a:rPr lang="zh-CN" altLang="en-US" sz="3200" smtClean="0">
-                <a:solidFill>
-                  <a:schemeClr val="tx1">
-                    <a:lumMod val="85000"/>
-                    <a:lumOff val="15000"/>
-                  </a:schemeClr>
-                </a:solidFill>
-              </a:rPr>
-              <a:t>选择。</a:t>
-            </a:r>
-            <a:endParaRPr lang="en-US" altLang="zh-CN" sz="3200" dirty="0">
-              <a:solidFill>
-                <a:schemeClr val="tx1">
-                  <a:lumMod val="85000"/>
-                  <a:lumOff val="15000"/>
-                </a:schemeClr>
-              </a:solidFill>
-            </a:endParaRPr>
-          </a:p>
-        </p:txBody>
-      </p:sp>
-    </p:spTree>
-    <p:extLst>
-      <p:ext uri="{BB962C8B-B14F-4D97-AF65-F5344CB8AC3E}">
-        <p14:creationId xmlns:p14="http://schemas.microsoft.com/office/powerpoint/2010/main" val="2462242590"/>
       </p:ext>
     </p:extLst>
   </p:cSld>
@@ -15401,16 +15379,16 @@
           <a:lstStyle/>
           <a:p>
             <a:r>
-              <a:rPr lang="en-US" altLang="zh-CN" dirty="0"/>
+              <a:rPr lang="en-US" altLang="zh-CN" dirty="0" smtClean="0"/>
               <a:t>res/</a:t>
             </a:r>
             <a:r>
-              <a:rPr lang="en-US" altLang="zh-CN" dirty="0" err="1"/>
+              <a:rPr lang="en-US" altLang="zh-CN" dirty="0" err="1" smtClean="0"/>
               <a:t>drawable</a:t>
             </a:r>
             <a:r>
-              <a:rPr lang="en-US" altLang="zh-CN" dirty="0"/>
-              <a:t>/9patch</a:t>
+              <a:rPr lang="en-US" altLang="zh-CN" dirty="0" smtClean="0"/>
+              <a:t>/bitmap</a:t>
             </a:r>
             <a:r>
               <a:rPr lang="zh-CN" altLang="en-US" dirty="0" smtClean="0"/>
@@ -15432,8 +15410,8 @@
         </p:nvSpPr>
         <p:spPr>
           <a:xfrm>
-            <a:off x="839416" y="1600200"/>
-            <a:ext cx="10742984" cy="2404864"/>
+            <a:off x="609600" y="1600200"/>
+            <a:ext cx="10972800" cy="4565104"/>
           </a:xfrm>
         </p:spPr>
         <p:txBody>
@@ -15443,6 +15421,17 @@
           <a:lstStyle/>
           <a:p>
             <a:r>
+              <a:rPr lang="en-US" altLang="zh-CN" sz="3200" dirty="0">
+                <a:solidFill>
+                  <a:schemeClr val="tx1">
+                    <a:lumMod val="85000"/>
+                    <a:lumOff val="15000"/>
+                  </a:schemeClr>
+                </a:solidFill>
+              </a:rPr>
+              <a:t>B</a:t>
+            </a:r>
+            <a:r>
               <a:rPr lang="en-US" altLang="zh-CN" sz="3200" dirty="0" smtClean="0">
                 <a:solidFill>
                   <a:schemeClr val="tx1">
@@ -15451,7 +15440,7 @@
                   </a:schemeClr>
                 </a:solidFill>
               </a:rPr>
-              <a:t>9-patch</a:t>
+              <a:t>itmap</a:t>
             </a:r>
             <a:r>
               <a:rPr lang="zh-CN" altLang="en-US" sz="3200" dirty="0" smtClean="0">
@@ -15462,7 +15451,7 @@
                   </a:schemeClr>
                 </a:solidFill>
               </a:rPr>
-              <a:t>资源，一个扩展名是</a:t>
+              <a:t>资源，即原始图片（</a:t>
             </a:r>
             <a:r>
               <a:rPr lang="en-US" altLang="zh-CN" sz="3200" dirty="0" smtClean="0">
@@ -15473,7 +15462,18 @@
                   </a:schemeClr>
                 </a:solidFill>
               </a:rPr>
-              <a:t>.9.png</a:t>
+              <a:t>*.</a:t>
+            </a:r>
+            <a:r>
+              <a:rPr lang="en-US" altLang="zh-CN" sz="3200" dirty="0" err="1" smtClean="0">
+                <a:solidFill>
+                  <a:schemeClr val="tx1">
+                    <a:lumMod val="85000"/>
+                    <a:lumOff val="15000"/>
+                  </a:schemeClr>
+                </a:solidFill>
+              </a:rPr>
+              <a:t>png</a:t>
             </a:r>
             <a:r>
               <a:rPr lang="zh-CN" altLang="en-US" sz="3200" dirty="0" smtClean="0">
@@ -15484,7 +15484,106 @@
                   </a:schemeClr>
                 </a:solidFill>
               </a:rPr>
-              <a:t>的图片，可以根据内容的大小，自动伸缩图片。</a:t>
+              <a:t>、</a:t>
+            </a:r>
+            <a:r>
+              <a:rPr lang="en-US" altLang="zh-CN" sz="3200" dirty="0" smtClean="0">
+                <a:solidFill>
+                  <a:schemeClr val="tx1">
+                    <a:lumMod val="85000"/>
+                    <a:lumOff val="15000"/>
+                  </a:schemeClr>
+                </a:solidFill>
+              </a:rPr>
+              <a:t>*.jpg</a:t>
+            </a:r>
+            <a:r>
+              <a:rPr lang="zh-CN" altLang="en-US" sz="3200" dirty="0" smtClean="0">
+                <a:solidFill>
+                  <a:schemeClr val="tx1">
+                    <a:lumMod val="85000"/>
+                    <a:lumOff val="15000"/>
+                  </a:schemeClr>
+                </a:solidFill>
+              </a:rPr>
+              <a:t>、</a:t>
+            </a:r>
+            <a:r>
+              <a:rPr lang="en-US" altLang="zh-CN" sz="3200" dirty="0" smtClean="0">
+                <a:solidFill>
+                  <a:schemeClr val="tx1">
+                    <a:lumMod val="85000"/>
+                    <a:lumOff val="15000"/>
+                  </a:schemeClr>
+                </a:solidFill>
+              </a:rPr>
+              <a:t>*.gif</a:t>
+            </a:r>
+            <a:r>
+              <a:rPr lang="zh-CN" altLang="en-US" sz="3200" dirty="0" smtClean="0">
+                <a:solidFill>
+                  <a:schemeClr val="tx1">
+                    <a:lumMod val="85000"/>
+                    <a:lumOff val="15000"/>
+                  </a:schemeClr>
+                </a:solidFill>
+              </a:rPr>
+              <a:t>），在</a:t>
+            </a:r>
+            <a:r>
+              <a:rPr lang="en-US" altLang="zh-CN" sz="3200" dirty="0" smtClean="0">
+                <a:solidFill>
+                  <a:schemeClr val="tx1">
+                    <a:lumMod val="85000"/>
+                    <a:lumOff val="15000"/>
+                  </a:schemeClr>
+                </a:solidFill>
+              </a:rPr>
+              <a:t>res/</a:t>
+            </a:r>
+            <a:r>
+              <a:rPr lang="zh-CN" altLang="en-US" sz="3200" dirty="0" smtClean="0">
+                <a:solidFill>
+                  <a:schemeClr val="tx1">
+                    <a:lumMod val="85000"/>
+                    <a:lumOff val="15000"/>
+                  </a:schemeClr>
+                </a:solidFill>
+              </a:rPr>
+              <a:t>目录下默认情况</a:t>
+            </a:r>
+            <a:r>
+              <a:rPr lang="zh-CN" altLang="en-US" sz="3200" dirty="0" smtClean="0">
+                <a:solidFill>
+                  <a:schemeClr val="tx1">
+                    <a:lumMod val="85000"/>
+                    <a:lumOff val="15000"/>
+                  </a:schemeClr>
+                </a:solidFill>
+              </a:rPr>
+              <a:t>有两个</a:t>
+            </a:r>
+            <a:r>
+              <a:rPr lang="en-US" altLang="zh-CN" sz="3200" dirty="0" err="1" smtClean="0">
+                <a:solidFill>
+                  <a:schemeClr val="tx1">
+                    <a:lumMod val="85000"/>
+                    <a:lumOff val="15000"/>
+                  </a:schemeClr>
+                </a:solidFill>
+              </a:rPr>
+              <a:t>drawable</a:t>
+            </a:r>
+            <a:r>
+              <a:rPr lang="zh-CN" altLang="en-US" sz="3200" dirty="0" smtClean="0">
+                <a:solidFill>
+                  <a:schemeClr val="tx1">
+                    <a:lumMod val="85000"/>
+                    <a:lumOff val="15000"/>
+                  </a:schemeClr>
+                </a:solidFill>
+              </a:rPr>
+              <a:t>子目录。</a:t>
             </a:r>
             <a:endParaRPr lang="en-US" altLang="zh-CN" sz="3200" dirty="0" smtClean="0">
               <a:solidFill>
@@ -15496,7 +15595,44 @@
             </a:endParaRPr>
           </a:p>
           <a:p>
-            <a:pPr lvl="1"/>
+            <a:pPr lvl="1">
+              <a:spcBef>
+                <a:spcPts val="1800"/>
+              </a:spcBef>
+            </a:pPr>
+            <a:r>
+              <a:rPr lang="en-US" altLang="zh-CN" sz="3200" dirty="0" smtClean="0">
+                <a:solidFill>
+                  <a:schemeClr val="tx1">
+                    <a:lumMod val="85000"/>
+                    <a:lumOff val="15000"/>
+                  </a:schemeClr>
+                </a:solidFill>
+              </a:rPr>
+              <a:t>res/</a:t>
+            </a:r>
+            <a:r>
+              <a:rPr lang="en-US" altLang="zh-CN" sz="3200" dirty="0" err="1" smtClean="0">
+                <a:solidFill>
+                  <a:schemeClr val="tx1">
+                    <a:lumMod val="85000"/>
+                    <a:lumOff val="15000"/>
+                  </a:schemeClr>
+                </a:solidFill>
+              </a:rPr>
+              <a:t>drawable</a:t>
+            </a:r>
+            <a:r>
+              <a:rPr lang="en-US" altLang="zh-CN" sz="3200" dirty="0" smtClean="0">
+                <a:solidFill>
+                  <a:schemeClr val="tx1">
+                    <a:lumMod val="85000"/>
+                    <a:lumOff val="15000"/>
+                  </a:schemeClr>
+                </a:solidFill>
+              </a:rPr>
+              <a:t> </a:t>
+            </a:r>
             <a:r>
               <a:rPr lang="zh-CN" altLang="en-US" sz="3200" dirty="0" smtClean="0">
                 <a:solidFill>
@@ -15506,75 +15642,168 @@
                   </a:schemeClr>
                 </a:solidFill>
               </a:rPr>
-              <a:t>使用示例：</a:t>
-            </a:r>
-            <a:r>
-              <a:rPr lang="en-US" altLang="zh-CN" sz="3200" dirty="0">
-                <a:solidFill>
-                  <a:schemeClr val="tx1">
-                    <a:lumMod val="85000"/>
-                    <a:lumOff val="15000"/>
-                  </a:schemeClr>
-                </a:solidFill>
-              </a:rPr>
-              <a:t>Button</a:t>
-            </a:r>
-            <a:r>
-              <a:rPr lang="zh-CN" altLang="en-US" sz="3200" dirty="0">
-                <a:solidFill>
-                  <a:schemeClr val="tx1">
-                    <a:lumMod val="85000"/>
-                    <a:lumOff val="15000"/>
-                  </a:schemeClr>
-                </a:solidFill>
-              </a:rPr>
-              <a:t>控件的背景，必须伸缩以适应</a:t>
-            </a:r>
-            <a:r>
-              <a:rPr lang="en-US" altLang="zh-CN" sz="3200" dirty="0">
-                <a:solidFill>
-                  <a:schemeClr val="tx1">
-                    <a:lumMod val="85000"/>
-                    <a:lumOff val="15000"/>
-                  </a:schemeClr>
-                </a:solidFill>
-              </a:rPr>
-              <a:t>Button</a:t>
-            </a:r>
-            <a:r>
-              <a:rPr lang="zh-CN" altLang="en-US" sz="3200" dirty="0">
-                <a:solidFill>
-                  <a:schemeClr val="tx1">
-                    <a:lumMod val="85000"/>
-                    <a:lumOff val="15000"/>
-                  </a:schemeClr>
-                </a:solidFill>
-              </a:rPr>
-              <a:t>的文字或</a:t>
-            </a:r>
-            <a:r>
-              <a:rPr lang="zh-CN" altLang="en-US" sz="3200">
-                <a:solidFill>
-                  <a:schemeClr val="tx1">
-                    <a:lumMod val="85000"/>
-                    <a:lumOff val="15000"/>
-                  </a:schemeClr>
-                </a:solidFill>
-              </a:rPr>
-              <a:t>图片</a:t>
-            </a:r>
-            <a:r>
-              <a:rPr lang="zh-CN" altLang="en-US" sz="3200" smtClean="0">
-                <a:solidFill>
-                  <a:schemeClr val="tx1">
-                    <a:lumMod val="85000"/>
-                    <a:lumOff val="15000"/>
-                  </a:schemeClr>
-                </a:solidFill>
-              </a:rPr>
-              <a:t>。</a:t>
+              <a:t>： </a:t>
+            </a:r>
+            <a:r>
+              <a:rPr lang="zh-CN" altLang="en-US" sz="3200" dirty="0" smtClean="0">
+                <a:solidFill>
+                  <a:schemeClr val="tx1">
+                    <a:lumMod val="85000"/>
+                    <a:lumOff val="15000"/>
+                  </a:schemeClr>
+                </a:solidFill>
+              </a:rPr>
+              <a:t>通用图片</a:t>
             </a:r>
             <a:endParaRPr lang="en-US" altLang="zh-CN" sz="3200" dirty="0" smtClean="0">
+              <a:solidFill>
+                <a:schemeClr val="tx1">
+                  <a:lumMod val="85000"/>
+                  <a:lumOff val="15000"/>
+                </a:schemeClr>
+              </a:solidFill>
+            </a:endParaRPr>
+          </a:p>
+          <a:p>
+            <a:pPr lvl="1">
+              <a:spcBef>
+                <a:spcPts val="1800"/>
+              </a:spcBef>
+            </a:pPr>
+            <a:r>
+              <a:rPr lang="en-US" altLang="zh-CN" sz="3200" dirty="0" smtClean="0">
+                <a:solidFill>
+                  <a:schemeClr val="tx1">
+                    <a:lumMod val="85000"/>
+                    <a:lumOff val="15000"/>
+                  </a:schemeClr>
+                </a:solidFill>
+              </a:rPr>
+              <a:t>res/drawable-v24</a:t>
+            </a:r>
+            <a:r>
+              <a:rPr lang="zh-CN" altLang="en-US" sz="3200" dirty="0" smtClean="0">
+                <a:solidFill>
+                  <a:schemeClr val="tx1">
+                    <a:lumMod val="85000"/>
+                    <a:lumOff val="15000"/>
+                  </a:schemeClr>
+                </a:solidFill>
+              </a:rPr>
+              <a:t>： </a:t>
+            </a:r>
+            <a:r>
+              <a:rPr lang="en-US" altLang="zh-CN" sz="3200" dirty="0" smtClean="0">
+                <a:solidFill>
+                  <a:schemeClr val="tx1">
+                    <a:lumMod val="85000"/>
+                    <a:lumOff val="15000"/>
+                  </a:schemeClr>
+                </a:solidFill>
+              </a:rPr>
+              <a:t>API24</a:t>
+            </a:r>
+            <a:r>
+              <a:rPr lang="zh-CN" altLang="en-US" sz="3200" dirty="0" smtClean="0">
+                <a:solidFill>
+                  <a:schemeClr val="tx1">
+                    <a:lumMod val="85000"/>
+                    <a:lumOff val="15000"/>
+                  </a:schemeClr>
+                </a:solidFill>
+              </a:rPr>
+              <a:t>以上系统使用图片</a:t>
+            </a:r>
+            <a:endParaRPr lang="en-US" altLang="zh-CN" sz="3200" dirty="0" smtClean="0">
+              <a:solidFill>
+                <a:schemeClr val="tx1">
+                  <a:lumMod val="85000"/>
+                  <a:lumOff val="15000"/>
+                </a:schemeClr>
+              </a:solidFill>
+            </a:endParaRPr>
+          </a:p>
+          <a:p>
+            <a:pPr lvl="1">
+              <a:spcBef>
+                <a:spcPts val="1800"/>
+              </a:spcBef>
+            </a:pPr>
+            <a:r>
+              <a:rPr lang="zh-CN" altLang="en-US" sz="3200" dirty="0" smtClean="0">
+                <a:solidFill>
+                  <a:schemeClr val="tx1">
+                    <a:lumMod val="85000"/>
+                    <a:lumOff val="15000"/>
+                  </a:schemeClr>
+                </a:solidFill>
+              </a:rPr>
+              <a:t>这两个子目录中的</a:t>
+            </a:r>
+            <a:r>
+              <a:rPr lang="zh-CN" altLang="en-US" sz="3200" dirty="0" smtClean="0">
+                <a:solidFill>
+                  <a:srgbClr val="C00000"/>
+                </a:solidFill>
+              </a:rPr>
+              <a:t>图片名可以完全相同</a:t>
+            </a:r>
+            <a:r>
+              <a:rPr lang="zh-CN" altLang="en-US" sz="3200" dirty="0" smtClean="0">
+                <a:solidFill>
+                  <a:schemeClr val="tx1">
+                    <a:lumMod val="85000"/>
+                    <a:lumOff val="15000"/>
+                  </a:schemeClr>
+                </a:solidFill>
+              </a:rPr>
+              <a:t>，</a:t>
+            </a:r>
+            <a:r>
+              <a:rPr lang="en-US" altLang="zh-CN" sz="3200" dirty="0" smtClean="0">
+                <a:solidFill>
+                  <a:schemeClr val="tx1">
+                    <a:lumMod val="85000"/>
+                    <a:lumOff val="15000"/>
+                  </a:schemeClr>
+                </a:solidFill>
+              </a:rPr>
+              <a:t>Android</a:t>
+            </a:r>
+            <a:r>
+              <a:rPr lang="zh-CN" altLang="en-US" sz="3200" dirty="0" smtClean="0">
+                <a:solidFill>
+                  <a:schemeClr val="tx1">
+                    <a:lumMod val="85000"/>
+                    <a:lumOff val="15000"/>
+                  </a:schemeClr>
+                </a:solidFill>
+              </a:rPr>
+              <a:t>应用会根据用户设备</a:t>
+            </a:r>
+            <a:r>
+              <a:rPr lang="en-US" altLang="zh-CN" sz="3200" dirty="0" smtClean="0">
+                <a:solidFill>
+                  <a:schemeClr val="tx1">
+                    <a:lumMod val="85000"/>
+                    <a:lumOff val="15000"/>
+                  </a:schemeClr>
+                </a:solidFill>
+              </a:rPr>
+              <a:t>API</a:t>
+            </a:r>
+            <a:r>
+              <a:rPr lang="zh-CN" altLang="en-US" sz="3200" dirty="0" smtClean="0">
+                <a:solidFill>
+                  <a:schemeClr val="tx1">
+                    <a:lumMod val="85000"/>
+                    <a:lumOff val="15000"/>
+                  </a:schemeClr>
+                </a:solidFill>
+              </a:rPr>
+              <a:t>版本的不同而自行选择。</a:t>
+            </a:r>
+            <a:endParaRPr lang="en-US" altLang="zh-CN" sz="3200" dirty="0">
               <a:solidFill>
                 <a:schemeClr val="tx1">
                   <a:lumMod val="85000"/>
@@ -15588,7 +15817,7 @@
     </p:spTree>
     <p:extLst>
       <p:ext uri="{BB962C8B-B14F-4D97-AF65-F5344CB8AC3E}">
-        <p14:creationId xmlns:p14="http://schemas.microsoft.com/office/powerpoint/2010/main" val="3376471950"/>
+        <p14:creationId xmlns:p14="http://schemas.microsoft.com/office/powerpoint/2010/main" val="2152770749"/>
       </p:ext>
     </p:extLst>
   </p:cSld>
@@ -15647,11 +15876,7 @@
             </a:r>
             <a:r>
               <a:rPr lang="en-US" altLang="zh-CN" dirty="0"/>
-              <a:t>/</a:t>
-            </a:r>
-            <a:r>
-              <a:rPr lang="en-US" altLang="zh-CN" dirty="0" err="1"/>
-              <a:t>LayerList</a:t>
+              <a:t>/9patch</a:t>
             </a:r>
             <a:r>
               <a:rPr lang="zh-CN" altLang="en-US" dirty="0" smtClean="0"/>
@@ -15684,15 +15909,15 @@
           <a:lstStyle/>
           <a:p>
             <a:r>
-              <a:rPr lang="en-US" altLang="zh-CN" sz="3200" dirty="0" err="1" smtClean="0">
-                <a:solidFill>
-                  <a:schemeClr val="tx1">
-                    <a:lumMod val="85000"/>
-                    <a:lumOff val="15000"/>
-                  </a:schemeClr>
-                </a:solidFill>
-              </a:rPr>
-              <a:t>LayerList</a:t>
+              <a:rPr lang="en-US" altLang="zh-CN" sz="3200" dirty="0" smtClean="0">
+                <a:solidFill>
+                  <a:schemeClr val="tx1">
+                    <a:lumMod val="85000"/>
+                    <a:lumOff val="15000"/>
+                  </a:schemeClr>
+                </a:solidFill>
+              </a:rPr>
+              <a:t>9-patch</a:t>
             </a:r>
             <a:r>
               <a:rPr lang="zh-CN" altLang="en-US" sz="3200" dirty="0" smtClean="0">
@@ -15703,40 +15928,18 @@
                   </a:schemeClr>
                 </a:solidFill>
               </a:rPr>
-              <a:t>资源，一个图层，用来管理</a:t>
-            </a:r>
-            <a:r>
-              <a:rPr lang="zh-CN" altLang="en-US" sz="3200" smtClean="0">
-                <a:solidFill>
-                  <a:schemeClr val="tx1">
-                    <a:lumMod val="85000"/>
-                    <a:lumOff val="15000"/>
-                  </a:schemeClr>
-                </a:solidFill>
-              </a:rPr>
-              <a:t>一系列</a:t>
-            </a:r>
-            <a:r>
-              <a:rPr lang="zh-CN" altLang="en-US" sz="3200" smtClean="0">
-                <a:solidFill>
-                  <a:schemeClr val="tx1">
-                    <a:lumMod val="85000"/>
-                    <a:lumOff val="15000"/>
-                  </a:schemeClr>
-                </a:solidFill>
-              </a:rPr>
-              <a:t>其它</a:t>
-            </a:r>
-            <a:r>
-              <a:rPr lang="en-US" altLang="zh-CN" sz="3200" smtClean="0">
-                <a:solidFill>
-                  <a:schemeClr val="tx1">
-                    <a:lumMod val="85000"/>
-                    <a:lumOff val="15000"/>
-                  </a:schemeClr>
-                </a:solidFill>
-              </a:rPr>
-              <a:t>Drawable</a:t>
+              <a:t>资源，一个扩展名是</a:t>
+            </a:r>
+            <a:r>
+              <a:rPr lang="en-US" altLang="zh-CN" sz="3200" dirty="0" smtClean="0">
+                <a:solidFill>
+                  <a:schemeClr val="tx1">
+                    <a:lumMod val="85000"/>
+                    <a:lumOff val="15000"/>
+                  </a:schemeClr>
+                </a:solidFill>
+              </a:rPr>
+              <a:t>.9.png</a:t>
             </a:r>
             <a:r>
               <a:rPr lang="zh-CN" altLang="en-US" sz="3200" dirty="0" smtClean="0">
@@ -15747,7 +15950,7 @@
                   </a:schemeClr>
                 </a:solidFill>
               </a:rPr>
-              <a:t>资源。</a:t>
+              <a:t>的图片，可以根据内容的大小，自动伸缩图片。</a:t>
             </a:r>
             <a:endParaRPr lang="en-US" altLang="zh-CN" sz="3200" dirty="0" smtClean="0">
               <a:solidFill>
@@ -15761,17 +15964,6 @@
           <a:p>
             <a:pPr lvl="1"/>
             <a:r>
-              <a:rPr lang="en-US" altLang="zh-CN" sz="3200" dirty="0" err="1" smtClean="0">
-                <a:solidFill>
-                  <a:schemeClr val="tx1">
-                    <a:lumMod val="85000"/>
-                    <a:lumOff val="15000"/>
-                  </a:schemeClr>
-                </a:solidFill>
-              </a:rPr>
-              <a:t>LayerList</a:t>
-            </a:r>
-            <a:r>
               <a:rPr lang="zh-CN" altLang="en-US" sz="3200" dirty="0" smtClean="0">
                 <a:solidFill>
                   <a:schemeClr val="tx1">
@@ -15780,70 +15972,65 @@
                   </a:schemeClr>
                 </a:solidFill>
               </a:rPr>
-              <a:t>是</a:t>
-            </a:r>
-            <a:r>
-              <a:rPr lang="en-US" altLang="zh-CN" sz="3200" dirty="0" smtClean="0">
-                <a:solidFill>
-                  <a:schemeClr val="tx1">
-                    <a:lumMod val="85000"/>
-                    <a:lumOff val="15000"/>
-                  </a:schemeClr>
-                </a:solidFill>
-              </a:rPr>
-              <a:t>res/</a:t>
-            </a:r>
-            <a:r>
-              <a:rPr lang="en-US" altLang="zh-CN" sz="3200" dirty="0" err="1" smtClean="0">
-                <a:solidFill>
-                  <a:schemeClr val="tx1">
-                    <a:lumMod val="85000"/>
-                    <a:lumOff val="15000"/>
-                  </a:schemeClr>
-                </a:solidFill>
-              </a:rPr>
-              <a:t>drawable</a:t>
-            </a:r>
-            <a:r>
-              <a:rPr lang="en-US" altLang="zh-CN" sz="3200" dirty="0" smtClean="0">
-                <a:solidFill>
-                  <a:schemeClr val="tx1">
-                    <a:lumMod val="85000"/>
-                    <a:lumOff val="15000"/>
-                  </a:schemeClr>
-                </a:solidFill>
-              </a:rPr>
-              <a:t>/</a:t>
-            </a:r>
-            <a:r>
-              <a:rPr lang="zh-CN" altLang="en-US" sz="3200" dirty="0" smtClean="0">
-                <a:solidFill>
-                  <a:schemeClr val="tx1">
-                    <a:lumMod val="85000"/>
-                    <a:lumOff val="15000"/>
-                  </a:schemeClr>
-                </a:solidFill>
-              </a:rPr>
-              <a:t>目录下的一个</a:t>
-            </a:r>
-            <a:r>
-              <a:rPr lang="en-US" altLang="zh-CN" sz="3200" dirty="0" smtClean="0">
-                <a:solidFill>
-                  <a:srgbClr val="C00000"/>
-                </a:solidFill>
-              </a:rPr>
-              <a:t>XML</a:t>
-            </a:r>
-            <a:r>
-              <a:rPr lang="zh-CN" altLang="en-US" sz="3200" dirty="0" smtClean="0">
-                <a:solidFill>
-                  <a:srgbClr val="C00000"/>
-                </a:solidFill>
-              </a:rPr>
-              <a:t>文件</a:t>
-            </a:r>
-            <a:r>
-              <a:rPr lang="zh-CN" altLang="en-US" sz="3200" dirty="0" smtClean="0">
+              <a:t>使用示例：</a:t>
+            </a:r>
+            <a:r>
+              <a:rPr lang="en-US" altLang="zh-CN" sz="3200" dirty="0">
+                <a:solidFill>
+                  <a:schemeClr val="tx1">
+                    <a:lumMod val="85000"/>
+                    <a:lumOff val="15000"/>
+                  </a:schemeClr>
+                </a:solidFill>
+              </a:rPr>
+              <a:t>Button</a:t>
+            </a:r>
+            <a:r>
+              <a:rPr lang="zh-CN" altLang="en-US" sz="3200" dirty="0">
+                <a:solidFill>
+                  <a:schemeClr val="tx1">
+                    <a:lumMod val="85000"/>
+                    <a:lumOff val="15000"/>
+                  </a:schemeClr>
+                </a:solidFill>
+              </a:rPr>
+              <a:t>控件的背景，必须伸缩以适应</a:t>
+            </a:r>
+            <a:r>
+              <a:rPr lang="en-US" altLang="zh-CN" sz="3200" dirty="0">
+                <a:solidFill>
+                  <a:schemeClr val="tx1">
+                    <a:lumMod val="85000"/>
+                    <a:lumOff val="15000"/>
+                  </a:schemeClr>
+                </a:solidFill>
+              </a:rPr>
+              <a:t>Button</a:t>
+            </a:r>
+            <a:r>
+              <a:rPr lang="zh-CN" altLang="en-US" sz="3200" dirty="0">
+                <a:solidFill>
+                  <a:schemeClr val="tx1">
+                    <a:lumMod val="85000"/>
+                    <a:lumOff val="15000"/>
+                  </a:schemeClr>
+                </a:solidFill>
+              </a:rPr>
+              <a:t>的文字或</a:t>
+            </a:r>
+            <a:r>
+              <a:rPr lang="zh-CN" altLang="en-US" sz="3200">
+                <a:solidFill>
+                  <a:schemeClr val="tx1">
+                    <a:lumMod val="85000"/>
+                    <a:lumOff val="15000"/>
+                  </a:schemeClr>
+                </a:solidFill>
+              </a:rPr>
+              <a:t>图片</a:t>
+            </a:r>
+            <a:r>
+              <a:rPr lang="zh-CN" altLang="en-US" sz="3200" smtClean="0">
                 <a:solidFill>
                   <a:schemeClr val="tx1">
                     <a:lumMod val="85000"/>
@@ -15852,50 +16039,6 @@
                 </a:solidFill>
               </a:rPr>
               <a:t>。</a:t>
-            </a:r>
-            <a:endParaRPr lang="en-US" altLang="zh-CN" sz="3200" dirty="0" smtClean="0">
-              <a:solidFill>
-                <a:schemeClr val="tx1">
-                  <a:lumMod val="85000"/>
-                  <a:lumOff val="15000"/>
-                </a:schemeClr>
-              </a:solidFill>
-            </a:endParaRPr>
-          </a:p>
-          <a:p>
-            <a:pPr lvl="1"/>
-            <a:r>
-              <a:rPr lang="en-US" altLang="zh-CN" sz="3200" smtClean="0">
-                <a:solidFill>
-                  <a:schemeClr val="tx1">
-                    <a:lumMod val="85000"/>
-                    <a:lumOff val="15000"/>
-                  </a:schemeClr>
-                </a:solidFill>
-              </a:rPr>
-              <a:t>XML</a:t>
-            </a:r>
-            <a:r>
-              <a:rPr lang="zh-CN" altLang="en-US" sz="3200" dirty="0" smtClean="0">
-                <a:solidFill>
-                  <a:schemeClr val="tx1">
-                    <a:lumMod val="85000"/>
-                    <a:lumOff val="15000"/>
-                  </a:schemeClr>
-                </a:solidFill>
-              </a:rPr>
-              <a:t>文件基本语法定义</a:t>
-            </a:r>
-            <a:r>
-              <a:rPr lang="zh-CN" altLang="en-US" sz="3200" smtClean="0">
-                <a:solidFill>
-                  <a:schemeClr val="tx1">
-                    <a:lumMod val="85000"/>
-                    <a:lumOff val="15000"/>
-                  </a:schemeClr>
-                </a:solidFill>
-              </a:rPr>
-              <a:t>为：</a:t>
             </a:r>
             <a:endParaRPr lang="en-US" altLang="zh-CN" sz="3200" dirty="0" smtClean="0">
               <a:solidFill>
@@ -15908,51 +16051,10 @@
           </a:p>
         </p:txBody>
       </p:sp>
-      <p:pic>
-        <p:nvPicPr>
-          <p:cNvPr id="12292" name="Picture 4" descr="http://developer.android.com/images/resources/layers.png"/>
-          <p:cNvPicPr>
-            <a:picLocks noChangeAspect="1" noChangeArrowheads="1"/>
-          </p:cNvPicPr>
-          <p:nvPr/>
-        </p:nvPicPr>
-        <p:blipFill>
-          <a:blip r:embed="rId2">
-            <a:extLst>
-              <a:ext uri="{28A0092B-C50C-407E-A947-70E740481C1C}">
-                <a14:useLocalDpi xmlns:a14="http://schemas.microsoft.com/office/drawing/2010/main" val="0"/>
-              </a:ext>
-            </a:extLst>
-          </a:blip>
-          <a:srcRect/>
-          <a:stretch>
-            <a:fillRect/>
-          </a:stretch>
-        </p:blipFill>
-        <p:spPr bwMode="auto">
-          <a:xfrm>
-            <a:off x="8942410" y="3573016"/>
-            <a:ext cx="2160240" cy="1944216"/>
-          </a:xfrm>
-          <a:prstGeom prst="rect">
-            <a:avLst/>
-          </a:prstGeom>
-          <a:noFill/>
-          <a:extLst>
-            <a:ext uri="{909E8E84-426E-40DD-AFC4-6F175D3DCCD1}">
-              <a14:hiddenFill xmlns:a14="http://schemas.microsoft.com/office/drawing/2010/main">
-                <a:solidFill>
-                  <a:srgbClr val="FFFFFF"/>
-                </a:solidFill>
-              </a14:hiddenFill>
-            </a:ext>
-          </a:extLst>
-        </p:spPr>
-      </p:pic>
     </p:spTree>
     <p:extLst>
       <p:ext uri="{BB962C8B-B14F-4D97-AF65-F5344CB8AC3E}">
-        <p14:creationId xmlns:p14="http://schemas.microsoft.com/office/powerpoint/2010/main" val="1328632185"/>
+        <p14:creationId xmlns:p14="http://schemas.microsoft.com/office/powerpoint/2010/main" val="3376471950"/>
       </p:ext>
     </p:extLst>
   </p:cSld>
@@ -16027,751 +16129,285 @@
       </p:sp>
       <p:sp>
         <p:nvSpPr>
-          <p:cNvPr id="4" name="矩形 3"/>
-          <p:cNvSpPr/>
-          <p:nvPr/>
+          <p:cNvPr id="3" name="内容占位符 2"/>
+          <p:cNvSpPr>
+            <a:spLocks noGrp="1"/>
+          </p:cNvSpPr>
+          <p:nvPr>
+            <p:ph idx="1"/>
+          </p:nvPr>
         </p:nvSpPr>
         <p:spPr>
           <a:xfrm>
-            <a:off x="623392" y="1778070"/>
-            <a:ext cx="10972800" cy="4675266"/>
+            <a:off x="839416" y="1600200"/>
+            <a:ext cx="10742984" cy="2404864"/>
+          </a:xfrm>
+        </p:spPr>
+        <p:txBody>
+          <a:bodyPr>
+            <a:normAutofit/>
+          </a:bodyPr>
+          <a:lstStyle/>
+          <a:p>
+            <a:r>
+              <a:rPr lang="en-US" altLang="zh-CN" sz="3200" dirty="0" err="1" smtClean="0">
+                <a:solidFill>
+                  <a:schemeClr val="tx1">
+                    <a:lumMod val="85000"/>
+                    <a:lumOff val="15000"/>
+                  </a:schemeClr>
+                </a:solidFill>
+              </a:rPr>
+              <a:t>LayerList</a:t>
+            </a:r>
+            <a:r>
+              <a:rPr lang="zh-CN" altLang="en-US" sz="3200" dirty="0" smtClean="0">
+                <a:solidFill>
+                  <a:schemeClr val="tx1">
+                    <a:lumMod val="85000"/>
+                    <a:lumOff val="15000"/>
+                  </a:schemeClr>
+                </a:solidFill>
+              </a:rPr>
+              <a:t>资源，一个图层，用来管理</a:t>
+            </a:r>
+            <a:r>
+              <a:rPr lang="zh-CN" altLang="en-US" sz="3200" smtClean="0">
+                <a:solidFill>
+                  <a:schemeClr val="tx1">
+                    <a:lumMod val="85000"/>
+                    <a:lumOff val="15000"/>
+                  </a:schemeClr>
+                </a:solidFill>
+              </a:rPr>
+              <a:t>一系列其它</a:t>
+            </a:r>
+            <a:r>
+              <a:rPr lang="en-US" altLang="zh-CN" sz="3200" smtClean="0">
+                <a:solidFill>
+                  <a:schemeClr val="tx1">
+                    <a:lumMod val="85000"/>
+                    <a:lumOff val="15000"/>
+                  </a:schemeClr>
+                </a:solidFill>
+              </a:rPr>
+              <a:t>Drawable</a:t>
+            </a:r>
+            <a:r>
+              <a:rPr lang="zh-CN" altLang="en-US" sz="3200" dirty="0" smtClean="0">
+                <a:solidFill>
+                  <a:schemeClr val="tx1">
+                    <a:lumMod val="85000"/>
+                    <a:lumOff val="15000"/>
+                  </a:schemeClr>
+                </a:solidFill>
+              </a:rPr>
+              <a:t>资源。</a:t>
+            </a:r>
+            <a:endParaRPr lang="en-US" altLang="zh-CN" sz="3200" dirty="0" smtClean="0">
+              <a:solidFill>
+                <a:schemeClr val="tx1">
+                  <a:lumMod val="85000"/>
+                  <a:lumOff val="15000"/>
+                </a:schemeClr>
+              </a:solidFill>
+            </a:endParaRPr>
+          </a:p>
+          <a:p>
+            <a:pPr lvl="1"/>
+            <a:r>
+              <a:rPr lang="en-US" altLang="zh-CN" sz="3200" dirty="0" err="1" smtClean="0">
+                <a:solidFill>
+                  <a:schemeClr val="tx1">
+                    <a:lumMod val="85000"/>
+                    <a:lumOff val="15000"/>
+                  </a:schemeClr>
+                </a:solidFill>
+              </a:rPr>
+              <a:t>LayerList</a:t>
+            </a:r>
+            <a:r>
+              <a:rPr lang="zh-CN" altLang="en-US" sz="3200" dirty="0" smtClean="0">
+                <a:solidFill>
+                  <a:schemeClr val="tx1">
+                    <a:lumMod val="85000"/>
+                    <a:lumOff val="15000"/>
+                  </a:schemeClr>
+                </a:solidFill>
+              </a:rPr>
+              <a:t>是</a:t>
+            </a:r>
+            <a:r>
+              <a:rPr lang="en-US" altLang="zh-CN" sz="3200" dirty="0" smtClean="0">
+                <a:solidFill>
+                  <a:schemeClr val="tx1">
+                    <a:lumMod val="85000"/>
+                    <a:lumOff val="15000"/>
+                  </a:schemeClr>
+                </a:solidFill>
+              </a:rPr>
+              <a:t>res/</a:t>
+            </a:r>
+            <a:r>
+              <a:rPr lang="en-US" altLang="zh-CN" sz="3200" dirty="0" err="1" smtClean="0">
+                <a:solidFill>
+                  <a:schemeClr val="tx1">
+                    <a:lumMod val="85000"/>
+                    <a:lumOff val="15000"/>
+                  </a:schemeClr>
+                </a:solidFill>
+              </a:rPr>
+              <a:t>drawable</a:t>
+            </a:r>
+            <a:r>
+              <a:rPr lang="en-US" altLang="zh-CN" sz="3200" dirty="0" smtClean="0">
+                <a:solidFill>
+                  <a:schemeClr val="tx1">
+                    <a:lumMod val="85000"/>
+                    <a:lumOff val="15000"/>
+                  </a:schemeClr>
+                </a:solidFill>
+              </a:rPr>
+              <a:t>/</a:t>
+            </a:r>
+            <a:r>
+              <a:rPr lang="zh-CN" altLang="en-US" sz="3200" dirty="0" smtClean="0">
+                <a:solidFill>
+                  <a:schemeClr val="tx1">
+                    <a:lumMod val="85000"/>
+                    <a:lumOff val="15000"/>
+                  </a:schemeClr>
+                </a:solidFill>
+              </a:rPr>
+              <a:t>目录下的一个</a:t>
+            </a:r>
+            <a:r>
+              <a:rPr lang="en-US" altLang="zh-CN" sz="3200" dirty="0" smtClean="0">
+                <a:solidFill>
+                  <a:srgbClr val="C00000"/>
+                </a:solidFill>
+              </a:rPr>
+              <a:t>XML</a:t>
+            </a:r>
+            <a:r>
+              <a:rPr lang="zh-CN" altLang="en-US" sz="3200" dirty="0" smtClean="0">
+                <a:solidFill>
+                  <a:srgbClr val="C00000"/>
+                </a:solidFill>
+              </a:rPr>
+              <a:t>文件</a:t>
+            </a:r>
+            <a:r>
+              <a:rPr lang="zh-CN" altLang="en-US" sz="3200" dirty="0" smtClean="0">
+                <a:solidFill>
+                  <a:schemeClr val="tx1">
+                    <a:lumMod val="85000"/>
+                    <a:lumOff val="15000"/>
+                  </a:schemeClr>
+                </a:solidFill>
+              </a:rPr>
+              <a:t>。</a:t>
+            </a:r>
+            <a:endParaRPr lang="en-US" altLang="zh-CN" sz="3200" dirty="0" smtClean="0">
+              <a:solidFill>
+                <a:schemeClr val="tx1">
+                  <a:lumMod val="85000"/>
+                  <a:lumOff val="15000"/>
+                </a:schemeClr>
+              </a:solidFill>
+            </a:endParaRPr>
+          </a:p>
+          <a:p>
+            <a:pPr lvl="1"/>
+            <a:r>
+              <a:rPr lang="en-US" altLang="zh-CN" sz="3200" smtClean="0">
+                <a:solidFill>
+                  <a:schemeClr val="tx1">
+                    <a:lumMod val="85000"/>
+                    <a:lumOff val="15000"/>
+                  </a:schemeClr>
+                </a:solidFill>
+              </a:rPr>
+              <a:t>XML</a:t>
+            </a:r>
+            <a:r>
+              <a:rPr lang="zh-CN" altLang="en-US" sz="3200" dirty="0" smtClean="0">
+                <a:solidFill>
+                  <a:schemeClr val="tx1">
+                    <a:lumMod val="85000"/>
+                    <a:lumOff val="15000"/>
+                  </a:schemeClr>
+                </a:solidFill>
+              </a:rPr>
+              <a:t>文件基本语法定义</a:t>
+            </a:r>
+            <a:r>
+              <a:rPr lang="zh-CN" altLang="en-US" sz="3200" smtClean="0">
+                <a:solidFill>
+                  <a:schemeClr val="tx1">
+                    <a:lumMod val="85000"/>
+                    <a:lumOff val="15000"/>
+                  </a:schemeClr>
+                </a:solidFill>
+              </a:rPr>
+              <a:t>为：</a:t>
+            </a:r>
+            <a:endParaRPr lang="en-US" altLang="zh-CN" sz="3200" dirty="0" smtClean="0">
+              <a:solidFill>
+                <a:schemeClr val="tx1">
+                  <a:lumMod val="85000"/>
+                  <a:lumOff val="15000"/>
+                </a:schemeClr>
+              </a:solidFill>
+            </a:endParaRPr>
+          </a:p>
+        </p:txBody>
+      </p:sp>
+      <p:pic>
+        <p:nvPicPr>
+          <p:cNvPr id="12292" name="Picture 4" descr="http://developer.android.com/images/resources/layers.png"/>
+          <p:cNvPicPr>
+            <a:picLocks noChangeAspect="1" noChangeArrowheads="1"/>
+          </p:cNvPicPr>
+          <p:nvPr/>
+        </p:nvPicPr>
+        <p:blipFill>
+          <a:blip r:embed="rId2">
+            <a:extLst>
+              <a:ext uri="{28A0092B-C50C-407E-A947-70E740481C1C}">
+                <a14:useLocalDpi xmlns:a14="http://schemas.microsoft.com/office/drawing/2010/main" val="0"/>
+              </a:ext>
+            </a:extLst>
+          </a:blip>
+          <a:srcRect/>
+          <a:stretch>
+            <a:fillRect/>
+          </a:stretch>
+        </p:blipFill>
+        <p:spPr bwMode="auto">
+          <a:xfrm>
+            <a:off x="8942410" y="3573016"/>
+            <a:ext cx="2160240" cy="1944216"/>
           </a:xfrm>
           <a:prstGeom prst="rect">
             <a:avLst/>
           </a:prstGeom>
-          <a:solidFill>
-            <a:schemeClr val="accent5">
-              <a:lumMod val="20000"/>
-              <a:lumOff val="80000"/>
-            </a:schemeClr>
-          </a:solidFill>
-          <a:ln w="38100">
-            <a:solidFill>
-              <a:schemeClr val="tx1">
-                <a:lumMod val="65000"/>
-                <a:lumOff val="35000"/>
-              </a:schemeClr>
-            </a:solidFill>
-          </a:ln>
-          <a:effectLst>
-            <a:outerShdw blurRad="50800" dist="38100" dir="2700000" algn="tl" rotWithShape="0">
-              <a:prstClr val="black">
-                <a:alpha val="40000"/>
-              </a:prstClr>
-            </a:outerShdw>
-          </a:effectLst>
+          <a:noFill/>
+          <a:extLst>
+            <a:ext uri="{909E8E84-426E-40DD-AFC4-6F175D3DCCD1}">
+              <a14:hiddenFill xmlns:a14="http://schemas.microsoft.com/office/drawing/2010/main">
+                <a:solidFill>
+                  <a:srgbClr val="FFFFFF"/>
+                </a:solidFill>
+              </a14:hiddenFill>
+            </a:ext>
+          </a:extLst>
         </p:spPr>
-        <p:style>
-          <a:lnRef idx="2">
-            <a:schemeClr val="accent1">
-              <a:shade val="50000"/>
-            </a:schemeClr>
-          </a:lnRef>
-          <a:fillRef idx="1">
-            <a:schemeClr val="accent1"/>
-          </a:fillRef>
-          <a:effectRef idx="0">
-            <a:schemeClr val="accent1"/>
-          </a:effectRef>
-          <a:fontRef idx="minor">
-            <a:schemeClr val="lt1"/>
-          </a:fontRef>
-        </p:style>
-        <p:txBody>
-          <a:bodyPr rtlCol="0" anchor="ctr"/>
-          <a:lstStyle/>
-          <a:p>
-            <a:pPr lvl="0" eaLnBrk="0" fontAlgn="base" hangingPunct="0">
-              <a:spcBef>
-                <a:spcPct val="0"/>
-              </a:spcBef>
-              <a:spcAft>
-                <a:spcPct val="0"/>
-              </a:spcAft>
-            </a:pPr>
-            <a:r>
-              <a:rPr lang="zh-CN" altLang="zh-CN" sz="2000" b="1" i="1" dirty="0">
-                <a:solidFill>
-                  <a:srgbClr val="000000"/>
-                </a:solidFill>
-                <a:latin typeface="Consolas" panose="020B0609020204030204" pitchFamily="49" charset="0"/>
-              </a:rPr>
-              <a:t>&lt;?</a:t>
-            </a:r>
-            <a:r>
-              <a:rPr lang="zh-CN" altLang="zh-CN" sz="2000" b="1" dirty="0">
-                <a:solidFill>
-                  <a:srgbClr val="0000FF"/>
-                </a:solidFill>
-                <a:latin typeface="Consolas" panose="020B0609020204030204" pitchFamily="49" charset="0"/>
-              </a:rPr>
-              <a:t>xml version=</a:t>
-            </a:r>
-            <a:r>
-              <a:rPr lang="zh-CN" altLang="zh-CN" sz="2000" b="1" dirty="0">
-                <a:solidFill>
-                  <a:srgbClr val="008000"/>
-                </a:solidFill>
-                <a:latin typeface="Consolas" panose="020B0609020204030204" pitchFamily="49" charset="0"/>
-              </a:rPr>
-              <a:t>"1.0" </a:t>
-            </a:r>
-            <a:r>
-              <a:rPr lang="zh-CN" altLang="zh-CN" sz="2000" b="1" dirty="0">
-                <a:solidFill>
-                  <a:srgbClr val="0000FF"/>
-                </a:solidFill>
-                <a:latin typeface="Consolas" panose="020B0609020204030204" pitchFamily="49" charset="0"/>
-              </a:rPr>
-              <a:t>encoding=</a:t>
-            </a:r>
-            <a:r>
-              <a:rPr lang="zh-CN" altLang="zh-CN" sz="2000" b="1" dirty="0">
-                <a:solidFill>
-                  <a:srgbClr val="008000"/>
-                </a:solidFill>
-                <a:latin typeface="Consolas" panose="020B0609020204030204" pitchFamily="49" charset="0"/>
-              </a:rPr>
-              <a:t>"utf-8"</a:t>
-            </a:r>
-            <a:r>
-              <a:rPr lang="zh-CN" altLang="zh-CN" sz="2000" b="1" i="1" dirty="0">
-                <a:solidFill>
-                  <a:srgbClr val="000000"/>
-                </a:solidFill>
-                <a:latin typeface="Consolas" panose="020B0609020204030204" pitchFamily="49" charset="0"/>
-              </a:rPr>
-              <a:t>?&gt;</a:t>
-            </a:r>
-            <a:br>
-              <a:rPr lang="zh-CN" altLang="zh-CN" sz="2000" b="1" i="1" dirty="0">
-                <a:solidFill>
-                  <a:srgbClr val="000000"/>
-                </a:solidFill>
-                <a:latin typeface="Consolas" panose="020B0609020204030204" pitchFamily="49" charset="0"/>
-              </a:rPr>
-            </a:br>
-            <a:r>
-              <a:rPr lang="zh-CN" altLang="zh-CN" sz="2000" b="1" dirty="0">
-                <a:solidFill>
-                  <a:srgbClr val="000000"/>
-                </a:solidFill>
-                <a:latin typeface="Consolas" panose="020B0609020204030204" pitchFamily="49" charset="0"/>
-              </a:rPr>
-              <a:t>&lt;</a:t>
-            </a:r>
-            <a:r>
-              <a:rPr lang="zh-CN" altLang="zh-CN" sz="2000" b="1" dirty="0">
-                <a:solidFill>
-                  <a:srgbClr val="000080"/>
-                </a:solidFill>
-                <a:latin typeface="Consolas" panose="020B0609020204030204" pitchFamily="49" charset="0"/>
-              </a:rPr>
-              <a:t>layer-list </a:t>
-            </a:r>
-            <a:r>
-              <a:rPr lang="zh-CN" altLang="zh-CN" sz="2000" b="1" dirty="0">
-                <a:solidFill>
-                  <a:srgbClr val="0000FF"/>
-                </a:solidFill>
-                <a:latin typeface="Consolas" panose="020B0609020204030204" pitchFamily="49" charset="0"/>
-              </a:rPr>
-              <a:t>xmlns:</a:t>
-            </a:r>
-            <a:r>
-              <a:rPr lang="zh-CN" altLang="zh-CN" sz="2000" b="1" dirty="0">
-                <a:solidFill>
-                  <a:srgbClr val="660E7A"/>
-                </a:solidFill>
-                <a:latin typeface="Consolas" panose="020B0609020204030204" pitchFamily="49" charset="0"/>
-              </a:rPr>
-              <a:t>android</a:t>
-            </a:r>
-            <a:r>
-              <a:rPr lang="zh-CN" altLang="zh-CN" sz="2000" b="1" dirty="0">
-                <a:solidFill>
-                  <a:srgbClr val="0000FF"/>
-                </a:solidFill>
-                <a:latin typeface="Consolas" panose="020B0609020204030204" pitchFamily="49" charset="0"/>
-              </a:rPr>
-              <a:t>=</a:t>
-            </a:r>
-            <a:r>
-              <a:rPr lang="zh-CN" altLang="zh-CN" sz="2000" b="1" dirty="0">
-                <a:solidFill>
-                  <a:srgbClr val="008000"/>
-                </a:solidFill>
-                <a:latin typeface="Consolas" panose="020B0609020204030204" pitchFamily="49" charset="0"/>
-              </a:rPr>
-              <a:t>"http://schemas.android.com/apk/res/android"</a:t>
-            </a:r>
-            <a:r>
-              <a:rPr lang="zh-CN" altLang="zh-CN" sz="2000" b="1" dirty="0">
-                <a:solidFill>
-                  <a:srgbClr val="000000"/>
-                </a:solidFill>
-                <a:latin typeface="Consolas" panose="020B0609020204030204" pitchFamily="49" charset="0"/>
-              </a:rPr>
-              <a:t>&gt;</a:t>
-            </a:r>
-            <a:br>
-              <a:rPr lang="zh-CN" altLang="zh-CN" sz="2000" b="1" dirty="0">
-                <a:solidFill>
-                  <a:srgbClr val="000000"/>
-                </a:solidFill>
-                <a:latin typeface="Consolas" panose="020B0609020204030204" pitchFamily="49" charset="0"/>
-              </a:rPr>
-            </a:br>
-            <a:r>
-              <a:rPr lang="zh-CN" altLang="zh-CN" sz="2000" b="1" dirty="0">
-                <a:solidFill>
-                  <a:srgbClr val="000000"/>
-                </a:solidFill>
-                <a:latin typeface="Consolas" panose="020B0609020204030204" pitchFamily="49" charset="0"/>
-              </a:rPr>
-              <a:t>    &lt;</a:t>
-            </a:r>
-            <a:r>
-              <a:rPr lang="zh-CN" altLang="zh-CN" sz="2000" b="1" dirty="0">
-                <a:solidFill>
-                  <a:srgbClr val="000080"/>
-                </a:solidFill>
-                <a:latin typeface="Consolas" panose="020B0609020204030204" pitchFamily="49" charset="0"/>
-              </a:rPr>
-              <a:t>item</a:t>
-            </a:r>
-            <a:br>
-              <a:rPr lang="zh-CN" altLang="zh-CN" sz="2000" b="1" dirty="0">
-                <a:solidFill>
-                  <a:srgbClr val="000080"/>
-                </a:solidFill>
-                <a:latin typeface="Consolas" panose="020B0609020204030204" pitchFamily="49" charset="0"/>
-              </a:rPr>
-            </a:br>
-            <a:r>
-              <a:rPr lang="zh-CN" altLang="zh-CN" sz="2000" b="1" dirty="0">
-                <a:solidFill>
-                  <a:srgbClr val="000080"/>
-                </a:solidFill>
-                <a:latin typeface="Consolas" panose="020B0609020204030204" pitchFamily="49" charset="0"/>
-              </a:rPr>
-              <a:t>        </a:t>
-            </a:r>
-            <a:r>
-              <a:rPr lang="zh-CN" altLang="zh-CN" sz="2000" b="1" dirty="0">
-                <a:solidFill>
-                  <a:srgbClr val="660E7A"/>
-                </a:solidFill>
-                <a:latin typeface="Consolas" panose="020B0609020204030204" pitchFamily="49" charset="0"/>
-              </a:rPr>
-              <a:t>android</a:t>
-            </a:r>
-            <a:r>
-              <a:rPr lang="zh-CN" altLang="zh-CN" sz="2000" b="1" dirty="0">
-                <a:solidFill>
-                  <a:srgbClr val="0000FF"/>
-                </a:solidFill>
-                <a:latin typeface="Consolas" panose="020B0609020204030204" pitchFamily="49" charset="0"/>
-              </a:rPr>
-              <a:t>:drawable=</a:t>
-            </a:r>
-            <a:r>
-              <a:rPr lang="zh-CN" altLang="zh-CN" sz="2000" b="1" dirty="0">
-                <a:solidFill>
-                  <a:srgbClr val="008000"/>
-                </a:solidFill>
-                <a:latin typeface="Consolas" panose="020B0609020204030204" pitchFamily="49" charset="0"/>
-              </a:rPr>
-              <a:t>"@drawable/pic1"</a:t>
-            </a:r>
-            <a:br>
-              <a:rPr lang="zh-CN" altLang="zh-CN" sz="2000" b="1" dirty="0">
-                <a:solidFill>
-                  <a:srgbClr val="008000"/>
-                </a:solidFill>
-                <a:latin typeface="Consolas" panose="020B0609020204030204" pitchFamily="49" charset="0"/>
-              </a:rPr>
-            </a:br>
-            <a:r>
-              <a:rPr lang="zh-CN" altLang="zh-CN" sz="2000" b="1" dirty="0">
-                <a:solidFill>
-                  <a:srgbClr val="008000"/>
-                </a:solidFill>
-                <a:latin typeface="Consolas" panose="020B0609020204030204" pitchFamily="49" charset="0"/>
-              </a:rPr>
-              <a:t>        </a:t>
-            </a:r>
-            <a:r>
-              <a:rPr lang="zh-CN" altLang="zh-CN" sz="2000" b="1" dirty="0">
-                <a:solidFill>
-                  <a:srgbClr val="660E7A"/>
-                </a:solidFill>
-                <a:latin typeface="Consolas" panose="020B0609020204030204" pitchFamily="49" charset="0"/>
-              </a:rPr>
-              <a:t>android</a:t>
-            </a:r>
-            <a:r>
-              <a:rPr lang="zh-CN" altLang="zh-CN" sz="2000" b="1" dirty="0">
-                <a:solidFill>
-                  <a:srgbClr val="0000FF"/>
-                </a:solidFill>
-                <a:latin typeface="Consolas" panose="020B0609020204030204" pitchFamily="49" charset="0"/>
-              </a:rPr>
-              <a:t>:id=</a:t>
-            </a:r>
-            <a:r>
-              <a:rPr lang="zh-CN" altLang="zh-CN" sz="2000" b="1" dirty="0">
-                <a:solidFill>
-                  <a:srgbClr val="008000"/>
-                </a:solidFill>
-                <a:latin typeface="Consolas" panose="020B0609020204030204" pitchFamily="49" charset="0"/>
-              </a:rPr>
-              <a:t>"@+id/resource_name"</a:t>
-            </a:r>
-            <a:br>
-              <a:rPr lang="zh-CN" altLang="zh-CN" sz="2000" b="1" dirty="0">
-                <a:solidFill>
-                  <a:srgbClr val="008000"/>
-                </a:solidFill>
-                <a:latin typeface="Consolas" panose="020B0609020204030204" pitchFamily="49" charset="0"/>
-              </a:rPr>
-            </a:br>
-            <a:r>
-              <a:rPr lang="zh-CN" altLang="zh-CN" sz="2000" b="1" dirty="0">
-                <a:solidFill>
-                  <a:srgbClr val="008000"/>
-                </a:solidFill>
-                <a:latin typeface="Consolas" panose="020B0609020204030204" pitchFamily="49" charset="0"/>
-              </a:rPr>
-              <a:t>        </a:t>
-            </a:r>
-            <a:r>
-              <a:rPr lang="zh-CN" altLang="zh-CN" sz="2000" b="1" dirty="0">
-                <a:solidFill>
-                  <a:srgbClr val="660E7A"/>
-                </a:solidFill>
-                <a:latin typeface="Consolas" panose="020B0609020204030204" pitchFamily="49" charset="0"/>
-              </a:rPr>
-              <a:t>android</a:t>
-            </a:r>
-            <a:r>
-              <a:rPr lang="zh-CN" altLang="zh-CN" sz="2000" b="1" dirty="0">
-                <a:solidFill>
-                  <a:srgbClr val="0000FF"/>
-                </a:solidFill>
-                <a:latin typeface="Consolas" panose="020B0609020204030204" pitchFamily="49" charset="0"/>
-              </a:rPr>
-              <a:t>:top=</a:t>
-            </a:r>
-            <a:r>
-              <a:rPr lang="zh-CN" altLang="zh-CN" sz="2000" b="1" dirty="0">
-                <a:solidFill>
-                  <a:srgbClr val="008000"/>
-                </a:solidFill>
-                <a:latin typeface="Consolas" panose="020B0609020204030204" pitchFamily="49" charset="0"/>
-              </a:rPr>
-              <a:t>"10dp"</a:t>
-            </a:r>
-            <a:br>
-              <a:rPr lang="zh-CN" altLang="zh-CN" sz="2000" b="1" dirty="0">
-                <a:solidFill>
-                  <a:srgbClr val="008000"/>
-                </a:solidFill>
-                <a:latin typeface="Consolas" panose="020B0609020204030204" pitchFamily="49" charset="0"/>
-              </a:rPr>
-            </a:br>
-            <a:r>
-              <a:rPr lang="zh-CN" altLang="zh-CN" sz="2000" b="1" dirty="0">
-                <a:solidFill>
-                  <a:srgbClr val="008000"/>
-                </a:solidFill>
-                <a:latin typeface="Consolas" panose="020B0609020204030204" pitchFamily="49" charset="0"/>
-              </a:rPr>
-              <a:t>        </a:t>
-            </a:r>
-            <a:r>
-              <a:rPr lang="zh-CN" altLang="zh-CN" sz="2000" b="1" dirty="0">
-                <a:solidFill>
-                  <a:srgbClr val="660E7A"/>
-                </a:solidFill>
-                <a:latin typeface="Consolas" panose="020B0609020204030204" pitchFamily="49" charset="0"/>
-              </a:rPr>
-              <a:t>android</a:t>
-            </a:r>
-            <a:r>
-              <a:rPr lang="zh-CN" altLang="zh-CN" sz="2000" b="1" dirty="0">
-                <a:solidFill>
-                  <a:srgbClr val="0000FF"/>
-                </a:solidFill>
-                <a:latin typeface="Consolas" panose="020B0609020204030204" pitchFamily="49" charset="0"/>
-              </a:rPr>
-              <a:t>:bottom=</a:t>
-            </a:r>
-            <a:r>
-              <a:rPr lang="zh-CN" altLang="zh-CN" sz="2000" b="1" dirty="0">
-                <a:solidFill>
-                  <a:srgbClr val="008000"/>
-                </a:solidFill>
-                <a:latin typeface="Consolas" panose="020B0609020204030204" pitchFamily="49" charset="0"/>
-              </a:rPr>
-              <a:t>"10dp"</a:t>
-            </a:r>
-            <a:br>
-              <a:rPr lang="zh-CN" altLang="zh-CN" sz="2000" b="1" dirty="0">
-                <a:solidFill>
-                  <a:srgbClr val="008000"/>
-                </a:solidFill>
-                <a:latin typeface="Consolas" panose="020B0609020204030204" pitchFamily="49" charset="0"/>
-              </a:rPr>
-            </a:br>
-            <a:r>
-              <a:rPr lang="zh-CN" altLang="zh-CN" sz="2000" b="1" dirty="0">
-                <a:solidFill>
-                  <a:srgbClr val="008000"/>
-                </a:solidFill>
-                <a:latin typeface="Consolas" panose="020B0609020204030204" pitchFamily="49" charset="0"/>
-              </a:rPr>
-              <a:t>        </a:t>
-            </a:r>
-            <a:r>
-              <a:rPr lang="zh-CN" altLang="zh-CN" sz="2000" b="1" dirty="0">
-                <a:solidFill>
-                  <a:srgbClr val="660E7A"/>
-                </a:solidFill>
-                <a:latin typeface="Consolas" panose="020B0609020204030204" pitchFamily="49" charset="0"/>
-              </a:rPr>
-              <a:t>android</a:t>
-            </a:r>
-            <a:r>
-              <a:rPr lang="zh-CN" altLang="zh-CN" sz="2000" b="1" dirty="0">
-                <a:solidFill>
-                  <a:srgbClr val="0000FF"/>
-                </a:solidFill>
-                <a:latin typeface="Consolas" panose="020B0609020204030204" pitchFamily="49" charset="0"/>
-              </a:rPr>
-              <a:t>:left=</a:t>
-            </a:r>
-            <a:r>
-              <a:rPr lang="zh-CN" altLang="zh-CN" sz="2000" b="1" dirty="0">
-                <a:solidFill>
-                  <a:srgbClr val="008000"/>
-                </a:solidFill>
-                <a:latin typeface="Consolas" panose="020B0609020204030204" pitchFamily="49" charset="0"/>
-              </a:rPr>
-              <a:t>"10dp"</a:t>
-            </a:r>
-            <a:r>
-              <a:rPr lang="zh-CN" altLang="zh-CN" sz="2000" b="1" dirty="0">
-                <a:solidFill>
-                  <a:srgbClr val="000000"/>
-                </a:solidFill>
-                <a:latin typeface="Consolas" panose="020B0609020204030204" pitchFamily="49" charset="0"/>
-              </a:rPr>
-              <a:t>/&gt;</a:t>
-            </a:r>
-            <a:br>
-              <a:rPr lang="zh-CN" altLang="zh-CN" sz="2000" b="1" dirty="0">
-                <a:solidFill>
-                  <a:srgbClr val="000000"/>
-                </a:solidFill>
-                <a:latin typeface="Consolas" panose="020B0609020204030204" pitchFamily="49" charset="0"/>
-              </a:rPr>
-            </a:br>
-            <a:r>
-              <a:rPr lang="zh-CN" altLang="zh-CN" sz="2000" b="1" dirty="0">
-                <a:solidFill>
-                  <a:srgbClr val="000000"/>
-                </a:solidFill>
-                <a:latin typeface="Consolas" panose="020B0609020204030204" pitchFamily="49" charset="0"/>
-              </a:rPr>
-              <a:t>    &lt;</a:t>
-            </a:r>
-            <a:r>
-              <a:rPr lang="zh-CN" altLang="zh-CN" sz="2000" b="1" dirty="0">
-                <a:solidFill>
-                  <a:srgbClr val="000080"/>
-                </a:solidFill>
-                <a:latin typeface="Consolas" panose="020B0609020204030204" pitchFamily="49" charset="0"/>
-              </a:rPr>
-              <a:t>item</a:t>
-            </a:r>
-            <a:br>
-              <a:rPr lang="zh-CN" altLang="zh-CN" sz="2000" b="1" dirty="0">
-                <a:solidFill>
-                  <a:srgbClr val="000080"/>
-                </a:solidFill>
-                <a:latin typeface="Consolas" panose="020B0609020204030204" pitchFamily="49" charset="0"/>
-              </a:rPr>
-            </a:br>
-            <a:r>
-              <a:rPr lang="zh-CN" altLang="zh-CN" sz="2000" b="1" dirty="0">
-                <a:solidFill>
-                  <a:srgbClr val="000080"/>
-                </a:solidFill>
-                <a:latin typeface="Consolas" panose="020B0609020204030204" pitchFamily="49" charset="0"/>
-              </a:rPr>
-              <a:t>        </a:t>
-            </a:r>
-            <a:r>
-              <a:rPr lang="zh-CN" altLang="zh-CN" sz="2000" b="1" dirty="0">
-                <a:solidFill>
-                  <a:srgbClr val="660E7A"/>
-                </a:solidFill>
-                <a:latin typeface="Consolas" panose="020B0609020204030204" pitchFamily="49" charset="0"/>
-              </a:rPr>
-              <a:t>android</a:t>
-            </a:r>
-            <a:r>
-              <a:rPr lang="zh-CN" altLang="zh-CN" sz="2000" b="1" dirty="0">
-                <a:solidFill>
-                  <a:srgbClr val="0000FF"/>
-                </a:solidFill>
-                <a:latin typeface="Consolas" panose="020B0609020204030204" pitchFamily="49" charset="0"/>
-              </a:rPr>
-              <a:t>:drawable=</a:t>
-            </a:r>
-            <a:r>
-              <a:rPr lang="zh-CN" altLang="zh-CN" sz="2000" b="1" dirty="0">
-                <a:solidFill>
-                  <a:srgbClr val="008000"/>
-                </a:solidFill>
-                <a:latin typeface="Consolas" panose="020B0609020204030204" pitchFamily="49" charset="0"/>
-              </a:rPr>
-              <a:t>"@drawable/pic2"</a:t>
-            </a:r>
-            <a:br>
-              <a:rPr lang="zh-CN" altLang="zh-CN" sz="2000" b="1" dirty="0">
-                <a:solidFill>
-                  <a:srgbClr val="008000"/>
-                </a:solidFill>
-                <a:latin typeface="Consolas" panose="020B0609020204030204" pitchFamily="49" charset="0"/>
-              </a:rPr>
-            </a:br>
-            <a:r>
-              <a:rPr lang="zh-CN" altLang="zh-CN" sz="2000" b="1" dirty="0">
-                <a:solidFill>
-                  <a:srgbClr val="008000"/>
-                </a:solidFill>
-                <a:latin typeface="Consolas" panose="020B0609020204030204" pitchFamily="49" charset="0"/>
-              </a:rPr>
-              <a:t>        </a:t>
-            </a:r>
-            <a:r>
-              <a:rPr lang="zh-CN" altLang="zh-CN" sz="2000" b="1" dirty="0">
-                <a:solidFill>
-                  <a:srgbClr val="660E7A"/>
-                </a:solidFill>
-                <a:latin typeface="Consolas" panose="020B0609020204030204" pitchFamily="49" charset="0"/>
-              </a:rPr>
-              <a:t>android</a:t>
-            </a:r>
-            <a:r>
-              <a:rPr lang="zh-CN" altLang="zh-CN" sz="2000" b="1" dirty="0">
-                <a:solidFill>
-                  <a:srgbClr val="0000FF"/>
-                </a:solidFill>
-                <a:latin typeface="Consolas" panose="020B0609020204030204" pitchFamily="49" charset="0"/>
-              </a:rPr>
-              <a:t>:id=</a:t>
-            </a:r>
-            <a:r>
-              <a:rPr lang="zh-CN" altLang="zh-CN" sz="2000" b="1" dirty="0">
-                <a:solidFill>
-                  <a:srgbClr val="008000"/>
-                </a:solidFill>
-                <a:latin typeface="Consolas" panose="020B0609020204030204" pitchFamily="49" charset="0"/>
-              </a:rPr>
-              <a:t>"@+id/resource_name1"</a:t>
-            </a:r>
-            <a:br>
-              <a:rPr lang="zh-CN" altLang="zh-CN" sz="2000" b="1" dirty="0">
-                <a:solidFill>
-                  <a:srgbClr val="008000"/>
-                </a:solidFill>
-                <a:latin typeface="Consolas" panose="020B0609020204030204" pitchFamily="49" charset="0"/>
-              </a:rPr>
-            </a:br>
-            <a:r>
-              <a:rPr lang="zh-CN" altLang="zh-CN" sz="2000" b="1" dirty="0">
-                <a:solidFill>
-                  <a:srgbClr val="008000"/>
-                </a:solidFill>
-                <a:latin typeface="Consolas" panose="020B0609020204030204" pitchFamily="49" charset="0"/>
-              </a:rPr>
-              <a:t>        </a:t>
-            </a:r>
-            <a:r>
-              <a:rPr lang="zh-CN" altLang="zh-CN" sz="2000" b="1" dirty="0">
-                <a:solidFill>
-                  <a:srgbClr val="660E7A"/>
-                </a:solidFill>
-                <a:latin typeface="Consolas" panose="020B0609020204030204" pitchFamily="49" charset="0"/>
-              </a:rPr>
-              <a:t>android</a:t>
-            </a:r>
-            <a:r>
-              <a:rPr lang="zh-CN" altLang="zh-CN" sz="2000" b="1" dirty="0">
-                <a:solidFill>
-                  <a:srgbClr val="0000FF"/>
-                </a:solidFill>
-                <a:latin typeface="Consolas" panose="020B0609020204030204" pitchFamily="49" charset="0"/>
-              </a:rPr>
-              <a:t>:top=</a:t>
-            </a:r>
-            <a:r>
-              <a:rPr lang="zh-CN" altLang="zh-CN" sz="2000" b="1" dirty="0">
-                <a:solidFill>
-                  <a:srgbClr val="008000"/>
-                </a:solidFill>
-                <a:latin typeface="Consolas" panose="020B0609020204030204" pitchFamily="49" charset="0"/>
-              </a:rPr>
-              <a:t>"20dp"</a:t>
-            </a:r>
-            <a:br>
-              <a:rPr lang="zh-CN" altLang="zh-CN" sz="2000" b="1" dirty="0">
-                <a:solidFill>
-                  <a:srgbClr val="008000"/>
-                </a:solidFill>
-                <a:latin typeface="Consolas" panose="020B0609020204030204" pitchFamily="49" charset="0"/>
-              </a:rPr>
-            </a:br>
-            <a:r>
-              <a:rPr lang="zh-CN" altLang="zh-CN" sz="2000" b="1" dirty="0">
-                <a:solidFill>
-                  <a:srgbClr val="008000"/>
-                </a:solidFill>
-                <a:latin typeface="Consolas" panose="020B0609020204030204" pitchFamily="49" charset="0"/>
-              </a:rPr>
-              <a:t>        </a:t>
-            </a:r>
-            <a:r>
-              <a:rPr lang="zh-CN" altLang="zh-CN" sz="2000" b="1" dirty="0">
-                <a:solidFill>
-                  <a:srgbClr val="660E7A"/>
-                </a:solidFill>
-                <a:latin typeface="Consolas" panose="020B0609020204030204" pitchFamily="49" charset="0"/>
-              </a:rPr>
-              <a:t>android</a:t>
-            </a:r>
-            <a:r>
-              <a:rPr lang="zh-CN" altLang="zh-CN" sz="2000" b="1" dirty="0">
-                <a:solidFill>
-                  <a:srgbClr val="0000FF"/>
-                </a:solidFill>
-                <a:latin typeface="Consolas" panose="020B0609020204030204" pitchFamily="49" charset="0"/>
-              </a:rPr>
-              <a:t>:bottom=</a:t>
-            </a:r>
-            <a:r>
-              <a:rPr lang="zh-CN" altLang="zh-CN" sz="2000" b="1" dirty="0">
-                <a:solidFill>
-                  <a:srgbClr val="008000"/>
-                </a:solidFill>
-                <a:latin typeface="Consolas" panose="020B0609020204030204" pitchFamily="49" charset="0"/>
-              </a:rPr>
-              <a:t>"20dp"</a:t>
-            </a:r>
-            <a:br>
-              <a:rPr lang="zh-CN" altLang="zh-CN" sz="2000" b="1" dirty="0">
-                <a:solidFill>
-                  <a:srgbClr val="008000"/>
-                </a:solidFill>
-                <a:latin typeface="Consolas" panose="020B0609020204030204" pitchFamily="49" charset="0"/>
-              </a:rPr>
-            </a:br>
-            <a:r>
-              <a:rPr lang="zh-CN" altLang="zh-CN" sz="2000" b="1" dirty="0">
-                <a:solidFill>
-                  <a:srgbClr val="008000"/>
-                </a:solidFill>
-                <a:latin typeface="Consolas" panose="020B0609020204030204" pitchFamily="49" charset="0"/>
-              </a:rPr>
-              <a:t>        </a:t>
-            </a:r>
-            <a:r>
-              <a:rPr lang="zh-CN" altLang="zh-CN" sz="2000" b="1" dirty="0">
-                <a:solidFill>
-                  <a:srgbClr val="660E7A"/>
-                </a:solidFill>
-                <a:latin typeface="Consolas" panose="020B0609020204030204" pitchFamily="49" charset="0"/>
-              </a:rPr>
-              <a:t>android</a:t>
-            </a:r>
-            <a:r>
-              <a:rPr lang="zh-CN" altLang="zh-CN" sz="2000" b="1" dirty="0">
-                <a:solidFill>
-                  <a:srgbClr val="0000FF"/>
-                </a:solidFill>
-                <a:latin typeface="Consolas" panose="020B0609020204030204" pitchFamily="49" charset="0"/>
-              </a:rPr>
-              <a:t>:left=</a:t>
-            </a:r>
-            <a:r>
-              <a:rPr lang="zh-CN" altLang="zh-CN" sz="2000" b="1" dirty="0">
-                <a:solidFill>
-                  <a:srgbClr val="008000"/>
-                </a:solidFill>
-                <a:latin typeface="Consolas" panose="020B0609020204030204" pitchFamily="49" charset="0"/>
-              </a:rPr>
-              <a:t>"20dp"</a:t>
-            </a:r>
-            <a:r>
-              <a:rPr lang="zh-CN" altLang="zh-CN" sz="2000" b="1" dirty="0">
-                <a:solidFill>
-                  <a:srgbClr val="000000"/>
-                </a:solidFill>
-                <a:latin typeface="Consolas" panose="020B0609020204030204" pitchFamily="49" charset="0"/>
-              </a:rPr>
-              <a:t>/&gt;</a:t>
-            </a:r>
-            <a:br>
-              <a:rPr lang="zh-CN" altLang="zh-CN" sz="2000" b="1" dirty="0">
-                <a:solidFill>
-                  <a:srgbClr val="000000"/>
-                </a:solidFill>
-                <a:latin typeface="Consolas" panose="020B0609020204030204" pitchFamily="49" charset="0"/>
-              </a:rPr>
-            </a:br>
-            <a:r>
-              <a:rPr lang="zh-CN" altLang="zh-CN" sz="2000" b="1" dirty="0">
-                <a:solidFill>
-                  <a:srgbClr val="000000"/>
-                </a:solidFill>
-                <a:latin typeface="Consolas" panose="020B0609020204030204" pitchFamily="49" charset="0"/>
-              </a:rPr>
-              <a:t>&lt;/</a:t>
-            </a:r>
-            <a:r>
-              <a:rPr lang="zh-CN" altLang="zh-CN" sz="2000" b="1" dirty="0">
-                <a:solidFill>
-                  <a:srgbClr val="000080"/>
-                </a:solidFill>
-                <a:latin typeface="Consolas" panose="020B0609020204030204" pitchFamily="49" charset="0"/>
-              </a:rPr>
-              <a:t>layer-list</a:t>
-            </a:r>
-            <a:r>
-              <a:rPr lang="zh-CN" altLang="zh-CN" sz="2000" b="1" dirty="0">
-                <a:solidFill>
-                  <a:srgbClr val="000000"/>
-                </a:solidFill>
-                <a:latin typeface="Consolas" panose="020B0609020204030204" pitchFamily="49" charset="0"/>
-              </a:rPr>
-              <a:t>&gt;</a:t>
-            </a:r>
-            <a:endParaRPr lang="zh-CN" altLang="zh-CN" sz="2000" b="1" dirty="0">
-              <a:solidFill>
-                <a:schemeClr val="tx1"/>
-              </a:solidFill>
-              <a:latin typeface="Consolas" panose="020B0609020204030204" pitchFamily="49" charset="0"/>
-            </a:endParaRPr>
-          </a:p>
-        </p:txBody>
-      </p:sp>
+      </p:pic>
     </p:spTree>
     <p:extLst>
       <p:ext uri="{BB962C8B-B14F-4D97-AF65-F5344CB8AC3E}">
-        <p14:creationId xmlns:p14="http://schemas.microsoft.com/office/powerpoint/2010/main" val="440145477"/>
+        <p14:creationId xmlns:p14="http://schemas.microsoft.com/office/powerpoint/2010/main" val="1328632185"/>
       </p:ext>
     </p:extLst>
   </p:cSld>
@@ -18448,6 +18084,825 @@
             </a:r>
             <a:r>
               <a:rPr lang="en-US" altLang="zh-CN" dirty="0" err="1"/>
+              <a:t>LayerList</a:t>
+            </a:r>
+            <a:r>
+              <a:rPr lang="zh-CN" altLang="en-US" dirty="0" smtClean="0"/>
+              <a:t>资源</a:t>
+            </a:r>
+            <a:endParaRPr lang="zh-CN" altLang="en-US" dirty="0"/>
+          </a:p>
+        </p:txBody>
+      </p:sp>
+      <p:sp>
+        <p:nvSpPr>
+          <p:cNvPr id="4" name="矩形 3"/>
+          <p:cNvSpPr/>
+          <p:nvPr/>
+        </p:nvSpPr>
+        <p:spPr>
+          <a:xfrm>
+            <a:off x="623392" y="1778070"/>
+            <a:ext cx="10972800" cy="4675266"/>
+          </a:xfrm>
+          <a:prstGeom prst="rect">
+            <a:avLst/>
+          </a:prstGeom>
+          <a:solidFill>
+            <a:schemeClr val="accent5">
+              <a:lumMod val="20000"/>
+              <a:lumOff val="80000"/>
+            </a:schemeClr>
+          </a:solidFill>
+          <a:ln w="38100">
+            <a:solidFill>
+              <a:schemeClr val="tx1">
+                <a:lumMod val="65000"/>
+                <a:lumOff val="35000"/>
+              </a:schemeClr>
+            </a:solidFill>
+          </a:ln>
+          <a:effectLst>
+            <a:outerShdw blurRad="50800" dist="38100" dir="2700000" algn="tl" rotWithShape="0">
+              <a:prstClr val="black">
+                <a:alpha val="40000"/>
+              </a:prstClr>
+            </a:outerShdw>
+          </a:effectLst>
+        </p:spPr>
+        <p:style>
+          <a:lnRef idx="2">
+            <a:schemeClr val="accent1">
+              <a:shade val="50000"/>
+            </a:schemeClr>
+          </a:lnRef>
+          <a:fillRef idx="1">
+            <a:schemeClr val="accent1"/>
+          </a:fillRef>
+          <a:effectRef idx="0">
+            <a:schemeClr val="accent1"/>
+          </a:effectRef>
+          <a:fontRef idx="minor">
+            <a:schemeClr val="lt1"/>
+          </a:fontRef>
+        </p:style>
+        <p:txBody>
+          <a:bodyPr rtlCol="0" anchor="ctr"/>
+          <a:lstStyle/>
+          <a:p>
+            <a:pPr lvl="0" eaLnBrk="0" fontAlgn="base" hangingPunct="0">
+              <a:spcBef>
+                <a:spcPct val="0"/>
+              </a:spcBef>
+              <a:spcAft>
+                <a:spcPct val="0"/>
+              </a:spcAft>
+            </a:pPr>
+            <a:r>
+              <a:rPr lang="zh-CN" altLang="zh-CN" sz="2000" b="1" i="1" dirty="0">
+                <a:solidFill>
+                  <a:srgbClr val="000000"/>
+                </a:solidFill>
+                <a:latin typeface="Consolas" panose="020B0609020204030204" pitchFamily="49" charset="0"/>
+              </a:rPr>
+              <a:t>&lt;?</a:t>
+            </a:r>
+            <a:r>
+              <a:rPr lang="zh-CN" altLang="zh-CN" sz="2000" b="1" dirty="0">
+                <a:solidFill>
+                  <a:srgbClr val="0000FF"/>
+                </a:solidFill>
+                <a:latin typeface="Consolas" panose="020B0609020204030204" pitchFamily="49" charset="0"/>
+              </a:rPr>
+              <a:t>xml version=</a:t>
+            </a:r>
+            <a:r>
+              <a:rPr lang="zh-CN" altLang="zh-CN" sz="2000" b="1" dirty="0">
+                <a:solidFill>
+                  <a:srgbClr val="008000"/>
+                </a:solidFill>
+                <a:latin typeface="Consolas" panose="020B0609020204030204" pitchFamily="49" charset="0"/>
+              </a:rPr>
+              <a:t>"1.0" </a:t>
+            </a:r>
+            <a:r>
+              <a:rPr lang="zh-CN" altLang="zh-CN" sz="2000" b="1" dirty="0">
+                <a:solidFill>
+                  <a:srgbClr val="0000FF"/>
+                </a:solidFill>
+                <a:latin typeface="Consolas" panose="020B0609020204030204" pitchFamily="49" charset="0"/>
+              </a:rPr>
+              <a:t>encoding=</a:t>
+            </a:r>
+            <a:r>
+              <a:rPr lang="zh-CN" altLang="zh-CN" sz="2000" b="1" dirty="0">
+                <a:solidFill>
+                  <a:srgbClr val="008000"/>
+                </a:solidFill>
+                <a:latin typeface="Consolas" panose="020B0609020204030204" pitchFamily="49" charset="0"/>
+              </a:rPr>
+              <a:t>"utf-8"</a:t>
+            </a:r>
+            <a:r>
+              <a:rPr lang="zh-CN" altLang="zh-CN" sz="2000" b="1" i="1" dirty="0">
+                <a:solidFill>
+                  <a:srgbClr val="000000"/>
+                </a:solidFill>
+                <a:latin typeface="Consolas" panose="020B0609020204030204" pitchFamily="49" charset="0"/>
+              </a:rPr>
+              <a:t>?&gt;</a:t>
+            </a:r>
+            <a:br>
+              <a:rPr lang="zh-CN" altLang="zh-CN" sz="2000" b="1" i="1" dirty="0">
+                <a:solidFill>
+                  <a:srgbClr val="000000"/>
+                </a:solidFill>
+                <a:latin typeface="Consolas" panose="020B0609020204030204" pitchFamily="49" charset="0"/>
+              </a:rPr>
+            </a:br>
+            <a:r>
+              <a:rPr lang="zh-CN" altLang="zh-CN" sz="2000" b="1" dirty="0">
+                <a:solidFill>
+                  <a:srgbClr val="000000"/>
+                </a:solidFill>
+                <a:latin typeface="Consolas" panose="020B0609020204030204" pitchFamily="49" charset="0"/>
+              </a:rPr>
+              <a:t>&lt;</a:t>
+            </a:r>
+            <a:r>
+              <a:rPr lang="zh-CN" altLang="zh-CN" sz="2000" b="1" dirty="0">
+                <a:solidFill>
+                  <a:srgbClr val="000080"/>
+                </a:solidFill>
+                <a:latin typeface="Consolas" panose="020B0609020204030204" pitchFamily="49" charset="0"/>
+              </a:rPr>
+              <a:t>layer-list </a:t>
+            </a:r>
+            <a:r>
+              <a:rPr lang="zh-CN" altLang="zh-CN" sz="2000" b="1" dirty="0">
+                <a:solidFill>
+                  <a:srgbClr val="0000FF"/>
+                </a:solidFill>
+                <a:latin typeface="Consolas" panose="020B0609020204030204" pitchFamily="49" charset="0"/>
+              </a:rPr>
+              <a:t>xmlns:</a:t>
+            </a:r>
+            <a:r>
+              <a:rPr lang="zh-CN" altLang="zh-CN" sz="2000" b="1" dirty="0">
+                <a:solidFill>
+                  <a:srgbClr val="660E7A"/>
+                </a:solidFill>
+                <a:latin typeface="Consolas" panose="020B0609020204030204" pitchFamily="49" charset="0"/>
+              </a:rPr>
+              <a:t>android</a:t>
+            </a:r>
+            <a:r>
+              <a:rPr lang="zh-CN" altLang="zh-CN" sz="2000" b="1" dirty="0">
+                <a:solidFill>
+                  <a:srgbClr val="0000FF"/>
+                </a:solidFill>
+                <a:latin typeface="Consolas" panose="020B0609020204030204" pitchFamily="49" charset="0"/>
+              </a:rPr>
+              <a:t>=</a:t>
+            </a:r>
+            <a:r>
+              <a:rPr lang="zh-CN" altLang="zh-CN" sz="2000" b="1" dirty="0">
+                <a:solidFill>
+                  <a:srgbClr val="008000"/>
+                </a:solidFill>
+                <a:latin typeface="Consolas" panose="020B0609020204030204" pitchFamily="49" charset="0"/>
+              </a:rPr>
+              <a:t>"http://schemas.android.com/apk/res/android"</a:t>
+            </a:r>
+            <a:r>
+              <a:rPr lang="zh-CN" altLang="zh-CN" sz="2000" b="1" dirty="0">
+                <a:solidFill>
+                  <a:srgbClr val="000000"/>
+                </a:solidFill>
+                <a:latin typeface="Consolas" panose="020B0609020204030204" pitchFamily="49" charset="0"/>
+              </a:rPr>
+              <a:t>&gt;</a:t>
+            </a:r>
+            <a:br>
+              <a:rPr lang="zh-CN" altLang="zh-CN" sz="2000" b="1" dirty="0">
+                <a:solidFill>
+                  <a:srgbClr val="000000"/>
+                </a:solidFill>
+                <a:latin typeface="Consolas" panose="020B0609020204030204" pitchFamily="49" charset="0"/>
+              </a:rPr>
+            </a:br>
+            <a:r>
+              <a:rPr lang="zh-CN" altLang="zh-CN" sz="2000" b="1" dirty="0">
+                <a:solidFill>
+                  <a:srgbClr val="000000"/>
+                </a:solidFill>
+                <a:latin typeface="Consolas" panose="020B0609020204030204" pitchFamily="49" charset="0"/>
+              </a:rPr>
+              <a:t>    &lt;</a:t>
+            </a:r>
+            <a:r>
+              <a:rPr lang="zh-CN" altLang="zh-CN" sz="2000" b="1" dirty="0">
+                <a:solidFill>
+                  <a:srgbClr val="000080"/>
+                </a:solidFill>
+                <a:latin typeface="Consolas" panose="020B0609020204030204" pitchFamily="49" charset="0"/>
+              </a:rPr>
+              <a:t>item</a:t>
+            </a:r>
+            <a:br>
+              <a:rPr lang="zh-CN" altLang="zh-CN" sz="2000" b="1" dirty="0">
+                <a:solidFill>
+                  <a:srgbClr val="000080"/>
+                </a:solidFill>
+                <a:latin typeface="Consolas" panose="020B0609020204030204" pitchFamily="49" charset="0"/>
+              </a:rPr>
+            </a:br>
+            <a:r>
+              <a:rPr lang="zh-CN" altLang="zh-CN" sz="2000" b="1" dirty="0">
+                <a:solidFill>
+                  <a:srgbClr val="000080"/>
+                </a:solidFill>
+                <a:latin typeface="Consolas" panose="020B0609020204030204" pitchFamily="49" charset="0"/>
+              </a:rPr>
+              <a:t>        </a:t>
+            </a:r>
+            <a:r>
+              <a:rPr lang="zh-CN" altLang="zh-CN" sz="2000" b="1" dirty="0">
+                <a:solidFill>
+                  <a:srgbClr val="660E7A"/>
+                </a:solidFill>
+                <a:latin typeface="Consolas" panose="020B0609020204030204" pitchFamily="49" charset="0"/>
+              </a:rPr>
+              <a:t>android</a:t>
+            </a:r>
+            <a:r>
+              <a:rPr lang="zh-CN" altLang="zh-CN" sz="2000" b="1" dirty="0">
+                <a:solidFill>
+                  <a:srgbClr val="0000FF"/>
+                </a:solidFill>
+                <a:latin typeface="Consolas" panose="020B0609020204030204" pitchFamily="49" charset="0"/>
+              </a:rPr>
+              <a:t>:drawable=</a:t>
+            </a:r>
+            <a:r>
+              <a:rPr lang="zh-CN" altLang="zh-CN" sz="2000" b="1" dirty="0">
+                <a:solidFill>
+                  <a:srgbClr val="008000"/>
+                </a:solidFill>
+                <a:latin typeface="Consolas" panose="020B0609020204030204" pitchFamily="49" charset="0"/>
+              </a:rPr>
+              <a:t>"@drawable/pic1"</a:t>
+            </a:r>
+            <a:br>
+              <a:rPr lang="zh-CN" altLang="zh-CN" sz="2000" b="1" dirty="0">
+                <a:solidFill>
+                  <a:srgbClr val="008000"/>
+                </a:solidFill>
+                <a:latin typeface="Consolas" panose="020B0609020204030204" pitchFamily="49" charset="0"/>
+              </a:rPr>
+            </a:br>
+            <a:r>
+              <a:rPr lang="zh-CN" altLang="zh-CN" sz="2000" b="1" dirty="0">
+                <a:solidFill>
+                  <a:srgbClr val="008000"/>
+                </a:solidFill>
+                <a:latin typeface="Consolas" panose="020B0609020204030204" pitchFamily="49" charset="0"/>
+              </a:rPr>
+              <a:t>        </a:t>
+            </a:r>
+            <a:r>
+              <a:rPr lang="zh-CN" altLang="zh-CN" sz="2000" b="1" dirty="0">
+                <a:solidFill>
+                  <a:srgbClr val="660E7A"/>
+                </a:solidFill>
+                <a:latin typeface="Consolas" panose="020B0609020204030204" pitchFamily="49" charset="0"/>
+              </a:rPr>
+              <a:t>android</a:t>
+            </a:r>
+            <a:r>
+              <a:rPr lang="zh-CN" altLang="zh-CN" sz="2000" b="1" dirty="0">
+                <a:solidFill>
+                  <a:srgbClr val="0000FF"/>
+                </a:solidFill>
+                <a:latin typeface="Consolas" panose="020B0609020204030204" pitchFamily="49" charset="0"/>
+              </a:rPr>
+              <a:t>:id=</a:t>
+            </a:r>
+            <a:r>
+              <a:rPr lang="zh-CN" altLang="zh-CN" sz="2000" b="1" dirty="0">
+                <a:solidFill>
+                  <a:srgbClr val="008000"/>
+                </a:solidFill>
+                <a:latin typeface="Consolas" panose="020B0609020204030204" pitchFamily="49" charset="0"/>
+              </a:rPr>
+              <a:t>"@+id/resource_name"</a:t>
+            </a:r>
+            <a:br>
+              <a:rPr lang="zh-CN" altLang="zh-CN" sz="2000" b="1" dirty="0">
+                <a:solidFill>
+                  <a:srgbClr val="008000"/>
+                </a:solidFill>
+                <a:latin typeface="Consolas" panose="020B0609020204030204" pitchFamily="49" charset="0"/>
+              </a:rPr>
+            </a:br>
+            <a:r>
+              <a:rPr lang="zh-CN" altLang="zh-CN" sz="2000" b="1" dirty="0">
+                <a:solidFill>
+                  <a:srgbClr val="008000"/>
+                </a:solidFill>
+                <a:latin typeface="Consolas" panose="020B0609020204030204" pitchFamily="49" charset="0"/>
+              </a:rPr>
+              <a:t>        </a:t>
+            </a:r>
+            <a:r>
+              <a:rPr lang="zh-CN" altLang="zh-CN" sz="2000" b="1" dirty="0">
+                <a:solidFill>
+                  <a:srgbClr val="660E7A"/>
+                </a:solidFill>
+                <a:latin typeface="Consolas" panose="020B0609020204030204" pitchFamily="49" charset="0"/>
+              </a:rPr>
+              <a:t>android</a:t>
+            </a:r>
+            <a:r>
+              <a:rPr lang="zh-CN" altLang="zh-CN" sz="2000" b="1" dirty="0">
+                <a:solidFill>
+                  <a:srgbClr val="0000FF"/>
+                </a:solidFill>
+                <a:latin typeface="Consolas" panose="020B0609020204030204" pitchFamily="49" charset="0"/>
+              </a:rPr>
+              <a:t>:top=</a:t>
+            </a:r>
+            <a:r>
+              <a:rPr lang="zh-CN" altLang="zh-CN" sz="2000" b="1" dirty="0">
+                <a:solidFill>
+                  <a:srgbClr val="008000"/>
+                </a:solidFill>
+                <a:latin typeface="Consolas" panose="020B0609020204030204" pitchFamily="49" charset="0"/>
+              </a:rPr>
+              <a:t>"10dp"</a:t>
+            </a:r>
+            <a:br>
+              <a:rPr lang="zh-CN" altLang="zh-CN" sz="2000" b="1" dirty="0">
+                <a:solidFill>
+                  <a:srgbClr val="008000"/>
+                </a:solidFill>
+                <a:latin typeface="Consolas" panose="020B0609020204030204" pitchFamily="49" charset="0"/>
+              </a:rPr>
+            </a:br>
+            <a:r>
+              <a:rPr lang="zh-CN" altLang="zh-CN" sz="2000" b="1" dirty="0">
+                <a:solidFill>
+                  <a:srgbClr val="008000"/>
+                </a:solidFill>
+                <a:latin typeface="Consolas" panose="020B0609020204030204" pitchFamily="49" charset="0"/>
+              </a:rPr>
+              <a:t>        </a:t>
+            </a:r>
+            <a:r>
+              <a:rPr lang="zh-CN" altLang="zh-CN" sz="2000" b="1" dirty="0">
+                <a:solidFill>
+                  <a:srgbClr val="660E7A"/>
+                </a:solidFill>
+                <a:latin typeface="Consolas" panose="020B0609020204030204" pitchFamily="49" charset="0"/>
+              </a:rPr>
+              <a:t>android</a:t>
+            </a:r>
+            <a:r>
+              <a:rPr lang="zh-CN" altLang="zh-CN" sz="2000" b="1" dirty="0">
+                <a:solidFill>
+                  <a:srgbClr val="0000FF"/>
+                </a:solidFill>
+                <a:latin typeface="Consolas" panose="020B0609020204030204" pitchFamily="49" charset="0"/>
+              </a:rPr>
+              <a:t>:bottom=</a:t>
+            </a:r>
+            <a:r>
+              <a:rPr lang="zh-CN" altLang="zh-CN" sz="2000" b="1" dirty="0">
+                <a:solidFill>
+                  <a:srgbClr val="008000"/>
+                </a:solidFill>
+                <a:latin typeface="Consolas" panose="020B0609020204030204" pitchFamily="49" charset="0"/>
+              </a:rPr>
+              <a:t>"10dp"</a:t>
+            </a:r>
+            <a:br>
+              <a:rPr lang="zh-CN" altLang="zh-CN" sz="2000" b="1" dirty="0">
+                <a:solidFill>
+                  <a:srgbClr val="008000"/>
+                </a:solidFill>
+                <a:latin typeface="Consolas" panose="020B0609020204030204" pitchFamily="49" charset="0"/>
+              </a:rPr>
+            </a:br>
+            <a:r>
+              <a:rPr lang="zh-CN" altLang="zh-CN" sz="2000" b="1" dirty="0">
+                <a:solidFill>
+                  <a:srgbClr val="008000"/>
+                </a:solidFill>
+                <a:latin typeface="Consolas" panose="020B0609020204030204" pitchFamily="49" charset="0"/>
+              </a:rPr>
+              <a:t>        </a:t>
+            </a:r>
+            <a:r>
+              <a:rPr lang="zh-CN" altLang="zh-CN" sz="2000" b="1" dirty="0">
+                <a:solidFill>
+                  <a:srgbClr val="660E7A"/>
+                </a:solidFill>
+                <a:latin typeface="Consolas" panose="020B0609020204030204" pitchFamily="49" charset="0"/>
+              </a:rPr>
+              <a:t>android</a:t>
+            </a:r>
+            <a:r>
+              <a:rPr lang="zh-CN" altLang="zh-CN" sz="2000" b="1" dirty="0">
+                <a:solidFill>
+                  <a:srgbClr val="0000FF"/>
+                </a:solidFill>
+                <a:latin typeface="Consolas" panose="020B0609020204030204" pitchFamily="49" charset="0"/>
+              </a:rPr>
+              <a:t>:left=</a:t>
+            </a:r>
+            <a:r>
+              <a:rPr lang="zh-CN" altLang="zh-CN" sz="2000" b="1" dirty="0">
+                <a:solidFill>
+                  <a:srgbClr val="008000"/>
+                </a:solidFill>
+                <a:latin typeface="Consolas" panose="020B0609020204030204" pitchFamily="49" charset="0"/>
+              </a:rPr>
+              <a:t>"10dp"</a:t>
+            </a:r>
+            <a:r>
+              <a:rPr lang="zh-CN" altLang="zh-CN" sz="2000" b="1" dirty="0">
+                <a:solidFill>
+                  <a:srgbClr val="000000"/>
+                </a:solidFill>
+                <a:latin typeface="Consolas" panose="020B0609020204030204" pitchFamily="49" charset="0"/>
+              </a:rPr>
+              <a:t>/&gt;</a:t>
+            </a:r>
+            <a:br>
+              <a:rPr lang="zh-CN" altLang="zh-CN" sz="2000" b="1" dirty="0">
+                <a:solidFill>
+                  <a:srgbClr val="000000"/>
+                </a:solidFill>
+                <a:latin typeface="Consolas" panose="020B0609020204030204" pitchFamily="49" charset="0"/>
+              </a:rPr>
+            </a:br>
+            <a:r>
+              <a:rPr lang="zh-CN" altLang="zh-CN" sz="2000" b="1" dirty="0">
+                <a:solidFill>
+                  <a:srgbClr val="000000"/>
+                </a:solidFill>
+                <a:latin typeface="Consolas" panose="020B0609020204030204" pitchFamily="49" charset="0"/>
+              </a:rPr>
+              <a:t>    &lt;</a:t>
+            </a:r>
+            <a:r>
+              <a:rPr lang="zh-CN" altLang="zh-CN" sz="2000" b="1" dirty="0">
+                <a:solidFill>
+                  <a:srgbClr val="000080"/>
+                </a:solidFill>
+                <a:latin typeface="Consolas" panose="020B0609020204030204" pitchFamily="49" charset="0"/>
+              </a:rPr>
+              <a:t>item</a:t>
+            </a:r>
+            <a:br>
+              <a:rPr lang="zh-CN" altLang="zh-CN" sz="2000" b="1" dirty="0">
+                <a:solidFill>
+                  <a:srgbClr val="000080"/>
+                </a:solidFill>
+                <a:latin typeface="Consolas" panose="020B0609020204030204" pitchFamily="49" charset="0"/>
+              </a:rPr>
+            </a:br>
+            <a:r>
+              <a:rPr lang="zh-CN" altLang="zh-CN" sz="2000" b="1" dirty="0">
+                <a:solidFill>
+                  <a:srgbClr val="000080"/>
+                </a:solidFill>
+                <a:latin typeface="Consolas" panose="020B0609020204030204" pitchFamily="49" charset="0"/>
+              </a:rPr>
+              <a:t>        </a:t>
+            </a:r>
+            <a:r>
+              <a:rPr lang="zh-CN" altLang="zh-CN" sz="2000" b="1" dirty="0">
+                <a:solidFill>
+                  <a:srgbClr val="660E7A"/>
+                </a:solidFill>
+                <a:latin typeface="Consolas" panose="020B0609020204030204" pitchFamily="49" charset="0"/>
+              </a:rPr>
+              <a:t>android</a:t>
+            </a:r>
+            <a:r>
+              <a:rPr lang="zh-CN" altLang="zh-CN" sz="2000" b="1" dirty="0">
+                <a:solidFill>
+                  <a:srgbClr val="0000FF"/>
+                </a:solidFill>
+                <a:latin typeface="Consolas" panose="020B0609020204030204" pitchFamily="49" charset="0"/>
+              </a:rPr>
+              <a:t>:drawable=</a:t>
+            </a:r>
+            <a:r>
+              <a:rPr lang="zh-CN" altLang="zh-CN" sz="2000" b="1" dirty="0">
+                <a:solidFill>
+                  <a:srgbClr val="008000"/>
+                </a:solidFill>
+                <a:latin typeface="Consolas" panose="020B0609020204030204" pitchFamily="49" charset="0"/>
+              </a:rPr>
+              <a:t>"@drawable/pic2"</a:t>
+            </a:r>
+            <a:br>
+              <a:rPr lang="zh-CN" altLang="zh-CN" sz="2000" b="1" dirty="0">
+                <a:solidFill>
+                  <a:srgbClr val="008000"/>
+                </a:solidFill>
+                <a:latin typeface="Consolas" panose="020B0609020204030204" pitchFamily="49" charset="0"/>
+              </a:rPr>
+            </a:br>
+            <a:r>
+              <a:rPr lang="zh-CN" altLang="zh-CN" sz="2000" b="1" dirty="0">
+                <a:solidFill>
+                  <a:srgbClr val="008000"/>
+                </a:solidFill>
+                <a:latin typeface="Consolas" panose="020B0609020204030204" pitchFamily="49" charset="0"/>
+              </a:rPr>
+              <a:t>        </a:t>
+            </a:r>
+            <a:r>
+              <a:rPr lang="zh-CN" altLang="zh-CN" sz="2000" b="1" dirty="0">
+                <a:solidFill>
+                  <a:srgbClr val="660E7A"/>
+                </a:solidFill>
+                <a:latin typeface="Consolas" panose="020B0609020204030204" pitchFamily="49" charset="0"/>
+              </a:rPr>
+              <a:t>android</a:t>
+            </a:r>
+            <a:r>
+              <a:rPr lang="zh-CN" altLang="zh-CN" sz="2000" b="1" dirty="0">
+                <a:solidFill>
+                  <a:srgbClr val="0000FF"/>
+                </a:solidFill>
+                <a:latin typeface="Consolas" panose="020B0609020204030204" pitchFamily="49" charset="0"/>
+              </a:rPr>
+              <a:t>:id=</a:t>
+            </a:r>
+            <a:r>
+              <a:rPr lang="zh-CN" altLang="zh-CN" sz="2000" b="1" dirty="0">
+                <a:solidFill>
+                  <a:srgbClr val="008000"/>
+                </a:solidFill>
+                <a:latin typeface="Consolas" panose="020B0609020204030204" pitchFamily="49" charset="0"/>
+              </a:rPr>
+              <a:t>"@+id/resource_name1"</a:t>
+            </a:r>
+            <a:br>
+              <a:rPr lang="zh-CN" altLang="zh-CN" sz="2000" b="1" dirty="0">
+                <a:solidFill>
+                  <a:srgbClr val="008000"/>
+                </a:solidFill>
+                <a:latin typeface="Consolas" panose="020B0609020204030204" pitchFamily="49" charset="0"/>
+              </a:rPr>
+            </a:br>
+            <a:r>
+              <a:rPr lang="zh-CN" altLang="zh-CN" sz="2000" b="1" dirty="0">
+                <a:solidFill>
+                  <a:srgbClr val="008000"/>
+                </a:solidFill>
+                <a:latin typeface="Consolas" panose="020B0609020204030204" pitchFamily="49" charset="0"/>
+              </a:rPr>
+              <a:t>        </a:t>
+            </a:r>
+            <a:r>
+              <a:rPr lang="zh-CN" altLang="zh-CN" sz="2000" b="1" dirty="0">
+                <a:solidFill>
+                  <a:srgbClr val="660E7A"/>
+                </a:solidFill>
+                <a:latin typeface="Consolas" panose="020B0609020204030204" pitchFamily="49" charset="0"/>
+              </a:rPr>
+              <a:t>android</a:t>
+            </a:r>
+            <a:r>
+              <a:rPr lang="zh-CN" altLang="zh-CN" sz="2000" b="1" dirty="0">
+                <a:solidFill>
+                  <a:srgbClr val="0000FF"/>
+                </a:solidFill>
+                <a:latin typeface="Consolas" panose="020B0609020204030204" pitchFamily="49" charset="0"/>
+              </a:rPr>
+              <a:t>:top=</a:t>
+            </a:r>
+            <a:r>
+              <a:rPr lang="zh-CN" altLang="zh-CN" sz="2000" b="1" dirty="0">
+                <a:solidFill>
+                  <a:srgbClr val="008000"/>
+                </a:solidFill>
+                <a:latin typeface="Consolas" panose="020B0609020204030204" pitchFamily="49" charset="0"/>
+              </a:rPr>
+              <a:t>"20dp"</a:t>
+            </a:r>
+            <a:br>
+              <a:rPr lang="zh-CN" altLang="zh-CN" sz="2000" b="1" dirty="0">
+                <a:solidFill>
+                  <a:srgbClr val="008000"/>
+                </a:solidFill>
+                <a:latin typeface="Consolas" panose="020B0609020204030204" pitchFamily="49" charset="0"/>
+              </a:rPr>
+            </a:br>
+            <a:r>
+              <a:rPr lang="zh-CN" altLang="zh-CN" sz="2000" b="1" dirty="0">
+                <a:solidFill>
+                  <a:srgbClr val="008000"/>
+                </a:solidFill>
+                <a:latin typeface="Consolas" panose="020B0609020204030204" pitchFamily="49" charset="0"/>
+              </a:rPr>
+              <a:t>        </a:t>
+            </a:r>
+            <a:r>
+              <a:rPr lang="zh-CN" altLang="zh-CN" sz="2000" b="1" dirty="0">
+                <a:solidFill>
+                  <a:srgbClr val="660E7A"/>
+                </a:solidFill>
+                <a:latin typeface="Consolas" panose="020B0609020204030204" pitchFamily="49" charset="0"/>
+              </a:rPr>
+              <a:t>android</a:t>
+            </a:r>
+            <a:r>
+              <a:rPr lang="zh-CN" altLang="zh-CN" sz="2000" b="1" dirty="0">
+                <a:solidFill>
+                  <a:srgbClr val="0000FF"/>
+                </a:solidFill>
+                <a:latin typeface="Consolas" panose="020B0609020204030204" pitchFamily="49" charset="0"/>
+              </a:rPr>
+              <a:t>:bottom=</a:t>
+            </a:r>
+            <a:r>
+              <a:rPr lang="zh-CN" altLang="zh-CN" sz="2000" b="1" dirty="0">
+                <a:solidFill>
+                  <a:srgbClr val="008000"/>
+                </a:solidFill>
+                <a:latin typeface="Consolas" panose="020B0609020204030204" pitchFamily="49" charset="0"/>
+              </a:rPr>
+              <a:t>"20dp"</a:t>
+            </a:r>
+            <a:br>
+              <a:rPr lang="zh-CN" altLang="zh-CN" sz="2000" b="1" dirty="0">
+                <a:solidFill>
+                  <a:srgbClr val="008000"/>
+                </a:solidFill>
+                <a:latin typeface="Consolas" panose="020B0609020204030204" pitchFamily="49" charset="0"/>
+              </a:rPr>
+            </a:br>
+            <a:r>
+              <a:rPr lang="zh-CN" altLang="zh-CN" sz="2000" b="1" dirty="0">
+                <a:solidFill>
+                  <a:srgbClr val="008000"/>
+                </a:solidFill>
+                <a:latin typeface="Consolas" panose="020B0609020204030204" pitchFamily="49" charset="0"/>
+              </a:rPr>
+              <a:t>        </a:t>
+            </a:r>
+            <a:r>
+              <a:rPr lang="zh-CN" altLang="zh-CN" sz="2000" b="1" dirty="0">
+                <a:solidFill>
+                  <a:srgbClr val="660E7A"/>
+                </a:solidFill>
+                <a:latin typeface="Consolas" panose="020B0609020204030204" pitchFamily="49" charset="0"/>
+              </a:rPr>
+              <a:t>android</a:t>
+            </a:r>
+            <a:r>
+              <a:rPr lang="zh-CN" altLang="zh-CN" sz="2000" b="1" dirty="0">
+                <a:solidFill>
+                  <a:srgbClr val="0000FF"/>
+                </a:solidFill>
+                <a:latin typeface="Consolas" panose="020B0609020204030204" pitchFamily="49" charset="0"/>
+              </a:rPr>
+              <a:t>:left=</a:t>
+            </a:r>
+            <a:r>
+              <a:rPr lang="zh-CN" altLang="zh-CN" sz="2000" b="1" dirty="0">
+                <a:solidFill>
+                  <a:srgbClr val="008000"/>
+                </a:solidFill>
+                <a:latin typeface="Consolas" panose="020B0609020204030204" pitchFamily="49" charset="0"/>
+              </a:rPr>
+              <a:t>"20dp"</a:t>
+            </a:r>
+            <a:r>
+              <a:rPr lang="zh-CN" altLang="zh-CN" sz="2000" b="1" dirty="0">
+                <a:solidFill>
+                  <a:srgbClr val="000000"/>
+                </a:solidFill>
+                <a:latin typeface="Consolas" panose="020B0609020204030204" pitchFamily="49" charset="0"/>
+              </a:rPr>
+              <a:t>/&gt;</a:t>
+            </a:r>
+            <a:br>
+              <a:rPr lang="zh-CN" altLang="zh-CN" sz="2000" b="1" dirty="0">
+                <a:solidFill>
+                  <a:srgbClr val="000000"/>
+                </a:solidFill>
+                <a:latin typeface="Consolas" panose="020B0609020204030204" pitchFamily="49" charset="0"/>
+              </a:rPr>
+            </a:br>
+            <a:r>
+              <a:rPr lang="zh-CN" altLang="zh-CN" sz="2000" b="1" dirty="0">
+                <a:solidFill>
+                  <a:srgbClr val="000000"/>
+                </a:solidFill>
+                <a:latin typeface="Consolas" panose="020B0609020204030204" pitchFamily="49" charset="0"/>
+              </a:rPr>
+              <a:t>&lt;/</a:t>
+            </a:r>
+            <a:r>
+              <a:rPr lang="zh-CN" altLang="zh-CN" sz="2000" b="1" dirty="0">
+                <a:solidFill>
+                  <a:srgbClr val="000080"/>
+                </a:solidFill>
+                <a:latin typeface="Consolas" panose="020B0609020204030204" pitchFamily="49" charset="0"/>
+              </a:rPr>
+              <a:t>layer-list</a:t>
+            </a:r>
+            <a:r>
+              <a:rPr lang="zh-CN" altLang="zh-CN" sz="2000" b="1" dirty="0">
+                <a:solidFill>
+                  <a:srgbClr val="000000"/>
+                </a:solidFill>
+                <a:latin typeface="Consolas" panose="020B0609020204030204" pitchFamily="49" charset="0"/>
+              </a:rPr>
+              <a:t>&gt;</a:t>
+            </a:r>
+            <a:endParaRPr lang="zh-CN" altLang="zh-CN" sz="2000" b="1" dirty="0">
+              <a:solidFill>
+                <a:schemeClr val="tx1"/>
+              </a:solidFill>
+              <a:latin typeface="Consolas" panose="020B0609020204030204" pitchFamily="49" charset="0"/>
+            </a:endParaRPr>
+          </a:p>
+        </p:txBody>
+      </p:sp>
+    </p:spTree>
+    <p:extLst>
+      <p:ext uri="{BB962C8B-B14F-4D97-AF65-F5344CB8AC3E}">
+        <p14:creationId xmlns:p14="http://schemas.microsoft.com/office/powerpoint/2010/main" val="440145477"/>
+      </p:ext>
+    </p:extLst>
+  </p:cSld>
+  <p:clrMapOvr>
+    <a:masterClrMapping/>
+  </p:clrMapOvr>
+  <p:timing>
+    <p:tnLst>
+      <p:par>
+        <p:cTn id="1" dur="indefinite" restart="never" nodeType="tmRoot"/>
+      </p:par>
+    </p:tnLst>
+  </p:timing>
+</p:sld>
+</file>
+
+<file path=ppt/slides/slide31.xml><?xml version="1.0" encoding="utf-8"?>
+<p:sld xmlns:a="http://schemas.openxmlformats.org/drawingml/2006/main" xmlns:r="http://schemas.openxmlformats.org/officeDocument/2006/relationships" xmlns:p="http://schemas.openxmlformats.org/presentationml/2006/main">
+  <p:cSld>
+    <p:spTree>
+      <p:nvGrpSpPr>
+        <p:cNvPr id="1" name=""/>
+        <p:cNvGrpSpPr/>
+        <p:nvPr/>
+      </p:nvGrpSpPr>
+      <p:grpSpPr>
+        <a:xfrm>
+          <a:off x="0" y="0"/>
+          <a:ext cx="0" cy="0"/>
+          <a:chOff x="0" y="0"/>
+          <a:chExt cx="0" cy="0"/>
+        </a:xfrm>
+      </p:grpSpPr>
+      <p:sp>
+        <p:nvSpPr>
+          <p:cNvPr id="2" name="标题 1"/>
+          <p:cNvSpPr>
+            <a:spLocks noGrp="1"/>
+          </p:cNvSpPr>
+          <p:nvPr>
+            <p:ph type="title"/>
+          </p:nvPr>
+        </p:nvSpPr>
+        <p:spPr/>
+        <p:txBody>
+          <a:bodyPr/>
+          <a:lstStyle/>
+          <a:p>
+            <a:r>
+              <a:rPr lang="en-US" altLang="zh-CN" dirty="0"/>
+              <a:t>res/</a:t>
+            </a:r>
+            <a:r>
+              <a:rPr lang="en-US" altLang="zh-CN" dirty="0" err="1"/>
+              <a:t>drawable</a:t>
+            </a:r>
+            <a:r>
+              <a:rPr lang="en-US" altLang="zh-CN" dirty="0"/>
+              <a:t>/</a:t>
+            </a:r>
+            <a:r>
+              <a:rPr lang="en-US" altLang="zh-CN" dirty="0" err="1"/>
               <a:t>StateList</a:t>
             </a:r>
             <a:r>
@@ -19140,7 +19595,7 @@
 </p:sld>
 </file>
 
-<file path=ppt/slides/slide31.xml><?xml version="1.0" encoding="utf-8"?>
+<file path=ppt/slides/slide32.xml><?xml version="1.0" encoding="utf-8"?>
 <p:sld xmlns:a="http://schemas.openxmlformats.org/drawingml/2006/main" xmlns:r="http://schemas.openxmlformats.org/officeDocument/2006/relationships" xmlns:p="http://schemas.openxmlformats.org/presentationml/2006/main" show="0">
   <p:cSld>
     <p:spTree>
@@ -19490,7 +19945,7 @@
 </p:sld>
 </file>
 
-<file path=ppt/slides/slide32.xml><?xml version="1.0" encoding="utf-8"?>
+<file path=ppt/slides/slide33.xml><?xml version="1.0" encoding="utf-8"?>
 <p:sld xmlns:a="http://schemas.openxmlformats.org/drawingml/2006/main" xmlns:r="http://schemas.openxmlformats.org/officeDocument/2006/relationships" xmlns:p="http://schemas.openxmlformats.org/presentationml/2006/main">
   <p:cSld>
     <p:spTree>
@@ -19573,7 +20028,7 @@
               </a:spcBef>
             </a:pPr>
             <a:r>
-              <a:rPr lang="en-US" altLang="zh-CN" sz="3200" smtClean="0">
+              <a:rPr lang="en-US" altLang="zh-CN" sz="3200" dirty="0" err="1" smtClean="0">
                 <a:solidFill>
                   <a:schemeClr val="tx1">
                     <a:lumMod val="85000"/>
@@ -19643,20 +20098,9 @@
                   </a:schemeClr>
                 </a:solidFill>
               </a:rPr>
-              <a:t>详细信息，</a:t>
-            </a:r>
-            <a:r>
-              <a:rPr lang="zh-CN" altLang="en-US" sz="3200" smtClean="0">
-                <a:solidFill>
-                  <a:schemeClr val="tx1">
-                    <a:lumMod val="85000"/>
-                    <a:lumOff val="15000"/>
-                  </a:schemeClr>
-                </a:solidFill>
-              </a:rPr>
-              <a:t>参考：</a:t>
-            </a:r>
-            <a:endParaRPr lang="en-US" altLang="zh-CN" sz="3200" smtClean="0">
+              <a:t>详细信息，参考：</a:t>
+            </a:r>
+            <a:endParaRPr lang="en-US" altLang="zh-CN" sz="3200" dirty="0" smtClean="0">
               <a:solidFill>
                 <a:schemeClr val="tx1">
                   <a:lumMod val="85000"/>
@@ -19673,7 +20117,7 @@
               <a:buNone/>
             </a:pPr>
             <a:r>
-              <a:rPr lang="en-US" altLang="zh-CN" sz="2200" smtClean="0">
+              <a:rPr lang="en-US" altLang="zh-CN" sz="2200" dirty="0" smtClean="0">
                 <a:hlinkClick r:id="rId2"/>
               </a:rPr>
               <a:t>http://www.android-doc.com/guide/topics/resources/drawable-resource.html</a:t>
@@ -19702,7 +20146,7 @@
 </p:sld>
 </file>
 
-<file path=ppt/slides/slide33.xml><?xml version="1.0" encoding="utf-8"?>
+<file path=ppt/slides/slide34.xml><?xml version="1.0" encoding="utf-8"?>
 <p:sld xmlns:a="http://schemas.openxmlformats.org/drawingml/2006/main" xmlns:r="http://schemas.openxmlformats.org/officeDocument/2006/relationships" xmlns:p="http://schemas.openxmlformats.org/presentationml/2006/main">
   <p:cSld>
     <p:spTree>
@@ -20052,7 +20496,7 @@
 </p:sld>
 </file>
 
-<file path=ppt/slides/slide34.xml><?xml version="1.0" encoding="utf-8"?>
+<file path=ppt/slides/slide35.xml><?xml version="1.0" encoding="utf-8"?>
 <p:sld xmlns:a="http://schemas.openxmlformats.org/drawingml/2006/main" xmlns:r="http://schemas.openxmlformats.org/officeDocument/2006/relationships" xmlns:p="http://schemas.openxmlformats.org/presentationml/2006/main">
   <p:cSld>
     <p:spTree>
@@ -20849,7 +21293,7 @@
 </p:sld>
 </file>
 
-<file path=ppt/slides/slide35.xml><?xml version="1.0" encoding="utf-8"?>
+<file path=ppt/slides/slide36.xml><?xml version="1.0" encoding="utf-8"?>
 <p:sld xmlns:a="http://schemas.openxmlformats.org/drawingml/2006/main" xmlns:r="http://schemas.openxmlformats.org/officeDocument/2006/relationships" xmlns:p="http://schemas.openxmlformats.org/presentationml/2006/main">
   <p:cSld>
     <p:spTree>
@@ -21248,7 +21692,7 @@
 </p:sld>
 </file>
 
-<file path=ppt/slides/slide36.xml><?xml version="1.0" encoding="utf-8"?>
+<file path=ppt/slides/slide37.xml><?xml version="1.0" encoding="utf-8"?>
 <p:sld xmlns:a="http://schemas.openxmlformats.org/drawingml/2006/main" xmlns:r="http://schemas.openxmlformats.org/officeDocument/2006/relationships" xmlns:p="http://schemas.openxmlformats.org/presentationml/2006/main">
   <p:cSld>
     <p:spTree>
@@ -21671,7 +22115,7 @@
 </p:sld>
 </file>
 
-<file path=ppt/slides/slide37.xml><?xml version="1.0" encoding="utf-8"?>
+<file path=ppt/slides/slide38.xml><?xml version="1.0" encoding="utf-8"?>
 <p:sld xmlns:a="http://schemas.openxmlformats.org/drawingml/2006/main" xmlns:r="http://schemas.openxmlformats.org/officeDocument/2006/relationships" xmlns:p="http://schemas.openxmlformats.org/presentationml/2006/main" show="0">
   <p:cSld>
     <p:spTree>
@@ -22009,7 +22453,7 @@
 </p:sld>
 </file>
 
-<file path=ppt/slides/slide38.xml><?xml version="1.0" encoding="utf-8"?>
+<file path=ppt/slides/slide39.xml><?xml version="1.0" encoding="utf-8"?>
 <p:sld xmlns:a="http://schemas.openxmlformats.org/drawingml/2006/main" xmlns:r="http://schemas.openxmlformats.org/officeDocument/2006/relationships" xmlns:p="http://schemas.openxmlformats.org/presentationml/2006/main">
   <p:cSld>
     <p:spTree>
@@ -23623,289 +24067,6 @@
 </p:sld>
 </file>
 
-<file path=ppt/slides/slide39.xml><?xml version="1.0" encoding="utf-8"?>
-<p:sld xmlns:a="http://schemas.openxmlformats.org/drawingml/2006/main" xmlns:r="http://schemas.openxmlformats.org/officeDocument/2006/relationships" xmlns:p="http://schemas.openxmlformats.org/presentationml/2006/main">
-  <p:cSld>
-    <p:spTree>
-      <p:nvGrpSpPr>
-        <p:cNvPr id="1" name=""/>
-        <p:cNvGrpSpPr/>
-        <p:nvPr/>
-      </p:nvGrpSpPr>
-      <p:grpSpPr>
-        <a:xfrm>
-          <a:off x="0" y="0"/>
-          <a:ext cx="0" cy="0"/>
-          <a:chOff x="0" y="0"/>
-          <a:chExt cx="0" cy="0"/>
-        </a:xfrm>
-      </p:grpSpPr>
-      <p:sp>
-        <p:nvSpPr>
-          <p:cNvPr id="2" name="标题 1"/>
-          <p:cNvSpPr>
-            <a:spLocks noGrp="1"/>
-          </p:cNvSpPr>
-          <p:nvPr>
-            <p:ph type="title"/>
-          </p:nvPr>
-        </p:nvSpPr>
-        <p:spPr/>
-        <p:txBody>
-          <a:bodyPr/>
-          <a:lstStyle/>
-          <a:p>
-            <a:r>
-              <a:rPr lang="en-US" altLang="zh-CN" dirty="0"/>
-              <a:t>assets/</a:t>
-            </a:r>
-            <a:r>
-              <a:rPr lang="zh-CN" altLang="en-US" dirty="0"/>
-              <a:t>目录下资源简介</a:t>
-            </a:r>
-          </a:p>
-        </p:txBody>
-      </p:sp>
-      <p:sp>
-        <p:nvSpPr>
-          <p:cNvPr id="3" name="内容占位符 2"/>
-          <p:cNvSpPr>
-            <a:spLocks noGrp="1"/>
-          </p:cNvSpPr>
-          <p:nvPr>
-            <p:ph idx="1"/>
-          </p:nvPr>
-        </p:nvSpPr>
-        <p:spPr>
-          <a:xfrm>
-            <a:off x="839416" y="1600200"/>
-            <a:ext cx="10742984" cy="4133056"/>
-          </a:xfrm>
-        </p:spPr>
-        <p:txBody>
-          <a:bodyPr>
-            <a:noAutofit/>
-          </a:bodyPr>
-          <a:lstStyle/>
-          <a:p>
-            <a:pPr>
-              <a:lnSpc>
-                <a:spcPct val="120000"/>
-              </a:lnSpc>
-              <a:spcAft>
-                <a:spcPts val="600"/>
-              </a:spcAft>
-            </a:pPr>
-            <a:r>
-              <a:rPr lang="en-US" altLang="zh-CN" sz="3200" dirty="0">
-                <a:solidFill>
-                  <a:schemeClr val="tx1">
-                    <a:lumMod val="85000"/>
-                    <a:lumOff val="15000"/>
-                  </a:schemeClr>
-                </a:solidFill>
-              </a:rPr>
-              <a:t>assets/</a:t>
-            </a:r>
-            <a:r>
-              <a:rPr lang="zh-CN" altLang="en-US" sz="3200" dirty="0">
-                <a:solidFill>
-                  <a:schemeClr val="tx1">
-                    <a:lumMod val="85000"/>
-                    <a:lumOff val="15000"/>
-                  </a:schemeClr>
-                </a:solidFill>
-              </a:rPr>
-              <a:t>目录下也可以添加</a:t>
-            </a:r>
-            <a:r>
-              <a:rPr lang="en-US" altLang="zh-CN" sz="3200" dirty="0">
-                <a:solidFill>
-                  <a:schemeClr val="tx1">
-                    <a:lumMod val="85000"/>
-                    <a:lumOff val="15000"/>
-                  </a:schemeClr>
-                </a:solidFill>
-              </a:rPr>
-              <a:t>Android</a:t>
-            </a:r>
-            <a:r>
-              <a:rPr lang="zh-CN" altLang="en-US" sz="3200" dirty="0">
-                <a:solidFill>
-                  <a:schemeClr val="tx1">
-                    <a:lumMod val="85000"/>
-                    <a:lumOff val="15000"/>
-                  </a:schemeClr>
-                </a:solidFill>
-              </a:rPr>
-              <a:t>应用中所使用的资源，这些资源可以是任意格式的，且可以位于</a:t>
-            </a:r>
-            <a:r>
-              <a:rPr lang="en-US" altLang="zh-CN" sz="3200" dirty="0">
-                <a:solidFill>
-                  <a:schemeClr val="tx1">
-                    <a:lumMod val="85000"/>
-                    <a:lumOff val="15000"/>
-                  </a:schemeClr>
-                </a:solidFill>
-              </a:rPr>
-              <a:t>assets</a:t>
-            </a:r>
-            <a:r>
-              <a:rPr lang="zh-CN" altLang="en-US" sz="3200" dirty="0">
-                <a:solidFill>
-                  <a:schemeClr val="tx1">
-                    <a:lumMod val="85000"/>
-                    <a:lumOff val="15000"/>
-                  </a:schemeClr>
-                </a:solidFill>
-              </a:rPr>
-              <a:t>目录中的任意位置</a:t>
-            </a:r>
-            <a:r>
-              <a:rPr lang="zh-CN" altLang="en-US" sz="3200" dirty="0" smtClean="0">
-                <a:solidFill>
-                  <a:schemeClr val="tx1">
-                    <a:lumMod val="85000"/>
-                    <a:lumOff val="15000"/>
-                  </a:schemeClr>
-                </a:solidFill>
-              </a:rPr>
-              <a:t>。</a:t>
-            </a:r>
-            <a:endParaRPr lang="en-US" altLang="zh-CN" sz="3200" dirty="0" smtClean="0">
-              <a:solidFill>
-                <a:schemeClr val="tx1">
-                  <a:lumMod val="85000"/>
-                  <a:lumOff val="15000"/>
-                </a:schemeClr>
-              </a:solidFill>
-            </a:endParaRPr>
-          </a:p>
-          <a:p>
-            <a:pPr lvl="1">
-              <a:lnSpc>
-                <a:spcPct val="120000"/>
-              </a:lnSpc>
-              <a:spcAft>
-                <a:spcPts val="600"/>
-              </a:spcAft>
-            </a:pPr>
-            <a:r>
-              <a:rPr lang="en-US" altLang="zh-CN" sz="3200" dirty="0" smtClean="0">
-                <a:solidFill>
-                  <a:schemeClr val="tx1">
-                    <a:lumMod val="85000"/>
-                    <a:lumOff val="15000"/>
-                  </a:schemeClr>
-                </a:solidFill>
-              </a:rPr>
-              <a:t>assets</a:t>
-            </a:r>
-            <a:r>
-              <a:rPr lang="zh-CN" altLang="en-US" sz="3200" dirty="0" smtClean="0">
-                <a:solidFill>
-                  <a:schemeClr val="tx1">
-                    <a:lumMod val="85000"/>
-                    <a:lumOff val="15000"/>
-                  </a:schemeClr>
-                </a:solidFill>
-              </a:rPr>
-              <a:t>目录中可以建立子目录，建立更灵活的目录结构。</a:t>
-            </a:r>
-            <a:endParaRPr lang="en-US" altLang="zh-CN" sz="3200" dirty="0" smtClean="0">
-              <a:solidFill>
-                <a:schemeClr val="tx1">
-                  <a:lumMod val="85000"/>
-                  <a:lumOff val="15000"/>
-                </a:schemeClr>
-              </a:solidFill>
-            </a:endParaRPr>
-          </a:p>
-          <a:p>
-            <a:pPr lvl="1">
-              <a:lnSpc>
-                <a:spcPct val="120000"/>
-              </a:lnSpc>
-              <a:spcAft>
-                <a:spcPts val="600"/>
-              </a:spcAft>
-            </a:pPr>
-            <a:r>
-              <a:rPr lang="en-US" altLang="zh-CN" sz="3200" dirty="0" smtClean="0">
-                <a:solidFill>
-                  <a:schemeClr val="tx1">
-                    <a:lumMod val="85000"/>
-                    <a:lumOff val="15000"/>
-                  </a:schemeClr>
-                </a:solidFill>
-              </a:rPr>
-              <a:t>assets</a:t>
-            </a:r>
-            <a:r>
-              <a:rPr lang="zh-CN" altLang="en-US" sz="3200" dirty="0" smtClean="0">
-                <a:solidFill>
-                  <a:schemeClr val="tx1">
-                    <a:lumMod val="85000"/>
-                    <a:lumOff val="15000"/>
-                  </a:schemeClr>
-                </a:solidFill>
-              </a:rPr>
-              <a:t>目录中的文件格式是任意的，不一定必须是</a:t>
-            </a:r>
-            <a:r>
-              <a:rPr lang="en-US" altLang="zh-CN" sz="3200" dirty="0" smtClean="0">
-                <a:solidFill>
-                  <a:schemeClr val="tx1">
-                    <a:lumMod val="85000"/>
-                    <a:lumOff val="15000"/>
-                  </a:schemeClr>
-                </a:solidFill>
-              </a:rPr>
-              <a:t>XML</a:t>
-            </a:r>
-            <a:r>
-              <a:rPr lang="zh-CN" altLang="en-US" sz="3200" smtClean="0">
-                <a:solidFill>
-                  <a:schemeClr val="tx1">
-                    <a:lumMod val="85000"/>
-                    <a:lumOff val="15000"/>
-                  </a:schemeClr>
-                </a:solidFill>
-              </a:rPr>
-              <a:t>文件。</a:t>
-            </a:r>
-            <a:endParaRPr lang="zh-CN" altLang="en-US" sz="3200" dirty="0">
-              <a:solidFill>
-                <a:schemeClr val="tx1">
-                  <a:lumMod val="85000"/>
-                  <a:lumOff val="15000"/>
-                </a:schemeClr>
-              </a:solidFill>
-            </a:endParaRPr>
-          </a:p>
-        </p:txBody>
-      </p:sp>
-    </p:spTree>
-    <p:extLst>
-      <p:ext uri="{BB962C8B-B14F-4D97-AF65-F5344CB8AC3E}">
-        <p14:creationId xmlns:p14="http://schemas.microsoft.com/office/powerpoint/2010/main" val="3435184195"/>
-      </p:ext>
-    </p:extLst>
-  </p:cSld>
-  <p:clrMapOvr>
-    <a:masterClrMapping/>
-  </p:clrMapOvr>
-  <p:timing>
-    <p:tnLst>
-      <p:par>
-        <p:cTn id="1" dur="indefinite" restart="never" nodeType="tmRoot"/>
-      </p:par>
-    </p:tnLst>
-  </p:timing>
-</p:sld>
-</file>
-
 <file path=ppt/slides/slide4.xml><?xml version="1.0" encoding="utf-8"?>
 <p:sld xmlns:a="http://schemas.openxmlformats.org/drawingml/2006/main" xmlns:r="http://schemas.openxmlformats.org/officeDocument/2006/relationships" xmlns:p="http://schemas.openxmlformats.org/presentationml/2006/main">
   <p:cSld>
@@ -24336,7 +24497,7 @@
         <p:spPr>
           <a:xfrm>
             <a:off x="839416" y="1600200"/>
-            <a:ext cx="10742984" cy="2980928"/>
+            <a:ext cx="10742984" cy="4133056"/>
           </a:xfrm>
         </p:spPr>
         <p:txBody>
@@ -24346,12 +24507,59 @@
           <a:lstStyle/>
           <a:p>
             <a:pPr>
+              <a:lnSpc>
+                <a:spcPct val="120000"/>
+              </a:lnSpc>
               <a:spcAft>
                 <a:spcPts val="600"/>
               </a:spcAft>
             </a:pPr>
             <a:r>
-              <a:rPr lang="en-US" altLang="zh-CN" sz="3200" smtClean="0">
+              <a:rPr lang="en-US" altLang="zh-CN" sz="3200" dirty="0">
+                <a:solidFill>
+                  <a:schemeClr val="tx1">
+                    <a:lumMod val="85000"/>
+                    <a:lumOff val="15000"/>
+                  </a:schemeClr>
+                </a:solidFill>
+              </a:rPr>
+              <a:t>assets/</a:t>
+            </a:r>
+            <a:r>
+              <a:rPr lang="zh-CN" altLang="en-US" sz="3200" dirty="0">
+                <a:solidFill>
+                  <a:schemeClr val="tx1">
+                    <a:lumMod val="85000"/>
+                    <a:lumOff val="15000"/>
+                  </a:schemeClr>
+                </a:solidFill>
+              </a:rPr>
+              <a:t>目录下也可以添加</a:t>
+            </a:r>
+            <a:r>
+              <a:rPr lang="en-US" altLang="zh-CN" sz="3200" dirty="0">
+                <a:solidFill>
+                  <a:schemeClr val="tx1">
+                    <a:lumMod val="85000"/>
+                    <a:lumOff val="15000"/>
+                  </a:schemeClr>
+                </a:solidFill>
+              </a:rPr>
+              <a:t>Android</a:t>
+            </a:r>
+            <a:r>
+              <a:rPr lang="zh-CN" altLang="en-US" sz="3200" dirty="0">
+                <a:solidFill>
+                  <a:schemeClr val="tx1">
+                    <a:lumMod val="85000"/>
+                    <a:lumOff val="15000"/>
+                  </a:schemeClr>
+                </a:solidFill>
+              </a:rPr>
+              <a:t>应用中所使用的资源，这些资源可以是任意格式的，且可以位于</a:t>
+            </a:r>
+            <a:r>
+              <a:rPr lang="en-US" altLang="zh-CN" sz="3200" dirty="0">
                 <a:solidFill>
                   <a:schemeClr val="tx1">
                     <a:lumMod val="85000"/>
@@ -24362,15 +24570,15 @@
               <a:t>assets</a:t>
             </a:r>
             <a:r>
-              <a:rPr lang="en-US" altLang="zh-CN" sz="3200" dirty="0" smtClean="0">
-                <a:solidFill>
-                  <a:schemeClr val="tx1">
-                    <a:lumMod val="85000"/>
-                    <a:lumOff val="15000"/>
-                  </a:schemeClr>
-                </a:solidFill>
-              </a:rPr>
-              <a:t>/</a:t>
+              <a:rPr lang="zh-CN" altLang="en-US" sz="3200" dirty="0">
+                <a:solidFill>
+                  <a:schemeClr val="tx1">
+                    <a:lumMod val="85000"/>
+                    <a:lumOff val="15000"/>
+                  </a:schemeClr>
+                </a:solidFill>
+              </a:rPr>
+              <a:t>目录中的任意位置</a:t>
             </a:r>
             <a:r>
               <a:rPr lang="zh-CN" altLang="en-US" sz="3200" dirty="0" smtClean="0">
@@ -24381,29 +24589,7 @@
                   </a:schemeClr>
                 </a:solidFill>
               </a:rPr>
-              <a:t>目录下的文件与</a:t>
-            </a:r>
-            <a:r>
-              <a:rPr lang="en-US" altLang="zh-CN" sz="3200" dirty="0" smtClean="0">
-                <a:solidFill>
-                  <a:schemeClr val="tx1">
-                    <a:lumMod val="85000"/>
-                    <a:lumOff val="15000"/>
-                  </a:schemeClr>
-                </a:solidFill>
-              </a:rPr>
-              <a:t>res/raw/</a:t>
-            </a:r>
-            <a:r>
-              <a:rPr lang="zh-CN" altLang="en-US" sz="3200" dirty="0" smtClean="0">
-                <a:solidFill>
-                  <a:schemeClr val="tx1">
-                    <a:lumMod val="85000"/>
-                    <a:lumOff val="15000"/>
-                  </a:schemeClr>
-                </a:solidFill>
-              </a:rPr>
-              <a:t>目录下文件区别：</a:t>
+              <a:t>。</a:t>
             </a:r>
             <a:endParaRPr lang="en-US" altLang="zh-CN" sz="3200" dirty="0" smtClean="0">
               <a:solidFill>
@@ -24416,6 +24602,9 @@
           </a:p>
           <a:p>
             <a:pPr lvl="1">
+              <a:lnSpc>
+                <a:spcPct val="120000"/>
+              </a:lnSpc>
               <a:spcAft>
                 <a:spcPts val="600"/>
               </a:spcAft>
@@ -24423,89 +24612,24 @@
             <a:r>
               <a:rPr lang="en-US" altLang="zh-CN" sz="3200" dirty="0" smtClean="0">
                 <a:solidFill>
-                  <a:srgbClr val="C00000"/>
-                </a:solidFill>
-              </a:rPr>
-              <a:t>assets/</a:t>
+                  <a:schemeClr val="tx1">
+                    <a:lumMod val="85000"/>
+                    <a:lumOff val="15000"/>
+                  </a:schemeClr>
+                </a:solidFill>
+              </a:rPr>
+              <a:t>assets</a:t>
             </a:r>
             <a:r>
               <a:rPr lang="zh-CN" altLang="en-US" sz="3200" dirty="0" smtClean="0">
                 <a:solidFill>
-                  <a:srgbClr val="C00000"/>
-                </a:solidFill>
-              </a:rPr>
-              <a:t>目录下文件不会被</a:t>
-            </a:r>
-            <a:r>
-              <a:rPr lang="en-US" altLang="zh-CN" sz="3200" dirty="0" smtClean="0">
-                <a:solidFill>
-                  <a:srgbClr val="C00000"/>
-                </a:solidFill>
-              </a:rPr>
-              <a:t>R</a:t>
-            </a:r>
-            <a:r>
-              <a:rPr lang="zh-CN" altLang="en-US" sz="3200" dirty="0" smtClean="0">
-                <a:solidFill>
-                  <a:srgbClr val="C00000"/>
-                </a:solidFill>
-              </a:rPr>
-              <a:t>类索引</a:t>
-            </a:r>
-            <a:r>
-              <a:rPr lang="zh-CN" altLang="en-US" sz="3200" dirty="0" smtClean="0">
-                <a:solidFill>
-                  <a:schemeClr val="tx1">
-                    <a:lumMod val="85000"/>
-                    <a:lumOff val="15000"/>
-                  </a:schemeClr>
-                </a:solidFill>
-              </a:rPr>
-              <a:t>，即</a:t>
-            </a:r>
-            <a:r>
-              <a:rPr lang="en-US" altLang="zh-CN" sz="3200" dirty="0" smtClean="0">
-                <a:solidFill>
-                  <a:schemeClr val="tx1">
-                    <a:lumMod val="85000"/>
-                    <a:lumOff val="15000"/>
-                  </a:schemeClr>
-                </a:solidFill>
-              </a:rPr>
-              <a:t>assets/</a:t>
-            </a:r>
-            <a:r>
-              <a:rPr lang="zh-CN" altLang="en-US" sz="3200" dirty="0" smtClean="0">
-                <a:solidFill>
-                  <a:schemeClr val="tx1">
-                    <a:lumMod val="85000"/>
-                    <a:lumOff val="15000"/>
-                  </a:schemeClr>
-                </a:solidFill>
-              </a:rPr>
-              <a:t>目录下资源不能使用</a:t>
-            </a:r>
-            <a:r>
-              <a:rPr lang="en-US" altLang="zh-CN" sz="3200" dirty="0" smtClean="0">
-                <a:solidFill>
-                  <a:schemeClr val="tx1">
-                    <a:lumMod val="85000"/>
-                    <a:lumOff val="15000"/>
-                  </a:schemeClr>
-                </a:solidFill>
-              </a:rPr>
-              <a:t>Resources</a:t>
-            </a:r>
-            <a:r>
-              <a:rPr lang="zh-CN" altLang="en-US" sz="3200" dirty="0" smtClean="0">
-                <a:solidFill>
-                  <a:schemeClr val="tx1">
-                    <a:lumMod val="85000"/>
-                    <a:lumOff val="15000"/>
-                  </a:schemeClr>
-                </a:solidFill>
-              </a:rPr>
-              <a:t>对象获取。</a:t>
+                  <a:schemeClr val="tx1">
+                    <a:lumMod val="85000"/>
+                    <a:lumOff val="15000"/>
+                  </a:schemeClr>
+                </a:solidFill>
+              </a:rPr>
+              <a:t>目录中可以建立子目录，建立更灵活的目录结构。</a:t>
             </a:r>
             <a:endParaRPr lang="en-US" altLang="zh-CN" sz="3200" dirty="0" smtClean="0">
               <a:solidFill>
@@ -24518,6 +24642,9 @@
           </a:p>
           <a:p>
             <a:pPr lvl="1">
+              <a:lnSpc>
+                <a:spcPct val="120000"/>
+              </a:lnSpc>
               <a:spcAft>
                 <a:spcPts val="600"/>
               </a:spcAft>
@@ -24525,67 +24652,46 @@
             <a:r>
               <a:rPr lang="en-US" altLang="zh-CN" sz="3200" dirty="0" smtClean="0">
                 <a:solidFill>
-                  <a:srgbClr val="C00000"/>
-                </a:solidFill>
-              </a:rPr>
-              <a:t>assets/</a:t>
+                  <a:schemeClr val="tx1">
+                    <a:lumMod val="85000"/>
+                    <a:lumOff val="15000"/>
+                  </a:schemeClr>
+                </a:solidFill>
+              </a:rPr>
+              <a:t>assets</a:t>
             </a:r>
             <a:r>
               <a:rPr lang="zh-CN" altLang="en-US" sz="3200" dirty="0" smtClean="0">
                 <a:solidFill>
-                  <a:srgbClr val="C00000"/>
-                </a:solidFill>
-              </a:rPr>
-              <a:t>目录下资源不会被打包到</a:t>
+                  <a:schemeClr val="tx1">
+                    <a:lumMod val="85000"/>
+                    <a:lumOff val="15000"/>
+                  </a:schemeClr>
+                </a:solidFill>
+              </a:rPr>
+              <a:t>目录中的文件格式是任意的，不一定必须是</a:t>
             </a:r>
             <a:r>
               <a:rPr lang="en-US" altLang="zh-CN" sz="3200" dirty="0" smtClean="0">
                 <a:solidFill>
-                  <a:srgbClr val="C00000"/>
-                </a:solidFill>
-              </a:rPr>
-              <a:t>APK</a:t>
+                  <a:schemeClr val="tx1">
+                    <a:lumMod val="85000"/>
+                    <a:lumOff val="15000"/>
+                  </a:schemeClr>
+                </a:solidFill>
+              </a:rPr>
+              <a:t>XML</a:t>
             </a:r>
             <a:r>
               <a:rPr lang="zh-CN" altLang="en-US" sz="3200" dirty="0" smtClean="0">
                 <a:solidFill>
-                  <a:srgbClr val="C00000"/>
-                </a:solidFill>
-              </a:rPr>
-              <a:t>中</a:t>
-            </a:r>
-            <a:r>
-              <a:rPr lang="zh-CN" altLang="en-US" sz="3200" dirty="0" smtClean="0">
-                <a:solidFill>
-                  <a:schemeClr val="tx1">
-                    <a:lumMod val="85000"/>
-                    <a:lumOff val="15000"/>
-                  </a:schemeClr>
-                </a:solidFill>
-              </a:rPr>
-              <a:t>，即</a:t>
-            </a:r>
-            <a:r>
-              <a:rPr lang="en-US" altLang="zh-CN" sz="3200" dirty="0" smtClean="0">
-                <a:solidFill>
-                  <a:schemeClr val="tx1">
-                    <a:lumMod val="85000"/>
-                    <a:lumOff val="15000"/>
-                  </a:schemeClr>
-                </a:solidFill>
-              </a:rPr>
-              <a:t>assets</a:t>
-            </a:r>
-            <a:r>
-              <a:rPr lang="zh-CN" altLang="en-US" sz="3200" dirty="0" smtClean="0">
-                <a:solidFill>
-                  <a:schemeClr val="tx1">
-                    <a:lumMod val="85000"/>
-                    <a:lumOff val="15000"/>
-                  </a:schemeClr>
-                </a:solidFill>
-              </a:rPr>
-              <a:t>目录中适合存放过大的文件。</a:t>
+                  <a:schemeClr val="tx1">
+                    <a:lumMod val="85000"/>
+                    <a:lumOff val="15000"/>
+                  </a:schemeClr>
+                </a:solidFill>
+              </a:rPr>
+              <a:t>文件。</a:t>
             </a:r>
             <a:endParaRPr lang="zh-CN" altLang="en-US" sz="3200" dirty="0">
               <a:solidFill>
@@ -24601,7 +24707,7 @@
     </p:spTree>
     <p:extLst>
       <p:ext uri="{BB962C8B-B14F-4D97-AF65-F5344CB8AC3E}">
-        <p14:creationId xmlns:p14="http://schemas.microsoft.com/office/powerpoint/2010/main" val="1453163517"/>
+        <p14:creationId xmlns:p14="http://schemas.microsoft.com/office/powerpoint/2010/main" val="3435184195"/>
       </p:ext>
     </p:extLst>
   </p:cSld>
@@ -24650,6 +24756,344 @@
           <a:bodyPr/>
           <a:lstStyle/>
           <a:p>
+            <a:r>
+              <a:rPr lang="en-US" altLang="zh-CN" dirty="0"/>
+              <a:t>assets/</a:t>
+            </a:r>
+            <a:r>
+              <a:rPr lang="zh-CN" altLang="en-US" dirty="0"/>
+              <a:t>目录下资源简介</a:t>
+            </a:r>
+          </a:p>
+        </p:txBody>
+      </p:sp>
+      <p:sp>
+        <p:nvSpPr>
+          <p:cNvPr id="3" name="内容占位符 2"/>
+          <p:cNvSpPr>
+            <a:spLocks noGrp="1"/>
+          </p:cNvSpPr>
+          <p:nvPr>
+            <p:ph idx="1"/>
+          </p:nvPr>
+        </p:nvSpPr>
+        <p:spPr>
+          <a:xfrm>
+            <a:off x="839416" y="1600200"/>
+            <a:ext cx="10742984" cy="2980928"/>
+          </a:xfrm>
+        </p:spPr>
+        <p:txBody>
+          <a:bodyPr>
+            <a:noAutofit/>
+          </a:bodyPr>
+          <a:lstStyle/>
+          <a:p>
+            <a:pPr>
+              <a:spcAft>
+                <a:spcPts val="600"/>
+              </a:spcAft>
+            </a:pPr>
+            <a:r>
+              <a:rPr lang="en-US" altLang="zh-CN" sz="3200" smtClean="0">
+                <a:solidFill>
+                  <a:schemeClr val="tx1">
+                    <a:lumMod val="85000"/>
+                    <a:lumOff val="15000"/>
+                  </a:schemeClr>
+                </a:solidFill>
+              </a:rPr>
+              <a:t>assets</a:t>
+            </a:r>
+            <a:r>
+              <a:rPr lang="en-US" altLang="zh-CN" sz="3200" dirty="0" smtClean="0">
+                <a:solidFill>
+                  <a:schemeClr val="tx1">
+                    <a:lumMod val="85000"/>
+                    <a:lumOff val="15000"/>
+                  </a:schemeClr>
+                </a:solidFill>
+              </a:rPr>
+              <a:t>/</a:t>
+            </a:r>
+            <a:r>
+              <a:rPr lang="zh-CN" altLang="en-US" sz="3200" dirty="0" smtClean="0">
+                <a:solidFill>
+                  <a:schemeClr val="tx1">
+                    <a:lumMod val="85000"/>
+                    <a:lumOff val="15000"/>
+                  </a:schemeClr>
+                </a:solidFill>
+              </a:rPr>
+              <a:t>目录下的文件与</a:t>
+            </a:r>
+            <a:r>
+              <a:rPr lang="en-US" altLang="zh-CN" sz="3200" dirty="0" smtClean="0">
+                <a:solidFill>
+                  <a:schemeClr val="tx1">
+                    <a:lumMod val="85000"/>
+                    <a:lumOff val="15000"/>
+                  </a:schemeClr>
+                </a:solidFill>
+              </a:rPr>
+              <a:t>res/raw/</a:t>
+            </a:r>
+            <a:r>
+              <a:rPr lang="zh-CN" altLang="en-US" sz="3200" dirty="0" smtClean="0">
+                <a:solidFill>
+                  <a:schemeClr val="tx1">
+                    <a:lumMod val="85000"/>
+                    <a:lumOff val="15000"/>
+                  </a:schemeClr>
+                </a:solidFill>
+              </a:rPr>
+              <a:t>目录下文件区别：</a:t>
+            </a:r>
+            <a:endParaRPr lang="en-US" altLang="zh-CN" sz="3200" dirty="0" smtClean="0">
+              <a:solidFill>
+                <a:schemeClr val="tx1">
+                  <a:lumMod val="85000"/>
+                  <a:lumOff val="15000"/>
+                </a:schemeClr>
+              </a:solidFill>
+            </a:endParaRPr>
+          </a:p>
+          <a:p>
+            <a:pPr lvl="1">
+              <a:spcAft>
+                <a:spcPts val="600"/>
+              </a:spcAft>
+            </a:pPr>
+            <a:r>
+              <a:rPr lang="en-US" altLang="zh-CN" sz="3200" dirty="0" smtClean="0">
+                <a:solidFill>
+                  <a:srgbClr val="C00000"/>
+                </a:solidFill>
+              </a:rPr>
+              <a:t>assets/</a:t>
+            </a:r>
+            <a:r>
+              <a:rPr lang="zh-CN" altLang="en-US" sz="3200" dirty="0" smtClean="0">
+                <a:solidFill>
+                  <a:srgbClr val="C00000"/>
+                </a:solidFill>
+              </a:rPr>
+              <a:t>目录下文件不会被</a:t>
+            </a:r>
+            <a:r>
+              <a:rPr lang="en-US" altLang="zh-CN" sz="3200" dirty="0" smtClean="0">
+                <a:solidFill>
+                  <a:srgbClr val="C00000"/>
+                </a:solidFill>
+              </a:rPr>
+              <a:t>R</a:t>
+            </a:r>
+            <a:r>
+              <a:rPr lang="zh-CN" altLang="en-US" sz="3200" dirty="0" smtClean="0">
+                <a:solidFill>
+                  <a:srgbClr val="C00000"/>
+                </a:solidFill>
+              </a:rPr>
+              <a:t>类索引</a:t>
+            </a:r>
+            <a:r>
+              <a:rPr lang="zh-CN" altLang="en-US" sz="3200" dirty="0" smtClean="0">
+                <a:solidFill>
+                  <a:schemeClr val="tx1">
+                    <a:lumMod val="85000"/>
+                    <a:lumOff val="15000"/>
+                  </a:schemeClr>
+                </a:solidFill>
+              </a:rPr>
+              <a:t>，即</a:t>
+            </a:r>
+            <a:r>
+              <a:rPr lang="en-US" altLang="zh-CN" sz="3200" dirty="0" smtClean="0">
+                <a:solidFill>
+                  <a:schemeClr val="tx1">
+                    <a:lumMod val="85000"/>
+                    <a:lumOff val="15000"/>
+                  </a:schemeClr>
+                </a:solidFill>
+              </a:rPr>
+              <a:t>assets/</a:t>
+            </a:r>
+            <a:r>
+              <a:rPr lang="zh-CN" altLang="en-US" sz="3200" dirty="0" smtClean="0">
+                <a:solidFill>
+                  <a:schemeClr val="tx1">
+                    <a:lumMod val="85000"/>
+                    <a:lumOff val="15000"/>
+                  </a:schemeClr>
+                </a:solidFill>
+              </a:rPr>
+              <a:t>目录下资源不能使用</a:t>
+            </a:r>
+            <a:r>
+              <a:rPr lang="en-US" altLang="zh-CN" sz="3200" dirty="0" smtClean="0">
+                <a:solidFill>
+                  <a:schemeClr val="tx1">
+                    <a:lumMod val="85000"/>
+                    <a:lumOff val="15000"/>
+                  </a:schemeClr>
+                </a:solidFill>
+              </a:rPr>
+              <a:t>Resources</a:t>
+            </a:r>
+            <a:r>
+              <a:rPr lang="zh-CN" altLang="en-US" sz="3200" dirty="0" smtClean="0">
+                <a:solidFill>
+                  <a:schemeClr val="tx1">
+                    <a:lumMod val="85000"/>
+                    <a:lumOff val="15000"/>
+                  </a:schemeClr>
+                </a:solidFill>
+              </a:rPr>
+              <a:t>对象获取。</a:t>
+            </a:r>
+            <a:endParaRPr lang="en-US" altLang="zh-CN" sz="3200" dirty="0" smtClean="0">
+              <a:solidFill>
+                <a:schemeClr val="tx1">
+                  <a:lumMod val="85000"/>
+                  <a:lumOff val="15000"/>
+                </a:schemeClr>
+              </a:solidFill>
+            </a:endParaRPr>
+          </a:p>
+          <a:p>
+            <a:pPr lvl="1">
+              <a:spcAft>
+                <a:spcPts val="600"/>
+              </a:spcAft>
+            </a:pPr>
+            <a:r>
+              <a:rPr lang="en-US" altLang="zh-CN" sz="3200" dirty="0" smtClean="0">
+                <a:solidFill>
+                  <a:srgbClr val="C00000"/>
+                </a:solidFill>
+              </a:rPr>
+              <a:t>assets/</a:t>
+            </a:r>
+            <a:r>
+              <a:rPr lang="zh-CN" altLang="en-US" sz="3200" dirty="0" smtClean="0">
+                <a:solidFill>
+                  <a:srgbClr val="C00000"/>
+                </a:solidFill>
+              </a:rPr>
+              <a:t>目录下资源不会被打包到</a:t>
+            </a:r>
+            <a:r>
+              <a:rPr lang="en-US" altLang="zh-CN" sz="3200" dirty="0" smtClean="0">
+                <a:solidFill>
+                  <a:srgbClr val="C00000"/>
+                </a:solidFill>
+              </a:rPr>
+              <a:t>APK</a:t>
+            </a:r>
+            <a:r>
+              <a:rPr lang="zh-CN" altLang="en-US" sz="3200" dirty="0" smtClean="0">
+                <a:solidFill>
+                  <a:srgbClr val="C00000"/>
+                </a:solidFill>
+              </a:rPr>
+              <a:t>中</a:t>
+            </a:r>
+            <a:r>
+              <a:rPr lang="zh-CN" altLang="en-US" sz="3200" dirty="0" smtClean="0">
+                <a:solidFill>
+                  <a:schemeClr val="tx1">
+                    <a:lumMod val="85000"/>
+                    <a:lumOff val="15000"/>
+                  </a:schemeClr>
+                </a:solidFill>
+              </a:rPr>
+              <a:t>，即</a:t>
+            </a:r>
+            <a:r>
+              <a:rPr lang="en-US" altLang="zh-CN" sz="3200" dirty="0" smtClean="0">
+                <a:solidFill>
+                  <a:schemeClr val="tx1">
+                    <a:lumMod val="85000"/>
+                    <a:lumOff val="15000"/>
+                  </a:schemeClr>
+                </a:solidFill>
+              </a:rPr>
+              <a:t>assets</a:t>
+            </a:r>
+            <a:r>
+              <a:rPr lang="zh-CN" altLang="en-US" sz="3200" dirty="0" smtClean="0">
+                <a:solidFill>
+                  <a:schemeClr val="tx1">
+                    <a:lumMod val="85000"/>
+                    <a:lumOff val="15000"/>
+                  </a:schemeClr>
+                </a:solidFill>
+              </a:rPr>
+              <a:t>目录中适合存放过大的文件。</a:t>
+            </a:r>
+            <a:endParaRPr lang="zh-CN" altLang="en-US" sz="3200" dirty="0">
+              <a:solidFill>
+                <a:schemeClr val="tx1">
+                  <a:lumMod val="85000"/>
+                  <a:lumOff val="15000"/>
+                </a:schemeClr>
+              </a:solidFill>
+            </a:endParaRPr>
+          </a:p>
+        </p:txBody>
+      </p:sp>
+    </p:spTree>
+    <p:extLst>
+      <p:ext uri="{BB962C8B-B14F-4D97-AF65-F5344CB8AC3E}">
+        <p14:creationId xmlns:p14="http://schemas.microsoft.com/office/powerpoint/2010/main" val="1453163517"/>
+      </p:ext>
+    </p:extLst>
+  </p:cSld>
+  <p:clrMapOvr>
+    <a:masterClrMapping/>
+  </p:clrMapOvr>
+  <p:timing>
+    <p:tnLst>
+      <p:par>
+        <p:cTn id="1" dur="indefinite" restart="never" nodeType="tmRoot"/>
+      </p:par>
+    </p:tnLst>
+  </p:timing>
+</p:sld>
+</file>
+
+<file path=ppt/slides/slide42.xml><?xml version="1.0" encoding="utf-8"?>
+<p:sld xmlns:a="http://schemas.openxmlformats.org/drawingml/2006/main" xmlns:r="http://schemas.openxmlformats.org/officeDocument/2006/relationships" xmlns:p="http://schemas.openxmlformats.org/presentationml/2006/main">
+  <p:cSld>
+    <p:spTree>
+      <p:nvGrpSpPr>
+        <p:cNvPr id="1" name=""/>
+        <p:cNvGrpSpPr/>
+        <p:nvPr/>
+      </p:nvGrpSpPr>
+      <p:grpSpPr>
+        <a:xfrm>
+          <a:off x="0" y="0"/>
+          <a:ext cx="0" cy="0"/>
+          <a:chOff x="0" y="0"/>
+          <a:chExt cx="0" cy="0"/>
+        </a:xfrm>
+      </p:grpSpPr>
+      <p:sp>
+        <p:nvSpPr>
+          <p:cNvPr id="2" name="标题 1"/>
+          <p:cNvSpPr>
+            <a:spLocks noGrp="1"/>
+          </p:cNvSpPr>
+          <p:nvPr>
+            <p:ph type="title"/>
+          </p:nvPr>
+        </p:nvSpPr>
+        <p:spPr/>
+        <p:txBody>
+          <a:bodyPr/>
+          <a:lstStyle/>
+          <a:p>
             <a:pPr>
               <a:defRPr/>
             </a:pPr>
@@ -24942,18 +25386,7 @@
                   </a:schemeClr>
                 </a:solidFill>
               </a:rPr>
-              <a:t>对象，然后再加载指定资源，处理该</a:t>
-            </a:r>
-            <a:r>
-              <a:rPr lang="zh-CN" altLang="en-US" sz="3200" smtClean="0">
-                <a:solidFill>
-                  <a:schemeClr val="tx1">
-                    <a:lumMod val="85000"/>
-                    <a:lumOff val="15000"/>
-                  </a:schemeClr>
-                </a:solidFill>
-              </a:rPr>
-              <a:t>资源。</a:t>
+              <a:t>对象，然后再加载指定资源，处理该资源。</a:t>
             </a:r>
             <a:endParaRPr lang="en-US" altLang="zh-CN" sz="3200" dirty="0" smtClean="0"/>
           </a:p>
@@ -25234,7 +25667,7 @@
 </p:sld>
 </file>
 
-<file path=ppt/slides/slide42.xml><?xml version="1.0" encoding="utf-8"?>
+<file path=ppt/slides/slide43.xml><?xml version="1.0" encoding="utf-8"?>
 <p:sld xmlns:a="http://schemas.openxmlformats.org/drawingml/2006/main" xmlns:r="http://schemas.openxmlformats.org/officeDocument/2006/relationships" xmlns:p="http://schemas.openxmlformats.org/presentationml/2006/main">
   <p:cSld>
     <p:spTree>
@@ -25734,14 +26167,14 @@
                 <a:gridCol w="4655623">
                   <a:extLst>
                     <a:ext uri="{9D8B030D-6E8A-4147-A177-3AD203B41FA5}">
-                      <a16:colId xmlns:a16="http://schemas.microsoft.com/office/drawing/2014/main" val="3843783346"/>
+                      <a16:colId xmlns:a16="http://schemas.microsoft.com/office/drawing/2014/main" xmlns="" val="3843783346"/>
                     </a:ext>
                   </a:extLst>
                 </a:gridCol>
                 <a:gridCol w="5713529">
                   <a:extLst>
                     <a:ext uri="{9D8B030D-6E8A-4147-A177-3AD203B41FA5}">
-                      <a16:colId xmlns:a16="http://schemas.microsoft.com/office/drawing/2014/main" val="20001"/>
+                      <a16:colId xmlns:a16="http://schemas.microsoft.com/office/drawing/2014/main" xmlns="" val="20001"/>
                     </a:ext>
                   </a:extLst>
                 </a:gridCol>
@@ -25754,7 +26187,7 @@
                     <a:p>
                       <a:pPr algn="ctr"/>
                       <a:r>
-                        <a:rPr lang="zh-CN" altLang="en-US" b="1" smtClean="0">
+                        <a:rPr lang="zh-CN" altLang="en-US" b="1" dirty="0" smtClean="0">
                           <a:solidFill>
                             <a:schemeClr val="tx1">
                               <a:lumMod val="85000"/>
@@ -25899,7 +26332,7 @@
                 </a:tc>
                 <a:extLst>
                   <a:ext uri="{0D108BD9-81ED-4DB2-BD59-A6C34878D82A}">
-                    <a16:rowId xmlns:a16="http://schemas.microsoft.com/office/drawing/2014/main" val="10000"/>
+                    <a16:rowId xmlns:a16="http://schemas.microsoft.com/office/drawing/2014/main" xmlns="" val="10000"/>
                   </a:ext>
                 </a:extLst>
               </a:tr>
@@ -26162,7 +26595,7 @@
                 </a:tc>
                 <a:extLst>
                   <a:ext uri="{0D108BD9-81ED-4DB2-BD59-A6C34878D82A}">
-                    <a16:rowId xmlns:a16="http://schemas.microsoft.com/office/drawing/2014/main" val="10001"/>
+                    <a16:rowId xmlns:a16="http://schemas.microsoft.com/office/drawing/2014/main" xmlns="" val="10001"/>
                   </a:ext>
                 </a:extLst>
               </a:tr>
@@ -26174,7 +26607,7 @@
                     <a:p>
                       <a:pPr marL="108000" algn="l"/>
                       <a:r>
-                        <a:rPr lang="en-US" b="0" smtClean="0">
+                        <a:rPr lang="en-US" b="0" dirty="0" err="1" smtClean="0">
                           <a:solidFill>
                             <a:schemeClr val="tx1">
                               <a:lumMod val="85000"/>
@@ -26185,7 +26618,21 @@
                           <a:latin typeface="微软雅黑" panose="020B0503020204020204" pitchFamily="34" charset="-122"/>
                           <a:ea typeface="微软雅黑" panose="020B0503020204020204" pitchFamily="34" charset="-122"/>
                         </a:rPr>
-                        <a:t>InputStream open(String filename)</a:t>
+                        <a:t>InputStream</a:t>
+                      </a:r>
+                      <a:r>
+                        <a:rPr lang="en-US" b="0" dirty="0" smtClean="0">
+                          <a:solidFill>
+                            <a:schemeClr val="tx1">
+                              <a:lumMod val="85000"/>
+                              <a:lumOff val="15000"/>
+                            </a:schemeClr>
+                          </a:solidFill>
+                          <a:effectLst/>
+                          <a:latin typeface="微软雅黑" panose="020B0503020204020204" pitchFamily="34" charset="-122"/>
+                          <a:ea typeface="微软雅黑" panose="020B0503020204020204" pitchFamily="34" charset="-122"/>
+                        </a:rPr>
+                        <a:t> open(String filename)</a:t>
                       </a:r>
                       <a:endParaRPr lang="en-US" b="0" dirty="0">
                         <a:solidFill>
@@ -26355,7 +26802,7 @@
                 </a:tc>
                 <a:extLst>
                   <a:ext uri="{0D108BD9-81ED-4DB2-BD59-A6C34878D82A}">
-                    <a16:rowId xmlns:a16="http://schemas.microsoft.com/office/drawing/2014/main" val="3075238307"/>
+                    <a16:rowId xmlns:a16="http://schemas.microsoft.com/office/drawing/2014/main" xmlns="" val="3075238307"/>
                   </a:ext>
                 </a:extLst>
               </a:tr>
@@ -26618,7 +27065,7 @@
                 </a:tc>
                 <a:extLst>
                   <a:ext uri="{0D108BD9-81ED-4DB2-BD59-A6C34878D82A}">
-                    <a16:rowId xmlns:a16="http://schemas.microsoft.com/office/drawing/2014/main" val="10005"/>
+                    <a16:rowId xmlns:a16="http://schemas.microsoft.com/office/drawing/2014/main" xmlns="" val="10005"/>
                   </a:ext>
                 </a:extLst>
               </a:tr>
@@ -26817,7 +27264,7 @@
                 </a:tc>
                 <a:extLst>
                   <a:ext uri="{0D108BD9-81ED-4DB2-BD59-A6C34878D82A}">
-                    <a16:rowId xmlns:a16="http://schemas.microsoft.com/office/drawing/2014/main" val="2574007439"/>
+                    <a16:rowId xmlns:a16="http://schemas.microsoft.com/office/drawing/2014/main" xmlns="" val="2574007439"/>
                   </a:ext>
                 </a:extLst>
               </a:tr>
@@ -26845,7 +27292,7 @@
 </p:sld>
 </file>
 
-<file path=ppt/slides/slide43.xml><?xml version="1.0" encoding="utf-8"?>
+<file path=ppt/slides/slide44.xml><?xml version="1.0" encoding="utf-8"?>
 <p:sld xmlns:a="http://schemas.openxmlformats.org/drawingml/2006/main" xmlns:r="http://schemas.openxmlformats.org/officeDocument/2006/relationships" xmlns:p="http://schemas.openxmlformats.org/presentationml/2006/main" show="0">
   <p:cSld>
     <p:spTree>
@@ -26925,17 +27372,6 @@
               <a:defRPr/>
             </a:pPr>
             <a:r>
-              <a:rPr lang="zh-CN" altLang="en-US" sz="3200" smtClean="0">
-                <a:solidFill>
-                  <a:schemeClr val="tx1">
-                    <a:lumMod val="85000"/>
-                    <a:lumOff val="15000"/>
-                  </a:schemeClr>
-                </a:solidFill>
-              </a:rPr>
-              <a:t>实例：</a:t>
-            </a:r>
-            <a:r>
               <a:rPr lang="zh-CN" altLang="en-US" sz="3200" dirty="0" smtClean="0">
                 <a:solidFill>
                   <a:schemeClr val="tx1">
@@ -26944,7 +27380,7 @@
                   </a:schemeClr>
                 </a:solidFill>
               </a:rPr>
-              <a:t>简单</a:t>
+              <a:t>实例：简单</a:t>
             </a:r>
             <a:r>
               <a:rPr lang="en-US" altLang="zh-CN" sz="3200" dirty="0" smtClean="0">
@@ -27114,18 +27550,7 @@
                   </a:schemeClr>
                 </a:solidFill>
               </a:rPr>
-              <a:t>形式显示</a:t>
-            </a:r>
-            <a:r>
-              <a:rPr lang="zh-CN" altLang="en-US" sz="3200" smtClean="0">
-                <a:solidFill>
-                  <a:schemeClr val="tx1">
-                    <a:lumMod val="85000"/>
-                    <a:lumOff val="15000"/>
-                  </a:schemeClr>
-                </a:solidFill>
-              </a:rPr>
-              <a:t>）。</a:t>
+              <a:t>形式显示）。</a:t>
             </a:r>
             <a:endParaRPr lang="en-US" altLang="zh-CN" sz="3200" dirty="0" smtClean="0">
               <a:solidFill>
@@ -27227,7 +27652,7 @@
 </p:sld>
 </file>
 
-<file path=ppt/slides/slide44.xml><?xml version="1.0" encoding="utf-8"?>
+<file path=ppt/slides/slide45.xml><?xml version="1.0" encoding="utf-8"?>
 <p:sld xmlns:a="http://schemas.openxmlformats.org/drawingml/2006/main" xmlns:r="http://schemas.openxmlformats.org/officeDocument/2006/relationships" xmlns:p="http://schemas.openxmlformats.org/presentationml/2006/main">
   <p:cSld>
     <p:spTree>
@@ -28841,7 +29266,7 @@
 </p:sld>
 </file>
 
-<file path=ppt/slides/slide45.xml><?xml version="1.0" encoding="utf-8"?>
+<file path=ppt/slides/slide46.xml><?xml version="1.0" encoding="utf-8"?>
 <p:sld xmlns:a="http://schemas.openxmlformats.org/drawingml/2006/main" xmlns:r="http://schemas.openxmlformats.org/officeDocument/2006/relationships" xmlns:p="http://schemas.openxmlformats.org/presentationml/2006/main">
   <p:cSld>
     <p:spTree>
@@ -29238,7 +29663,7 @@
 </p:sld>
 </file>
 
-<file path=ppt/slides/slide46.xml><?xml version="1.0" encoding="utf-8"?>
+<file path=ppt/slides/slide47.xml><?xml version="1.0" encoding="utf-8"?>
 <p:sld xmlns:a="http://schemas.openxmlformats.org/drawingml/2006/main" xmlns:r="http://schemas.openxmlformats.org/officeDocument/2006/relationships" xmlns:p="http://schemas.openxmlformats.org/presentationml/2006/main">
   <p:cSld>
     <p:spTree>
@@ -29884,7 +30309,7 @@
 </p:sld>
 </file>
 
-<file path=ppt/slides/slide47.xml><?xml version="1.0" encoding="utf-8"?>
+<file path=ppt/slides/slide48.xml><?xml version="1.0" encoding="utf-8"?>
 <p:sld xmlns:a="http://schemas.openxmlformats.org/drawingml/2006/main" xmlns:r="http://schemas.openxmlformats.org/officeDocument/2006/relationships" xmlns:p="http://schemas.openxmlformats.org/presentationml/2006/main">
   <p:cSld>
     <p:spTree>
@@ -30319,7 +30744,7 @@
 </p:sld>
 </file>
 
-<file path=ppt/slides/slide48.xml><?xml version="1.0" encoding="utf-8"?>
+<file path=ppt/slides/slide49.xml><?xml version="1.0" encoding="utf-8"?>
 <p:sld xmlns:a="http://schemas.openxmlformats.org/drawingml/2006/main" xmlns:r="http://schemas.openxmlformats.org/officeDocument/2006/relationships" xmlns:p="http://schemas.openxmlformats.org/presentationml/2006/main">
   <p:cSld>
     <p:spTree>
@@ -30589,301 +31014,6 @@
 </p:sld>
 </file>
 
-<file path=ppt/slides/slide49.xml><?xml version="1.0" encoding="utf-8"?>
-<p:sld xmlns:a="http://schemas.openxmlformats.org/drawingml/2006/main" xmlns:r="http://schemas.openxmlformats.org/officeDocument/2006/relationships" xmlns:p="http://schemas.openxmlformats.org/presentationml/2006/main" show="0">
-  <p:cSld>
-    <p:spTree>
-      <p:nvGrpSpPr>
-        <p:cNvPr id="1" name=""/>
-        <p:cNvGrpSpPr/>
-        <p:nvPr/>
-      </p:nvGrpSpPr>
-      <p:grpSpPr>
-        <a:xfrm>
-          <a:off x="0" y="0"/>
-          <a:ext cx="0" cy="0"/>
-          <a:chOff x="0" y="0"/>
-          <a:chExt cx="0" cy="0"/>
-        </a:xfrm>
-      </p:grpSpPr>
-      <p:sp>
-        <p:nvSpPr>
-          <p:cNvPr id="2" name="标题 1"/>
-          <p:cNvSpPr>
-            <a:spLocks noGrp="1"/>
-          </p:cNvSpPr>
-          <p:nvPr>
-            <p:ph type="title"/>
-          </p:nvPr>
-        </p:nvSpPr>
-        <p:spPr/>
-        <p:txBody>
-          <a:bodyPr>
-            <a:normAutofit/>
-          </a:bodyPr>
-          <a:lstStyle/>
-          <a:p>
-            <a:pPr>
-              <a:defRPr/>
-            </a:pPr>
-            <a:r>
-              <a:rPr lang="zh-CN" altLang="en-US" dirty="0"/>
-              <a:t>国际化和本地化</a:t>
-            </a:r>
-            <a:r>
-              <a:rPr lang="en-US" altLang="zh-CN" dirty="0"/>
-              <a:t>Android</a:t>
-            </a:r>
-            <a:r>
-              <a:rPr lang="zh-CN" altLang="en-US" dirty="0"/>
-              <a:t>应用</a:t>
-            </a:r>
-          </a:p>
-        </p:txBody>
-      </p:sp>
-      <p:sp>
-        <p:nvSpPr>
-          <p:cNvPr id="3" name="内容占位符 2"/>
-          <p:cNvSpPr>
-            <a:spLocks noGrp="1"/>
-          </p:cNvSpPr>
-          <p:nvPr>
-            <p:ph idx="1"/>
-          </p:nvPr>
-        </p:nvSpPr>
-        <p:spPr>
-          <a:xfrm>
-            <a:off x="839416" y="1600201"/>
-            <a:ext cx="10742984" cy="3124943"/>
-          </a:xfrm>
-        </p:spPr>
-        <p:txBody>
-          <a:bodyPr>
-            <a:normAutofit/>
-          </a:bodyPr>
-          <a:lstStyle/>
-          <a:p>
-            <a:pPr>
-              <a:spcAft>
-                <a:spcPts val="600"/>
-              </a:spcAft>
-              <a:defRPr/>
-            </a:pPr>
-            <a:r>
-              <a:rPr lang="zh-CN" altLang="en-US" sz="3200" smtClean="0">
-                <a:solidFill>
-                  <a:schemeClr val="tx1">
-                    <a:lumMod val="85000"/>
-                    <a:lumOff val="15000"/>
-                  </a:schemeClr>
-                </a:solidFill>
-              </a:rPr>
-              <a:t>实例：</a:t>
-            </a:r>
-            <a:r>
-              <a:rPr lang="zh-CN" altLang="en-US" sz="3200" dirty="0" smtClean="0">
-                <a:solidFill>
-                  <a:schemeClr val="tx1">
-                    <a:lumMod val="85000"/>
-                    <a:lumOff val="15000"/>
-                  </a:schemeClr>
-                </a:solidFill>
-              </a:rPr>
-              <a:t>本地化</a:t>
-            </a:r>
-            <a:r>
-              <a:rPr lang="en-US" altLang="zh-CN" sz="3200" dirty="0" smtClean="0">
-                <a:solidFill>
-                  <a:schemeClr val="tx1">
-                    <a:lumMod val="85000"/>
-                    <a:lumOff val="15000"/>
-                  </a:schemeClr>
-                </a:solidFill>
-              </a:rPr>
-              <a:t>Android</a:t>
-            </a:r>
-            <a:r>
-              <a:rPr lang="zh-CN" altLang="en-US" sz="3200" dirty="0" smtClean="0">
-                <a:solidFill>
-                  <a:schemeClr val="tx1">
-                    <a:lumMod val="85000"/>
-                    <a:lumOff val="15000"/>
-                  </a:schemeClr>
-                </a:solidFill>
-              </a:rPr>
-              <a:t>应用实例。</a:t>
-            </a:r>
-            <a:endParaRPr lang="en-US" altLang="zh-CN" sz="3200" dirty="0" smtClean="0">
-              <a:solidFill>
-                <a:schemeClr val="tx1">
-                  <a:lumMod val="85000"/>
-                  <a:lumOff val="15000"/>
-                </a:schemeClr>
-              </a:solidFill>
-            </a:endParaRPr>
-          </a:p>
-          <a:p>
-            <a:pPr lvl="1">
-              <a:spcBef>
-                <a:spcPts val="1200"/>
-              </a:spcBef>
-              <a:spcAft>
-                <a:spcPts val="600"/>
-              </a:spcAft>
-              <a:defRPr/>
-            </a:pPr>
-            <a:r>
-              <a:rPr lang="zh-CN" altLang="en-US" sz="3200" dirty="0" smtClean="0">
-                <a:solidFill>
-                  <a:schemeClr val="tx1">
-                    <a:lumMod val="85000"/>
-                    <a:lumOff val="15000"/>
-                  </a:schemeClr>
-                </a:solidFill>
-              </a:rPr>
-              <a:t>建立简单的用户登录界面，实现两种语言的支持（中文和英文），当用户设置不同语言环境时，显示不同的文本。</a:t>
-            </a:r>
-            <a:endParaRPr lang="en-US" altLang="zh-CN" sz="3200" dirty="0" smtClean="0">
-              <a:solidFill>
-                <a:schemeClr val="tx1">
-                  <a:lumMod val="85000"/>
-                  <a:lumOff val="15000"/>
-                </a:schemeClr>
-              </a:solidFill>
-            </a:endParaRPr>
-          </a:p>
-          <a:p>
-            <a:pPr lvl="1">
-              <a:spcBef>
-                <a:spcPts val="1200"/>
-              </a:spcBef>
-              <a:spcAft>
-                <a:spcPts val="600"/>
-              </a:spcAft>
-              <a:defRPr/>
-            </a:pPr>
-            <a:r>
-              <a:rPr lang="zh-CN" altLang="en-US" sz="3200" dirty="0" smtClean="0">
-                <a:solidFill>
-                  <a:schemeClr val="tx1">
-                    <a:lumMod val="85000"/>
-                    <a:lumOff val="15000"/>
-                  </a:schemeClr>
-                </a:solidFill>
-              </a:rPr>
-              <a:t>实现国际化支持，即要有默认语言</a:t>
-            </a:r>
-            <a:r>
-              <a:rPr lang="zh-CN" altLang="en-US" sz="3200" smtClean="0">
-                <a:solidFill>
-                  <a:schemeClr val="tx1">
-                    <a:lumMod val="85000"/>
-                    <a:lumOff val="15000"/>
-                  </a:schemeClr>
-                </a:solidFill>
-              </a:rPr>
-              <a:t>支持。</a:t>
-            </a:r>
-            <a:endParaRPr lang="en-US" altLang="zh-CN" sz="3200" dirty="0" smtClean="0">
-              <a:solidFill>
-                <a:schemeClr val="tx1">
-                  <a:lumMod val="85000"/>
-                  <a:lumOff val="15000"/>
-                </a:schemeClr>
-              </a:solidFill>
-            </a:endParaRPr>
-          </a:p>
-        </p:txBody>
-      </p:sp>
-      <p:sp>
-        <p:nvSpPr>
-          <p:cNvPr id="2053" name="Rectangle 2"/>
-          <p:cNvSpPr>
-            <a:spLocks noChangeArrowheads="1"/>
-          </p:cNvSpPr>
-          <p:nvPr/>
-        </p:nvSpPr>
-        <p:spPr bwMode="auto">
-          <a:xfrm>
-            <a:off x="1524001" y="-184666"/>
-            <a:ext cx="184731" cy="369332"/>
-          </a:xfrm>
-          <a:prstGeom prst="rect">
-            <a:avLst/>
-          </a:prstGeom>
-          <a:noFill/>
-          <a:ln>
-            <a:noFill/>
-          </a:ln>
-          <a:extLst>
-            <a:ext uri="{909E8E84-426E-40DD-AFC4-6F175D3DCCD1}">
-              <a14:hiddenFill xmlns:a14="http://schemas.microsoft.com/office/drawing/2010/main">
-                <a:solidFill>
-                  <a:srgbClr val="FFFFFF"/>
-                </a:solidFill>
-              </a14:hiddenFill>
-            </a:ext>
-            <a:ext uri="{91240B29-F687-4F45-9708-019B960494DF}">
-              <a14:hiddenLine xmlns:a14="http://schemas.microsoft.com/office/drawing/2010/main" w="9525" algn="ctr">
-                <a:solidFill>
-                  <a:srgbClr val="000000"/>
-                </a:solidFill>
-                <a:miter lim="800000"/>
-                <a:headEnd/>
-                <a:tailEnd/>
-              </a14:hiddenLine>
-            </a:ext>
-          </a:extLst>
-        </p:spPr>
-        <p:txBody>
-          <a:bodyPr wrap="none" anchor="ctr">
-            <a:spAutoFit/>
-          </a:bodyPr>
-          <a:lstStyle/>
-          <a:p>
-            <a:pPr>
-              <a:spcBef>
-                <a:spcPct val="20000"/>
-              </a:spcBef>
-              <a:buClr>
-                <a:schemeClr val="accent2"/>
-              </a:buClr>
-              <a:buSzPct val="70000"/>
-              <a:buFont typeface="Wingdings" pitchFamily="2" charset="2"/>
-              <a:buNone/>
-            </a:pPr>
-            <a:endParaRPr lang="zh-CN" altLang="en-US"/>
-          </a:p>
-        </p:txBody>
-      </p:sp>
-    </p:spTree>
-    <p:extLst>
-      <p:ext uri="{BB962C8B-B14F-4D97-AF65-F5344CB8AC3E}">
-        <p14:creationId xmlns:p14="http://schemas.microsoft.com/office/powerpoint/2010/main" val="4011332154"/>
-      </p:ext>
-    </p:extLst>
-  </p:cSld>
-  <p:clrMapOvr>
-    <a:masterClrMapping/>
-  </p:clrMapOvr>
-  <mc:AlternateContent xmlns:mc="http://schemas.openxmlformats.org/markup-compatibility/2006" xmlns:p14="http://schemas.microsoft.com/office/powerpoint/2010/main">
-    <mc:Choice Requires="p14">
-      <p:transition spd="slow" p14:dur="2000"/>
-    </mc:Choice>
-    <mc:Fallback xmlns="">
-      <p:transition spd="slow"/>
-    </mc:Fallback>
-  </mc:AlternateContent>
-  <p:timing>
-    <p:tnLst>
-      <p:par>
-        <p:cTn id="1" dur="indefinite" restart="never" nodeType="tmRoot"/>
-      </p:par>
-    </p:tnLst>
-  </p:timing>
-</p:sld>
-</file>
-
 <file path=ppt/slides/slide5.xml><?xml version="1.0" encoding="utf-8"?>
 <p:sld xmlns:a="http://schemas.openxmlformats.org/drawingml/2006/main" xmlns:r="http://schemas.openxmlformats.org/officeDocument/2006/relationships" xmlns:p="http://schemas.openxmlformats.org/presentationml/2006/main">
   <p:cSld>
@@ -31213,6 +31343,301 @@
 </file>
 
 <file path=ppt/slides/slide50.xml><?xml version="1.0" encoding="utf-8"?>
+<p:sld xmlns:a="http://schemas.openxmlformats.org/drawingml/2006/main" xmlns:r="http://schemas.openxmlformats.org/officeDocument/2006/relationships" xmlns:p="http://schemas.openxmlformats.org/presentationml/2006/main" show="0">
+  <p:cSld>
+    <p:spTree>
+      <p:nvGrpSpPr>
+        <p:cNvPr id="1" name=""/>
+        <p:cNvGrpSpPr/>
+        <p:nvPr/>
+      </p:nvGrpSpPr>
+      <p:grpSpPr>
+        <a:xfrm>
+          <a:off x="0" y="0"/>
+          <a:ext cx="0" cy="0"/>
+          <a:chOff x="0" y="0"/>
+          <a:chExt cx="0" cy="0"/>
+        </a:xfrm>
+      </p:grpSpPr>
+      <p:sp>
+        <p:nvSpPr>
+          <p:cNvPr id="2" name="标题 1"/>
+          <p:cNvSpPr>
+            <a:spLocks noGrp="1"/>
+          </p:cNvSpPr>
+          <p:nvPr>
+            <p:ph type="title"/>
+          </p:nvPr>
+        </p:nvSpPr>
+        <p:spPr/>
+        <p:txBody>
+          <a:bodyPr>
+            <a:normAutofit/>
+          </a:bodyPr>
+          <a:lstStyle/>
+          <a:p>
+            <a:pPr>
+              <a:defRPr/>
+            </a:pPr>
+            <a:r>
+              <a:rPr lang="zh-CN" altLang="en-US" dirty="0"/>
+              <a:t>国际化和本地化</a:t>
+            </a:r>
+            <a:r>
+              <a:rPr lang="en-US" altLang="zh-CN" dirty="0"/>
+              <a:t>Android</a:t>
+            </a:r>
+            <a:r>
+              <a:rPr lang="zh-CN" altLang="en-US" dirty="0"/>
+              <a:t>应用</a:t>
+            </a:r>
+          </a:p>
+        </p:txBody>
+      </p:sp>
+      <p:sp>
+        <p:nvSpPr>
+          <p:cNvPr id="3" name="内容占位符 2"/>
+          <p:cNvSpPr>
+            <a:spLocks noGrp="1"/>
+          </p:cNvSpPr>
+          <p:nvPr>
+            <p:ph idx="1"/>
+          </p:nvPr>
+        </p:nvSpPr>
+        <p:spPr>
+          <a:xfrm>
+            <a:off x="839416" y="1600201"/>
+            <a:ext cx="10742984" cy="3124943"/>
+          </a:xfrm>
+        </p:spPr>
+        <p:txBody>
+          <a:bodyPr>
+            <a:normAutofit/>
+          </a:bodyPr>
+          <a:lstStyle/>
+          <a:p>
+            <a:pPr>
+              <a:spcAft>
+                <a:spcPts val="600"/>
+              </a:spcAft>
+              <a:defRPr/>
+            </a:pPr>
+            <a:r>
+              <a:rPr lang="zh-CN" altLang="en-US" sz="3200" smtClean="0">
+                <a:solidFill>
+                  <a:schemeClr val="tx1">
+                    <a:lumMod val="85000"/>
+                    <a:lumOff val="15000"/>
+                  </a:schemeClr>
+                </a:solidFill>
+              </a:rPr>
+              <a:t>实例：</a:t>
+            </a:r>
+            <a:r>
+              <a:rPr lang="zh-CN" altLang="en-US" sz="3200" dirty="0" smtClean="0">
+                <a:solidFill>
+                  <a:schemeClr val="tx1">
+                    <a:lumMod val="85000"/>
+                    <a:lumOff val="15000"/>
+                  </a:schemeClr>
+                </a:solidFill>
+              </a:rPr>
+              <a:t>本地化</a:t>
+            </a:r>
+            <a:r>
+              <a:rPr lang="en-US" altLang="zh-CN" sz="3200" dirty="0" smtClean="0">
+                <a:solidFill>
+                  <a:schemeClr val="tx1">
+                    <a:lumMod val="85000"/>
+                    <a:lumOff val="15000"/>
+                  </a:schemeClr>
+                </a:solidFill>
+              </a:rPr>
+              <a:t>Android</a:t>
+            </a:r>
+            <a:r>
+              <a:rPr lang="zh-CN" altLang="en-US" sz="3200" dirty="0" smtClean="0">
+                <a:solidFill>
+                  <a:schemeClr val="tx1">
+                    <a:lumMod val="85000"/>
+                    <a:lumOff val="15000"/>
+                  </a:schemeClr>
+                </a:solidFill>
+              </a:rPr>
+              <a:t>应用实例。</a:t>
+            </a:r>
+            <a:endParaRPr lang="en-US" altLang="zh-CN" sz="3200" dirty="0" smtClean="0">
+              <a:solidFill>
+                <a:schemeClr val="tx1">
+                  <a:lumMod val="85000"/>
+                  <a:lumOff val="15000"/>
+                </a:schemeClr>
+              </a:solidFill>
+            </a:endParaRPr>
+          </a:p>
+          <a:p>
+            <a:pPr lvl="1">
+              <a:spcBef>
+                <a:spcPts val="1200"/>
+              </a:spcBef>
+              <a:spcAft>
+                <a:spcPts val="600"/>
+              </a:spcAft>
+              <a:defRPr/>
+            </a:pPr>
+            <a:r>
+              <a:rPr lang="zh-CN" altLang="en-US" sz="3200" dirty="0" smtClean="0">
+                <a:solidFill>
+                  <a:schemeClr val="tx1">
+                    <a:lumMod val="85000"/>
+                    <a:lumOff val="15000"/>
+                  </a:schemeClr>
+                </a:solidFill>
+              </a:rPr>
+              <a:t>建立简单的用户登录界面，实现两种语言的支持（中文和英文），当用户设置不同语言环境时，显示不同的文本。</a:t>
+            </a:r>
+            <a:endParaRPr lang="en-US" altLang="zh-CN" sz="3200" dirty="0" smtClean="0">
+              <a:solidFill>
+                <a:schemeClr val="tx1">
+                  <a:lumMod val="85000"/>
+                  <a:lumOff val="15000"/>
+                </a:schemeClr>
+              </a:solidFill>
+            </a:endParaRPr>
+          </a:p>
+          <a:p>
+            <a:pPr lvl="1">
+              <a:spcBef>
+                <a:spcPts val="1200"/>
+              </a:spcBef>
+              <a:spcAft>
+                <a:spcPts val="600"/>
+              </a:spcAft>
+              <a:defRPr/>
+            </a:pPr>
+            <a:r>
+              <a:rPr lang="zh-CN" altLang="en-US" sz="3200" dirty="0" smtClean="0">
+                <a:solidFill>
+                  <a:schemeClr val="tx1">
+                    <a:lumMod val="85000"/>
+                    <a:lumOff val="15000"/>
+                  </a:schemeClr>
+                </a:solidFill>
+              </a:rPr>
+              <a:t>实现国际化支持，即要有默认语言</a:t>
+            </a:r>
+            <a:r>
+              <a:rPr lang="zh-CN" altLang="en-US" sz="3200" smtClean="0">
+                <a:solidFill>
+                  <a:schemeClr val="tx1">
+                    <a:lumMod val="85000"/>
+                    <a:lumOff val="15000"/>
+                  </a:schemeClr>
+                </a:solidFill>
+              </a:rPr>
+              <a:t>支持。</a:t>
+            </a:r>
+            <a:endParaRPr lang="en-US" altLang="zh-CN" sz="3200" dirty="0" smtClean="0">
+              <a:solidFill>
+                <a:schemeClr val="tx1">
+                  <a:lumMod val="85000"/>
+                  <a:lumOff val="15000"/>
+                </a:schemeClr>
+              </a:solidFill>
+            </a:endParaRPr>
+          </a:p>
+        </p:txBody>
+      </p:sp>
+      <p:sp>
+        <p:nvSpPr>
+          <p:cNvPr id="2053" name="Rectangle 2"/>
+          <p:cNvSpPr>
+            <a:spLocks noChangeArrowheads="1"/>
+          </p:cNvSpPr>
+          <p:nvPr/>
+        </p:nvSpPr>
+        <p:spPr bwMode="auto">
+          <a:xfrm>
+            <a:off x="1524001" y="-184666"/>
+            <a:ext cx="184731" cy="369332"/>
+          </a:xfrm>
+          <a:prstGeom prst="rect">
+            <a:avLst/>
+          </a:prstGeom>
+          <a:noFill/>
+          <a:ln>
+            <a:noFill/>
+          </a:ln>
+          <a:extLst>
+            <a:ext uri="{909E8E84-426E-40DD-AFC4-6F175D3DCCD1}">
+              <a14:hiddenFill xmlns:a14="http://schemas.microsoft.com/office/drawing/2010/main">
+                <a:solidFill>
+                  <a:srgbClr val="FFFFFF"/>
+                </a:solidFill>
+              </a14:hiddenFill>
+            </a:ext>
+            <a:ext uri="{91240B29-F687-4F45-9708-019B960494DF}">
+              <a14:hiddenLine xmlns:a14="http://schemas.microsoft.com/office/drawing/2010/main" w="9525" algn="ctr">
+                <a:solidFill>
+                  <a:srgbClr val="000000"/>
+                </a:solidFill>
+                <a:miter lim="800000"/>
+                <a:headEnd/>
+                <a:tailEnd/>
+              </a14:hiddenLine>
+            </a:ext>
+          </a:extLst>
+        </p:spPr>
+        <p:txBody>
+          <a:bodyPr wrap="none" anchor="ctr">
+            <a:spAutoFit/>
+          </a:bodyPr>
+          <a:lstStyle/>
+          <a:p>
+            <a:pPr>
+              <a:spcBef>
+                <a:spcPct val="20000"/>
+              </a:spcBef>
+              <a:buClr>
+                <a:schemeClr val="accent2"/>
+              </a:buClr>
+              <a:buSzPct val="70000"/>
+              <a:buFont typeface="Wingdings" pitchFamily="2" charset="2"/>
+              <a:buNone/>
+            </a:pPr>
+            <a:endParaRPr lang="zh-CN" altLang="en-US"/>
+          </a:p>
+        </p:txBody>
+      </p:sp>
+    </p:spTree>
+    <p:extLst>
+      <p:ext uri="{BB962C8B-B14F-4D97-AF65-F5344CB8AC3E}">
+        <p14:creationId xmlns:p14="http://schemas.microsoft.com/office/powerpoint/2010/main" val="4011332154"/>
+      </p:ext>
+    </p:extLst>
+  </p:cSld>
+  <p:clrMapOvr>
+    <a:masterClrMapping/>
+  </p:clrMapOvr>
+  <mc:AlternateContent xmlns:mc="http://schemas.openxmlformats.org/markup-compatibility/2006" xmlns:p14="http://schemas.microsoft.com/office/powerpoint/2010/main">
+    <mc:Choice Requires="p14">
+      <p:transition spd="slow" p14:dur="2000"/>
+    </mc:Choice>
+    <mc:Fallback xmlns="">
+      <p:transition spd="slow"/>
+    </mc:Fallback>
+  </mc:AlternateContent>
+  <p:timing>
+    <p:tnLst>
+      <p:par>
+        <p:cTn id="1" dur="indefinite" restart="never" nodeType="tmRoot"/>
+      </p:par>
+    </p:tnLst>
+  </p:timing>
+</p:sld>
+</file>
+
+<file path=ppt/slides/slide51.xml><?xml version="1.0" encoding="utf-8"?>
 <p:sld xmlns:a="http://schemas.openxmlformats.org/drawingml/2006/main" xmlns:r="http://schemas.openxmlformats.org/officeDocument/2006/relationships" xmlns:p="http://schemas.openxmlformats.org/presentationml/2006/main">
   <p:cSld>
     <p:spTree>
@@ -32816,7 +33241,7 @@
 </p:sld>
 </file>
 
-<file path=ppt/slides/slide51.xml><?xml version="1.0" encoding="utf-8"?>
+<file path=ppt/slides/slide52.xml><?xml version="1.0" encoding="utf-8"?>
 <p:sld xmlns:a="http://schemas.openxmlformats.org/drawingml/2006/main" xmlns:r="http://schemas.openxmlformats.org/officeDocument/2006/relationships" xmlns:p="http://schemas.openxmlformats.org/presentationml/2006/main">
   <p:cSld>
     <p:spTree>
@@ -32936,7 +33361,7 @@
               <a:buChar char="•"/>
             </a:pPr>
             <a:r>
-              <a:rPr lang="en-US" altLang="zh-CN" sz="3200">
+              <a:rPr lang="en-US" altLang="zh-CN" sz="3200" dirty="0">
                 <a:solidFill>
                   <a:srgbClr val="C00000"/>
                 </a:solidFill>
@@ -32944,7 +33369,7 @@
               <a:t>res</a:t>
             </a:r>
             <a:r>
-              <a:rPr lang="zh-CN" altLang="en-US" sz="3200">
+              <a:rPr lang="zh-CN" altLang="en-US" sz="3200" dirty="0">
                 <a:solidFill>
                   <a:srgbClr val="C00000"/>
                 </a:solidFill>
@@ -32952,7 +33377,7 @@
               <a:t>目录</a:t>
             </a:r>
             <a:r>
-              <a:rPr lang="zh-CN" altLang="en-US" sz="3200">
+              <a:rPr lang="zh-CN" altLang="en-US" sz="3200" dirty="0">
                 <a:solidFill>
                   <a:schemeClr val="tx1">
                     <a:lumMod val="85000"/>
@@ -32963,7 +33388,7 @@
               <a:t>：可以使用</a:t>
             </a:r>
             <a:r>
-              <a:rPr lang="en-US" altLang="zh-CN" sz="3200">
+              <a:rPr lang="en-US" altLang="zh-CN" sz="3200" dirty="0">
                 <a:solidFill>
                   <a:schemeClr val="tx1">
                     <a:lumMod val="85000"/>
@@ -32974,7 +33399,7 @@
               <a:t>R</a:t>
             </a:r>
             <a:r>
-              <a:rPr lang="zh-CN" altLang="en-US" sz="3200">
+              <a:rPr lang="zh-CN" altLang="en-US" sz="3200" dirty="0">
                 <a:solidFill>
                   <a:schemeClr val="tx1">
                     <a:lumMod val="85000"/>
@@ -33000,7 +33425,7 @@
               <a:buChar char="•"/>
             </a:pPr>
             <a:r>
-              <a:rPr lang="en-US" altLang="zh-CN" sz="3200">
+              <a:rPr lang="en-US" altLang="zh-CN" sz="3200" dirty="0">
                 <a:solidFill>
                   <a:srgbClr val="C00000"/>
                 </a:solidFill>
@@ -33008,7 +33433,7 @@
               <a:t>assets</a:t>
             </a:r>
             <a:r>
-              <a:rPr lang="zh-CN" altLang="en-US" sz="3200">
+              <a:rPr lang="zh-CN" altLang="en-US" sz="3200" dirty="0">
                 <a:solidFill>
                   <a:srgbClr val="C00000"/>
                 </a:solidFill>
@@ -33016,7 +33441,7 @@
               <a:t>目录</a:t>
             </a:r>
             <a:r>
-              <a:rPr lang="zh-CN" altLang="en-US" sz="3200">
+              <a:rPr lang="zh-CN" altLang="en-US" sz="3200" dirty="0">
                 <a:solidFill>
                   <a:schemeClr val="tx1">
                     <a:lumMod val="85000"/>
@@ -33027,7 +33452,7 @@
               <a:t>：无法直接访问的原生资源（只能通过</a:t>
             </a:r>
             <a:r>
-              <a:rPr lang="en-US" altLang="zh-CN" sz="3200">
+              <a:rPr lang="en-US" altLang="zh-CN" sz="3200" dirty="0" err="1">
                 <a:solidFill>
                   <a:schemeClr val="tx1">
                     <a:lumMod val="85000"/>
@@ -33038,7 +33463,7 @@
               <a:t>AssetManager</a:t>
             </a:r>
             <a:r>
-              <a:rPr lang="zh-CN" altLang="en-US" sz="3200">
+              <a:rPr lang="zh-CN" altLang="en-US" sz="3200" dirty="0">
                 <a:solidFill>
                   <a:schemeClr val="tx1">
                     <a:lumMod val="85000"/>
@@ -33049,7 +33474,7 @@
               <a:t>来处理）</a:t>
             </a:r>
             <a:r>
-              <a:rPr lang="zh-CN" altLang="en-US" sz="3200" smtClean="0">
+              <a:rPr lang="zh-CN" altLang="en-US" sz="3200" dirty="0" smtClean="0">
                 <a:solidFill>
                   <a:schemeClr val="tx1">
                     <a:lumMod val="85000"/>
@@ -33059,7 +33484,7 @@
               </a:rPr>
               <a:t>。</a:t>
             </a:r>
-            <a:endParaRPr lang="zh-CN" altLang="en-US" sz="3200">
+            <a:endParaRPr lang="zh-CN" altLang="en-US" sz="3200" dirty="0">
               <a:solidFill>
                 <a:schemeClr val="tx1">
                   <a:lumMod val="85000"/>
@@ -35031,14 +35456,14 @@
                 <a:gridCol w="2363017">
                   <a:extLst>
                     <a:ext uri="{9D8B030D-6E8A-4147-A177-3AD203B41FA5}">
-                      <a16:colId xmlns:a16="http://schemas.microsoft.com/office/drawing/2014/main" val="20000"/>
+                      <a16:colId xmlns:a16="http://schemas.microsoft.com/office/drawing/2014/main" xmlns="" val="20000"/>
                     </a:ext>
                   </a:extLst>
                 </a:gridCol>
                 <a:gridCol w="7358063">
                   <a:extLst>
                     <a:ext uri="{9D8B030D-6E8A-4147-A177-3AD203B41FA5}">
-                      <a16:colId xmlns:a16="http://schemas.microsoft.com/office/drawing/2014/main" val="20001"/>
+                      <a16:colId xmlns:a16="http://schemas.microsoft.com/office/drawing/2014/main" xmlns="" val="20001"/>
                     </a:ext>
                   </a:extLst>
                 </a:gridCol>
@@ -35203,7 +35628,7 @@
                 </a:tc>
                 <a:extLst>
                   <a:ext uri="{0D108BD9-81ED-4DB2-BD59-A6C34878D82A}">
-                    <a16:rowId xmlns:a16="http://schemas.microsoft.com/office/drawing/2014/main" val="10000"/>
+                    <a16:rowId xmlns:a16="http://schemas.microsoft.com/office/drawing/2014/main" xmlns="" val="10000"/>
                   </a:ext>
                 </a:extLst>
               </a:tr>
@@ -35380,7 +35805,7 @@
                 </a:tc>
                 <a:extLst>
                   <a:ext uri="{0D108BD9-81ED-4DB2-BD59-A6C34878D82A}">
-                    <a16:rowId xmlns:a16="http://schemas.microsoft.com/office/drawing/2014/main" val="10001"/>
+                    <a16:rowId xmlns:a16="http://schemas.microsoft.com/office/drawing/2014/main" xmlns="" val="10001"/>
                   </a:ext>
                 </a:extLst>
               </a:tr>
@@ -35550,7 +35975,7 @@
                 </a:tc>
                 <a:extLst>
                   <a:ext uri="{0D108BD9-81ED-4DB2-BD59-A6C34878D82A}">
-                    <a16:rowId xmlns:a16="http://schemas.microsoft.com/office/drawing/2014/main" val="10002"/>
+                    <a16:rowId xmlns:a16="http://schemas.microsoft.com/office/drawing/2014/main" xmlns="" val="10002"/>
                   </a:ext>
                 </a:extLst>
               </a:tr>
@@ -35811,7 +36236,7 @@
                 </a:tc>
                 <a:extLst>
                   <a:ext uri="{0D108BD9-81ED-4DB2-BD59-A6C34878D82A}">
-                    <a16:rowId xmlns:a16="http://schemas.microsoft.com/office/drawing/2014/main" val="10003"/>
+                    <a16:rowId xmlns:a16="http://schemas.microsoft.com/office/drawing/2014/main" xmlns="" val="10003"/>
                   </a:ext>
                 </a:extLst>
               </a:tr>
@@ -35998,7 +36423,7 @@
                 </a:tc>
                 <a:extLst>
                   <a:ext uri="{0D108BD9-81ED-4DB2-BD59-A6C34878D82A}">
-                    <a16:rowId xmlns:a16="http://schemas.microsoft.com/office/drawing/2014/main" val="10004"/>
+                    <a16:rowId xmlns:a16="http://schemas.microsoft.com/office/drawing/2014/main" xmlns="" val="10004"/>
                   </a:ext>
                 </a:extLst>
               </a:tr>
@@ -36154,7 +36579,7 @@
                 </a:tc>
                 <a:extLst>
                   <a:ext uri="{0D108BD9-81ED-4DB2-BD59-A6C34878D82A}">
-                    <a16:rowId xmlns:a16="http://schemas.microsoft.com/office/drawing/2014/main" val="10005"/>
+                    <a16:rowId xmlns:a16="http://schemas.microsoft.com/office/drawing/2014/main" xmlns="" val="10005"/>
                   </a:ext>
                 </a:extLst>
               </a:tr>
@@ -36310,7 +36735,7 @@
                 </a:tc>
                 <a:extLst>
                   <a:ext uri="{0D108BD9-81ED-4DB2-BD59-A6C34878D82A}">
-                    <a16:rowId xmlns:a16="http://schemas.microsoft.com/office/drawing/2014/main" val="10006"/>
+                    <a16:rowId xmlns:a16="http://schemas.microsoft.com/office/drawing/2014/main" xmlns="" val="10006"/>
                   </a:ext>
                 </a:extLst>
               </a:tr>
@@ -36466,7 +36891,7 @@
                 </a:tc>
                 <a:extLst>
                   <a:ext uri="{0D108BD9-81ED-4DB2-BD59-A6C34878D82A}">
-                    <a16:rowId xmlns:a16="http://schemas.microsoft.com/office/drawing/2014/main" val="10007"/>
+                    <a16:rowId xmlns:a16="http://schemas.microsoft.com/office/drawing/2014/main" xmlns="" val="10007"/>
                   </a:ext>
                 </a:extLst>
               </a:tr>
@@ -36636,7 +37061,7 @@
                 </a:tc>
                 <a:extLst>
                   <a:ext uri="{0D108BD9-81ED-4DB2-BD59-A6C34878D82A}">
-                    <a16:rowId xmlns:a16="http://schemas.microsoft.com/office/drawing/2014/main" val="10008"/>
+                    <a16:rowId xmlns:a16="http://schemas.microsoft.com/office/drawing/2014/main" xmlns="" val="10008"/>
                   </a:ext>
                 </a:extLst>
               </a:tr>
@@ -36827,7 +37252,7 @@
                 </a:tc>
                 <a:extLst>
                   <a:ext uri="{0D108BD9-81ED-4DB2-BD59-A6C34878D82A}">
-                    <a16:rowId xmlns:a16="http://schemas.microsoft.com/office/drawing/2014/main" val="10009"/>
+                    <a16:rowId xmlns:a16="http://schemas.microsoft.com/office/drawing/2014/main" xmlns="" val="10009"/>
                   </a:ext>
                 </a:extLst>
               </a:tr>
